--- a/PROJET POO Java/Projet_Java_TAN_RINJARD.pptx
+++ b/PROJET POO Java/Projet_Java_TAN_RINJARD.pptx
@@ -10,11 +10,12 @@
     <p:sldId id="258" r:id="rId4"/>
     <p:sldId id="265" r:id="rId5"/>
     <p:sldId id="259" r:id="rId6"/>
-    <p:sldId id="260" r:id="rId7"/>
-    <p:sldId id="261" r:id="rId8"/>
-    <p:sldId id="262" r:id="rId9"/>
-    <p:sldId id="263" r:id="rId10"/>
-    <p:sldId id="264" r:id="rId11"/>
+    <p:sldId id="266" r:id="rId7"/>
+    <p:sldId id="260" r:id="rId8"/>
+    <p:sldId id="261" r:id="rId9"/>
+    <p:sldId id="262" r:id="rId10"/>
+    <p:sldId id="263" r:id="rId11"/>
+    <p:sldId id="264" r:id="rId12"/>
   </p:sldIdLst>
   <p:sldSz cx="9144000" cy="6858000" type="screen4x3"/>
   <p:notesSz cx="6858000" cy="9144000"/>
@@ -297,6 +298,7 @@
           <a:p>
             <a:fld id="{E15B4D3E-E374-4ECD-BDC4-CF4C9D43C424}" type="datetimeFigureOut">
               <a:rPr lang="fr-FR" smtClean="0"/>
+              <a:pPr/>
               <a:t>22/04/2018</a:t>
             </a:fld>
             <a:endParaRPr lang="fr-FR"/>
@@ -339,6 +341,7 @@
           <a:p>
             <a:fld id="{3BB17824-0FC6-4A82-9AF7-677735392648}" type="slidenum">
               <a:rPr lang="fr-FR" smtClean="0"/>
+              <a:pPr/>
               <a:t>‹N°›</a:t>
             </a:fld>
             <a:endParaRPr lang="fr-FR"/>
@@ -462,6 +465,7 @@
           <a:p>
             <a:fld id="{E15B4D3E-E374-4ECD-BDC4-CF4C9D43C424}" type="datetimeFigureOut">
               <a:rPr lang="fr-FR" smtClean="0"/>
+              <a:pPr/>
               <a:t>22/04/2018</a:t>
             </a:fld>
             <a:endParaRPr lang="fr-FR"/>
@@ -504,6 +508,7 @@
           <a:p>
             <a:fld id="{3BB17824-0FC6-4A82-9AF7-677735392648}" type="slidenum">
               <a:rPr lang="fr-FR" smtClean="0"/>
+              <a:pPr/>
               <a:t>‹N°›</a:t>
             </a:fld>
             <a:endParaRPr lang="fr-FR"/>
@@ -637,6 +642,7 @@
           <a:p>
             <a:fld id="{E15B4D3E-E374-4ECD-BDC4-CF4C9D43C424}" type="datetimeFigureOut">
               <a:rPr lang="fr-FR" smtClean="0"/>
+              <a:pPr/>
               <a:t>22/04/2018</a:t>
             </a:fld>
             <a:endParaRPr lang="fr-FR"/>
@@ -679,6 +685,7 @@
           <a:p>
             <a:fld id="{3BB17824-0FC6-4A82-9AF7-677735392648}" type="slidenum">
               <a:rPr lang="fr-FR" smtClean="0"/>
+              <a:pPr/>
               <a:t>‹N°›</a:t>
             </a:fld>
             <a:endParaRPr lang="fr-FR"/>
@@ -802,6 +809,7 @@
           <a:p>
             <a:fld id="{E15B4D3E-E374-4ECD-BDC4-CF4C9D43C424}" type="datetimeFigureOut">
               <a:rPr lang="fr-FR" smtClean="0"/>
+              <a:pPr/>
               <a:t>22/04/2018</a:t>
             </a:fld>
             <a:endParaRPr lang="fr-FR"/>
@@ -844,6 +852,7 @@
           <a:p>
             <a:fld id="{3BB17824-0FC6-4A82-9AF7-677735392648}" type="slidenum">
               <a:rPr lang="fr-FR" smtClean="0"/>
+              <a:pPr/>
               <a:t>‹N°›</a:t>
             </a:fld>
             <a:endParaRPr lang="fr-FR"/>
@@ -1043,6 +1052,7 @@
           <a:p>
             <a:fld id="{E15B4D3E-E374-4ECD-BDC4-CF4C9D43C424}" type="datetimeFigureOut">
               <a:rPr lang="fr-FR" smtClean="0"/>
+              <a:pPr/>
               <a:t>22/04/2018</a:t>
             </a:fld>
             <a:endParaRPr lang="fr-FR"/>
@@ -1085,6 +1095,7 @@
           <a:p>
             <a:fld id="{3BB17824-0FC6-4A82-9AF7-677735392648}" type="slidenum">
               <a:rPr lang="fr-FR" smtClean="0"/>
+              <a:pPr/>
               <a:t>‹N°›</a:t>
             </a:fld>
             <a:endParaRPr lang="fr-FR"/>
@@ -1326,6 +1337,7 @@
           <a:p>
             <a:fld id="{E15B4D3E-E374-4ECD-BDC4-CF4C9D43C424}" type="datetimeFigureOut">
               <a:rPr lang="fr-FR" smtClean="0"/>
+              <a:pPr/>
               <a:t>22/04/2018</a:t>
             </a:fld>
             <a:endParaRPr lang="fr-FR"/>
@@ -1368,6 +1380,7 @@
           <a:p>
             <a:fld id="{3BB17824-0FC6-4A82-9AF7-677735392648}" type="slidenum">
               <a:rPr lang="fr-FR" smtClean="0"/>
+              <a:pPr/>
               <a:t>‹N°›</a:t>
             </a:fld>
             <a:endParaRPr lang="fr-FR"/>
@@ -1743,6 +1756,7 @@
           <a:p>
             <a:fld id="{E15B4D3E-E374-4ECD-BDC4-CF4C9D43C424}" type="datetimeFigureOut">
               <a:rPr lang="fr-FR" smtClean="0"/>
+              <a:pPr/>
               <a:t>22/04/2018</a:t>
             </a:fld>
             <a:endParaRPr lang="fr-FR"/>
@@ -1785,6 +1799,7 @@
           <a:p>
             <a:fld id="{3BB17824-0FC6-4A82-9AF7-677735392648}" type="slidenum">
               <a:rPr lang="fr-FR" smtClean="0"/>
+              <a:pPr/>
               <a:t>‹N°›</a:t>
             </a:fld>
             <a:endParaRPr lang="fr-FR"/>
@@ -1856,6 +1871,7 @@
           <a:p>
             <a:fld id="{E15B4D3E-E374-4ECD-BDC4-CF4C9D43C424}" type="datetimeFigureOut">
               <a:rPr lang="fr-FR" smtClean="0"/>
+              <a:pPr/>
               <a:t>22/04/2018</a:t>
             </a:fld>
             <a:endParaRPr lang="fr-FR"/>
@@ -1898,6 +1914,7 @@
           <a:p>
             <a:fld id="{3BB17824-0FC6-4A82-9AF7-677735392648}" type="slidenum">
               <a:rPr lang="fr-FR" smtClean="0"/>
+              <a:pPr/>
               <a:t>‹N°›</a:t>
             </a:fld>
             <a:endParaRPr lang="fr-FR"/>
@@ -1946,6 +1963,7 @@
           <a:p>
             <a:fld id="{E15B4D3E-E374-4ECD-BDC4-CF4C9D43C424}" type="datetimeFigureOut">
               <a:rPr lang="fr-FR" smtClean="0"/>
+              <a:pPr/>
               <a:t>22/04/2018</a:t>
             </a:fld>
             <a:endParaRPr lang="fr-FR"/>
@@ -1988,6 +2006,7 @@
           <a:p>
             <a:fld id="{3BB17824-0FC6-4A82-9AF7-677735392648}" type="slidenum">
               <a:rPr lang="fr-FR" smtClean="0"/>
+              <a:pPr/>
               <a:t>‹N°›</a:t>
             </a:fld>
             <a:endParaRPr lang="fr-FR"/>
@@ -2218,6 +2237,7 @@
           <a:p>
             <a:fld id="{E15B4D3E-E374-4ECD-BDC4-CF4C9D43C424}" type="datetimeFigureOut">
               <a:rPr lang="fr-FR" smtClean="0"/>
+              <a:pPr/>
               <a:t>22/04/2018</a:t>
             </a:fld>
             <a:endParaRPr lang="fr-FR"/>
@@ -2260,6 +2280,7 @@
           <a:p>
             <a:fld id="{3BB17824-0FC6-4A82-9AF7-677735392648}" type="slidenum">
               <a:rPr lang="fr-FR" smtClean="0"/>
+              <a:pPr/>
               <a:t>‹N°›</a:t>
             </a:fld>
             <a:endParaRPr lang="fr-FR"/>
@@ -2466,6 +2487,7 @@
           <a:p>
             <a:fld id="{E15B4D3E-E374-4ECD-BDC4-CF4C9D43C424}" type="datetimeFigureOut">
               <a:rPr lang="fr-FR" smtClean="0"/>
+              <a:pPr/>
               <a:t>22/04/2018</a:t>
             </a:fld>
             <a:endParaRPr lang="fr-FR"/>
@@ -2508,6 +2530,7 @@
           <a:p>
             <a:fld id="{3BB17824-0FC6-4A82-9AF7-677735392648}" type="slidenum">
               <a:rPr lang="fr-FR" smtClean="0"/>
+              <a:pPr/>
               <a:t>‹N°›</a:t>
             </a:fld>
             <a:endParaRPr lang="fr-FR"/>
@@ -2674,6 +2697,7 @@
           <a:p>
             <a:fld id="{E15B4D3E-E374-4ECD-BDC4-CF4C9D43C424}" type="datetimeFigureOut">
               <a:rPr lang="fr-FR" smtClean="0"/>
+              <a:pPr/>
               <a:t>22/04/2018</a:t>
             </a:fld>
             <a:endParaRPr lang="fr-FR"/>
@@ -2752,6 +2776,7 @@
           <a:p>
             <a:fld id="{3BB17824-0FC6-4A82-9AF7-677735392648}" type="slidenum">
               <a:rPr lang="fr-FR" smtClean="0"/>
+              <a:pPr/>
               <a:t>‹N°›</a:t>
             </a:fld>
             <a:endParaRPr lang="fr-FR"/>
@@ -3201,6 +3226,62 @@
                   <a:srgbClr val="FF0000"/>
                 </a:solidFill>
               </a:rPr>
+              <a:t>Bilan du projet</a:t>
+            </a:r>
+            <a:endParaRPr lang="fr-FR" b="1" u="sng" dirty="0">
+              <a:solidFill>
+                <a:srgbClr val="FF0000"/>
+              </a:solidFill>
+            </a:endParaRPr>
+          </a:p>
+        </p:txBody>
+      </p:sp>
+    </p:spTree>
+  </p:cSld>
+  <p:clrMapOvr>
+    <a:masterClrMapping/>
+  </p:clrMapOvr>
+</p:sld>
+</file>
+
+<file path=ppt/slides/slide11.xml><?xml version="1.0" encoding="utf-8"?>
+<p:sld xmlns:a="http://schemas.openxmlformats.org/drawingml/2006/main" xmlns:r="http://schemas.openxmlformats.org/officeDocument/2006/relationships" xmlns:p="http://schemas.openxmlformats.org/presentationml/2006/main">
+  <p:cSld>
+    <p:spTree>
+      <p:nvGrpSpPr>
+        <p:cNvPr id="1" name=""/>
+        <p:cNvGrpSpPr/>
+        <p:nvPr/>
+      </p:nvGrpSpPr>
+      <p:grpSpPr>
+        <a:xfrm>
+          <a:off x="0" y="0"/>
+          <a:ext cx="0" cy="0"/>
+          <a:chOff x="0" y="0"/>
+          <a:chExt cx="0" cy="0"/>
+        </a:xfrm>
+      </p:grpSpPr>
+      <p:sp>
+        <p:nvSpPr>
+          <p:cNvPr id="2" name="Titre 1"/>
+          <p:cNvSpPr>
+            <a:spLocks noGrp="1"/>
+          </p:cNvSpPr>
+          <p:nvPr>
+            <p:ph type="title"/>
+          </p:nvPr>
+        </p:nvSpPr>
+        <p:spPr/>
+        <p:txBody>
+          <a:bodyPr/>
+          <a:lstStyle/>
+          <a:p>
+            <a:r>
+              <a:rPr lang="fr-FR" b="1" u="sng" dirty="0" smtClean="0">
+                <a:solidFill>
+                  <a:srgbClr val="FF0000"/>
+                </a:solidFill>
+              </a:rPr>
               <a:t>Bibliographie</a:t>
             </a:r>
             <a:endParaRPr lang="fr-FR" b="1" u="sng" dirty="0">
@@ -3599,6 +3680,430 @@
           </a:p>
         </p:txBody>
       </p:sp>
+      <p:pic>
+        <p:nvPicPr>
+          <p:cNvPr id="1026" name="Picture 2" descr="C:\Users\Yann\Documents\GitHub\Project-Java\PROJET POO Java\Java\maquette interface.png"/>
+          <p:cNvPicPr>
+            <a:picLocks noChangeAspect="1" noChangeArrowheads="1"/>
+          </p:cNvPicPr>
+          <p:nvPr/>
+        </p:nvPicPr>
+        <p:blipFill>
+          <a:blip r:embed="rId2" cstate="print"/>
+          <a:srcRect l="13048" t="7350" r="33127" b="56951"/>
+          <a:stretch>
+            <a:fillRect/>
+          </a:stretch>
+        </p:blipFill>
+        <p:spPr bwMode="auto">
+          <a:xfrm>
+            <a:off x="467544" y="1628800"/>
+            <a:ext cx="4248472" cy="4377214"/>
+          </a:xfrm>
+          <a:prstGeom prst="rect">
+            <a:avLst/>
+          </a:prstGeom>
+          <a:noFill/>
+        </p:spPr>
+      </p:pic>
+      <p:cxnSp>
+        <p:nvCxnSpPr>
+          <p:cNvPr id="5" name="Connecteur droit avec flèche 4"/>
+          <p:cNvCxnSpPr>
+            <a:stCxn id="8" idx="1"/>
+          </p:cNvCxnSpPr>
+          <p:nvPr/>
+        </p:nvCxnSpPr>
+        <p:spPr>
+          <a:xfrm flipH="1" flipV="1">
+            <a:off x="3707904" y="2276872"/>
+            <a:ext cx="2088232" cy="35134"/>
+          </a:xfrm>
+          <a:prstGeom prst="straightConnector1">
+            <a:avLst/>
+          </a:prstGeom>
+          <a:ln>
+            <a:tailEnd type="arrow"/>
+          </a:ln>
+        </p:spPr>
+        <p:style>
+          <a:lnRef idx="1">
+            <a:schemeClr val="dk1"/>
+          </a:lnRef>
+          <a:fillRef idx="0">
+            <a:schemeClr val="dk1"/>
+          </a:fillRef>
+          <a:effectRef idx="0">
+            <a:schemeClr val="dk1"/>
+          </a:effectRef>
+          <a:fontRef idx="minor">
+            <a:schemeClr val="tx1"/>
+          </a:fontRef>
+        </p:style>
+      </p:cxnSp>
+      <p:sp>
+        <p:nvSpPr>
+          <p:cNvPr id="8" name="ZoneTexte 7"/>
+          <p:cNvSpPr txBox="1"/>
+          <p:nvPr/>
+        </p:nvSpPr>
+        <p:spPr>
+          <a:xfrm>
+            <a:off x="5796136" y="1988840"/>
+            <a:ext cx="2812629" cy="646331"/>
+          </a:xfrm>
+          <a:prstGeom prst="rect">
+            <a:avLst/>
+          </a:prstGeom>
+          <a:noFill/>
+        </p:spPr>
+        <p:txBody>
+          <a:bodyPr wrap="none" rtlCol="0">
+            <a:spAutoFit/>
+          </a:bodyPr>
+          <a:lstStyle/>
+          <a:p>
+            <a:r>
+              <a:rPr lang="fr-FR" dirty="0" err="1" smtClean="0"/>
+              <a:t>JLabel</a:t>
+            </a:r>
+            <a:r>
+              <a:rPr lang="fr-FR" dirty="0" smtClean="0"/>
+              <a:t> permettant d’afficher</a:t>
+            </a:r>
+          </a:p>
+          <a:p>
+            <a:r>
+              <a:rPr lang="fr-FR" dirty="0" smtClean="0"/>
+              <a:t>Sur quel base on se met</a:t>
+            </a:r>
+            <a:endParaRPr lang="fr-FR" dirty="0"/>
+          </a:p>
+        </p:txBody>
+      </p:sp>
+      <p:sp>
+        <p:nvSpPr>
+          <p:cNvPr id="11" name="ZoneTexte 10"/>
+          <p:cNvSpPr txBox="1"/>
+          <p:nvPr/>
+        </p:nvSpPr>
+        <p:spPr>
+          <a:xfrm>
+            <a:off x="5940152" y="1268760"/>
+            <a:ext cx="1871731" cy="646331"/>
+          </a:xfrm>
+          <a:prstGeom prst="rect">
+            <a:avLst/>
+          </a:prstGeom>
+          <a:noFill/>
+        </p:spPr>
+        <p:txBody>
+          <a:bodyPr wrap="none" rtlCol="0">
+            <a:spAutoFit/>
+          </a:bodyPr>
+          <a:lstStyle/>
+          <a:p>
+            <a:r>
+              <a:rPr lang="fr-FR" dirty="0" smtClean="0"/>
+              <a:t>Titre du panneau </a:t>
+            </a:r>
+          </a:p>
+          <a:p>
+            <a:r>
+              <a:rPr lang="fr-FR" dirty="0" smtClean="0"/>
+              <a:t>(mis avec </a:t>
+            </a:r>
+            <a:r>
+              <a:rPr lang="fr-FR" dirty="0" err="1" smtClean="0"/>
+              <a:t>setTitle</a:t>
+            </a:r>
+            <a:r>
+              <a:rPr lang="fr-FR" dirty="0" smtClean="0"/>
+              <a:t>)</a:t>
+            </a:r>
+            <a:endParaRPr lang="fr-FR" dirty="0"/>
+          </a:p>
+        </p:txBody>
+      </p:sp>
+      <p:cxnSp>
+        <p:nvCxnSpPr>
+          <p:cNvPr id="13" name="Connecteur droit avec flèche 12"/>
+          <p:cNvCxnSpPr>
+            <a:stCxn id="11" idx="1"/>
+          </p:cNvCxnSpPr>
+          <p:nvPr/>
+        </p:nvCxnSpPr>
+        <p:spPr>
+          <a:xfrm flipH="1">
+            <a:off x="3491880" y="1591926"/>
+            <a:ext cx="2448272" cy="252898"/>
+          </a:xfrm>
+          <a:prstGeom prst="straightConnector1">
+            <a:avLst/>
+          </a:prstGeom>
+          <a:ln>
+            <a:tailEnd type="arrow"/>
+          </a:ln>
+        </p:spPr>
+        <p:style>
+          <a:lnRef idx="1">
+            <a:schemeClr val="dk1"/>
+          </a:lnRef>
+          <a:fillRef idx="0">
+            <a:schemeClr val="dk1"/>
+          </a:fillRef>
+          <a:effectRef idx="0">
+            <a:schemeClr val="dk1"/>
+          </a:effectRef>
+          <a:fontRef idx="minor">
+            <a:schemeClr val="tx1"/>
+          </a:fontRef>
+        </p:style>
+      </p:cxnSp>
+      <p:pic>
+        <p:nvPicPr>
+          <p:cNvPr id="1027" name="Picture 3"/>
+          <p:cNvPicPr>
+            <a:picLocks noChangeAspect="1" noChangeArrowheads="1"/>
+          </p:cNvPicPr>
+          <p:nvPr/>
+        </p:nvPicPr>
+        <p:blipFill>
+          <a:blip r:embed="rId3" cstate="print"/>
+          <a:srcRect/>
+          <a:stretch>
+            <a:fillRect/>
+          </a:stretch>
+        </p:blipFill>
+        <p:spPr bwMode="auto">
+          <a:xfrm>
+            <a:off x="5148064" y="2695562"/>
+            <a:ext cx="3432795" cy="4162438"/>
+          </a:xfrm>
+          <a:prstGeom prst="rect">
+            <a:avLst/>
+          </a:prstGeom>
+          <a:noFill/>
+          <a:ln w="9525">
+            <a:noFill/>
+            <a:miter lim="800000"/>
+            <a:headEnd/>
+            <a:tailEnd/>
+          </a:ln>
+        </p:spPr>
+      </p:pic>
+      <p:sp>
+        <p:nvSpPr>
+          <p:cNvPr id="15" name="ZoneTexte 14"/>
+          <p:cNvSpPr txBox="1"/>
+          <p:nvPr/>
+        </p:nvSpPr>
+        <p:spPr>
+          <a:xfrm>
+            <a:off x="4788024" y="4437112"/>
+            <a:ext cx="1392625" cy="923330"/>
+          </a:xfrm>
+          <a:prstGeom prst="rect">
+            <a:avLst/>
+          </a:prstGeom>
+          <a:noFill/>
+        </p:spPr>
+        <p:txBody>
+          <a:bodyPr wrap="none" rtlCol="0">
+            <a:spAutoFit/>
+          </a:bodyPr>
+          <a:lstStyle/>
+          <a:p>
+            <a:r>
+              <a:rPr lang="fr-FR" dirty="0" err="1" smtClean="0"/>
+              <a:t>Jbutton</a:t>
+            </a:r>
+            <a:r>
+              <a:rPr lang="fr-FR" dirty="0" smtClean="0"/>
+              <a:t> pour</a:t>
+            </a:r>
+          </a:p>
+          <a:p>
+            <a:r>
+              <a:rPr lang="fr-FR" dirty="0" smtClean="0"/>
+              <a:t> appeler les </a:t>
+            </a:r>
+          </a:p>
+          <a:p>
+            <a:r>
+              <a:rPr lang="fr-FR" dirty="0" smtClean="0"/>
+              <a:t>fonctions </a:t>
+            </a:r>
+            <a:endParaRPr lang="fr-FR" dirty="0"/>
+          </a:p>
+        </p:txBody>
+      </p:sp>
+      <p:cxnSp>
+        <p:nvCxnSpPr>
+          <p:cNvPr id="18" name="Connecteur droit avec flèche 17"/>
+          <p:cNvCxnSpPr>
+            <a:stCxn id="15" idx="1"/>
+          </p:cNvCxnSpPr>
+          <p:nvPr/>
+        </p:nvCxnSpPr>
+        <p:spPr>
+          <a:xfrm flipH="1" flipV="1">
+            <a:off x="4067944" y="3140968"/>
+            <a:ext cx="720080" cy="1757809"/>
+          </a:xfrm>
+          <a:prstGeom prst="straightConnector1">
+            <a:avLst/>
+          </a:prstGeom>
+          <a:ln>
+            <a:tailEnd type="arrow"/>
+          </a:ln>
+        </p:spPr>
+        <p:style>
+          <a:lnRef idx="1">
+            <a:schemeClr val="dk1"/>
+          </a:lnRef>
+          <a:fillRef idx="0">
+            <a:schemeClr val="dk1"/>
+          </a:fillRef>
+          <a:effectRef idx="0">
+            <a:schemeClr val="dk1"/>
+          </a:effectRef>
+          <a:fontRef idx="minor">
+            <a:schemeClr val="tx1"/>
+          </a:fontRef>
+        </p:style>
+      </p:cxnSp>
+      <p:cxnSp>
+        <p:nvCxnSpPr>
+          <p:cNvPr id="20" name="Connecteur droit avec flèche 19"/>
+          <p:cNvCxnSpPr>
+            <a:stCxn id="15" idx="1"/>
+          </p:cNvCxnSpPr>
+          <p:nvPr/>
+        </p:nvCxnSpPr>
+        <p:spPr>
+          <a:xfrm flipH="1" flipV="1">
+            <a:off x="3707904" y="4077072"/>
+            <a:ext cx="1080120" cy="821705"/>
+          </a:xfrm>
+          <a:prstGeom prst="straightConnector1">
+            <a:avLst/>
+          </a:prstGeom>
+          <a:ln>
+            <a:tailEnd type="arrow"/>
+          </a:ln>
+        </p:spPr>
+        <p:style>
+          <a:lnRef idx="1">
+            <a:schemeClr val="dk1"/>
+          </a:lnRef>
+          <a:fillRef idx="0">
+            <a:schemeClr val="dk1"/>
+          </a:fillRef>
+          <a:effectRef idx="0">
+            <a:schemeClr val="dk1"/>
+          </a:effectRef>
+          <a:fontRef idx="minor">
+            <a:schemeClr val="tx1"/>
+          </a:fontRef>
+        </p:style>
+      </p:cxnSp>
+      <p:cxnSp>
+        <p:nvCxnSpPr>
+          <p:cNvPr id="22" name="Connecteur droit avec flèche 21"/>
+          <p:cNvCxnSpPr>
+            <a:stCxn id="15" idx="1"/>
+          </p:cNvCxnSpPr>
+          <p:nvPr/>
+        </p:nvCxnSpPr>
+        <p:spPr>
+          <a:xfrm flipH="1">
+            <a:off x="3635896" y="4898777"/>
+            <a:ext cx="1152128" cy="114399"/>
+          </a:xfrm>
+          <a:prstGeom prst="straightConnector1">
+            <a:avLst/>
+          </a:prstGeom>
+          <a:ln>
+            <a:tailEnd type="arrow"/>
+          </a:ln>
+        </p:spPr>
+        <p:style>
+          <a:lnRef idx="1">
+            <a:schemeClr val="dk1"/>
+          </a:lnRef>
+          <a:fillRef idx="0">
+            <a:schemeClr val="dk1"/>
+          </a:fillRef>
+          <a:effectRef idx="0">
+            <a:schemeClr val="dk1"/>
+          </a:effectRef>
+          <a:fontRef idx="minor">
+            <a:schemeClr val="tx1"/>
+          </a:fontRef>
+        </p:style>
+      </p:cxnSp>
+      <p:sp>
+        <p:nvSpPr>
+          <p:cNvPr id="23" name="ZoneTexte 22"/>
+          <p:cNvSpPr txBox="1"/>
+          <p:nvPr/>
+        </p:nvSpPr>
+        <p:spPr>
+          <a:xfrm>
+            <a:off x="179512" y="6165304"/>
+            <a:ext cx="4919360" cy="646331"/>
+          </a:xfrm>
+          <a:prstGeom prst="rect">
+            <a:avLst/>
+          </a:prstGeom>
+          <a:noFill/>
+        </p:spPr>
+        <p:txBody>
+          <a:bodyPr wrap="none" rtlCol="0">
+            <a:spAutoFit/>
+          </a:bodyPr>
+          <a:lstStyle/>
+          <a:p>
+            <a:r>
+              <a:rPr lang="fr-FR" dirty="0" smtClean="0"/>
+              <a:t>Mise en page avec </a:t>
+            </a:r>
+            <a:r>
+              <a:rPr lang="fr-FR" dirty="0" err="1" smtClean="0"/>
+              <a:t>FlowLayout</a:t>
+            </a:r>
+            <a:r>
+              <a:rPr lang="fr-FR" dirty="0" smtClean="0"/>
+              <a:t> et </a:t>
+            </a:r>
+            <a:r>
+              <a:rPr lang="fr-FR" dirty="0" err="1" smtClean="0"/>
+              <a:t>setHgap</a:t>
+            </a:r>
+            <a:r>
+              <a:rPr lang="fr-FR" dirty="0" smtClean="0"/>
+              <a:t>/</a:t>
+            </a:r>
+            <a:r>
+              <a:rPr lang="fr-FR" dirty="0" err="1" smtClean="0"/>
+              <a:t>setVgap</a:t>
+            </a:r>
+            <a:endParaRPr lang="fr-FR" dirty="0" smtClean="0"/>
+          </a:p>
+          <a:p>
+            <a:r>
+              <a:rPr lang="fr-FR" dirty="0" smtClean="0"/>
+              <a:t>p</a:t>
+            </a:r>
+            <a:r>
+              <a:rPr lang="fr-FR" dirty="0" smtClean="0"/>
+              <a:t>our la position des boutons</a:t>
+            </a:r>
+            <a:endParaRPr lang="fr-FR" dirty="0"/>
+          </a:p>
+        </p:txBody>
+      </p:sp>
     </p:spTree>
   </p:cSld>
   <p:clrMapOvr>
@@ -3624,45 +4129,642 @@
           <a:chExt cx="0" cy="0"/>
         </a:xfrm>
       </p:grpSpPr>
-      <p:sp>
-        <p:nvSpPr>
-          <p:cNvPr id="2" name="Titre 1"/>
-          <p:cNvSpPr>
-            <a:spLocks noGrp="1"/>
-          </p:cNvSpPr>
-          <p:nvPr>
-            <p:ph type="title"/>
-          </p:nvPr>
-        </p:nvSpPr>
-        <p:spPr/>
-        <p:txBody>
-          <a:bodyPr/>
-          <a:lstStyle/>
-          <a:p>
-            <a:r>
-              <a:rPr lang="fr-FR" b="1" u="sng" dirty="0" err="1" smtClean="0">
-                <a:solidFill>
-                  <a:srgbClr val="FF0000"/>
-                </a:solidFill>
-              </a:rPr>
-              <a:t>Versionning</a:t>
-            </a:r>
-            <a:r>
-              <a:rPr lang="fr-FR" b="1" u="sng" dirty="0" smtClean="0">
-                <a:solidFill>
-                  <a:srgbClr val="FF0000"/>
-                </a:solidFill>
-              </a:rPr>
-              <a:t> GIT</a:t>
-            </a:r>
-            <a:endParaRPr lang="fr-FR" b="1" u="sng" dirty="0">
-              <a:solidFill>
-                <a:srgbClr val="FF0000"/>
-              </a:solidFill>
-            </a:endParaRPr>
-          </a:p>
-        </p:txBody>
-      </p:sp>
+      <p:pic>
+        <p:nvPicPr>
+          <p:cNvPr id="2050" name="Picture 2" descr="C:\Users\Yann\Documents\GitHub\Project-Java\PROJET POO Java\Java\maquette interface 2.png"/>
+          <p:cNvPicPr>
+            <a:picLocks noChangeAspect="1" noChangeArrowheads="1"/>
+          </p:cNvPicPr>
+          <p:nvPr/>
+        </p:nvPicPr>
+        <p:blipFill>
+          <a:blip r:embed="rId2" cstate="print"/>
+          <a:srcRect l="7593" t="4851" r="12486" b="51050"/>
+          <a:stretch>
+            <a:fillRect/>
+          </a:stretch>
+        </p:blipFill>
+        <p:spPr bwMode="auto">
+          <a:xfrm>
+            <a:off x="323528" y="260648"/>
+            <a:ext cx="4284476" cy="3672408"/>
+          </a:xfrm>
+          <a:prstGeom prst="rect">
+            <a:avLst/>
+          </a:prstGeom>
+          <a:noFill/>
+        </p:spPr>
+      </p:pic>
+      <p:pic>
+        <p:nvPicPr>
+          <p:cNvPr id="2051" name="Picture 3"/>
+          <p:cNvPicPr>
+            <a:picLocks noChangeAspect="1" noChangeArrowheads="1"/>
+          </p:cNvPicPr>
+          <p:nvPr/>
+        </p:nvPicPr>
+        <p:blipFill>
+          <a:blip r:embed="rId3" cstate="print"/>
+          <a:srcRect r="63201" b="21625"/>
+          <a:stretch>
+            <a:fillRect/>
+          </a:stretch>
+        </p:blipFill>
+        <p:spPr bwMode="auto">
+          <a:xfrm>
+            <a:off x="5197882" y="188640"/>
+            <a:ext cx="3946118" cy="4725144"/>
+          </a:xfrm>
+          <a:prstGeom prst="rect">
+            <a:avLst/>
+          </a:prstGeom>
+          <a:noFill/>
+          <a:ln w="9525">
+            <a:noFill/>
+            <a:miter lim="800000"/>
+            <a:headEnd/>
+            <a:tailEnd/>
+          </a:ln>
+        </p:spPr>
+      </p:pic>
+      <p:sp>
+        <p:nvSpPr>
+          <p:cNvPr id="7" name="ZoneTexte 6"/>
+          <p:cNvSpPr txBox="1"/>
+          <p:nvPr/>
+        </p:nvSpPr>
+        <p:spPr>
+          <a:xfrm>
+            <a:off x="4067944" y="620688"/>
+            <a:ext cx="1871731" cy="646331"/>
+          </a:xfrm>
+          <a:prstGeom prst="rect">
+            <a:avLst/>
+          </a:prstGeom>
+          <a:noFill/>
+        </p:spPr>
+        <p:txBody>
+          <a:bodyPr wrap="none" rtlCol="0">
+            <a:spAutoFit/>
+          </a:bodyPr>
+          <a:lstStyle/>
+          <a:p>
+            <a:r>
+              <a:rPr lang="fr-FR" dirty="0" smtClean="0"/>
+              <a:t>Titre du panneau </a:t>
+            </a:r>
+          </a:p>
+          <a:p>
+            <a:r>
+              <a:rPr lang="fr-FR" dirty="0" smtClean="0"/>
+              <a:t>(mis avec </a:t>
+            </a:r>
+            <a:r>
+              <a:rPr lang="fr-FR" dirty="0" err="1" smtClean="0"/>
+              <a:t>setTitle</a:t>
+            </a:r>
+            <a:r>
+              <a:rPr lang="fr-FR" dirty="0" smtClean="0"/>
+              <a:t>)</a:t>
+            </a:r>
+            <a:endParaRPr lang="fr-FR" dirty="0"/>
+          </a:p>
+        </p:txBody>
+      </p:sp>
+      <p:cxnSp>
+        <p:nvCxnSpPr>
+          <p:cNvPr id="9" name="Connecteur droit avec flèche 8"/>
+          <p:cNvCxnSpPr>
+            <a:stCxn id="7" idx="1"/>
+          </p:cNvCxnSpPr>
+          <p:nvPr/>
+        </p:nvCxnSpPr>
+        <p:spPr>
+          <a:xfrm flipH="1" flipV="1">
+            <a:off x="2771800" y="332656"/>
+            <a:ext cx="1296144" cy="611198"/>
+          </a:xfrm>
+          <a:prstGeom prst="straightConnector1">
+            <a:avLst/>
+          </a:prstGeom>
+          <a:ln>
+            <a:tailEnd type="arrow"/>
+          </a:ln>
+        </p:spPr>
+        <p:style>
+          <a:lnRef idx="1">
+            <a:schemeClr val="dk1"/>
+          </a:lnRef>
+          <a:fillRef idx="0">
+            <a:schemeClr val="dk1"/>
+          </a:fillRef>
+          <a:effectRef idx="0">
+            <a:schemeClr val="dk1"/>
+          </a:effectRef>
+          <a:fontRef idx="minor">
+            <a:schemeClr val="tx1"/>
+          </a:fontRef>
+        </p:style>
+      </p:cxnSp>
+      <p:cxnSp>
+        <p:nvCxnSpPr>
+          <p:cNvPr id="11" name="Connecteur droit avec flèche 10"/>
+          <p:cNvCxnSpPr>
+            <a:stCxn id="14" idx="0"/>
+          </p:cNvCxnSpPr>
+          <p:nvPr/>
+        </p:nvCxnSpPr>
+        <p:spPr>
+          <a:xfrm flipH="1" flipV="1">
+            <a:off x="1979712" y="1268760"/>
+            <a:ext cx="2349270" cy="2880320"/>
+          </a:xfrm>
+          <a:prstGeom prst="straightConnector1">
+            <a:avLst/>
+          </a:prstGeom>
+          <a:ln>
+            <a:tailEnd type="arrow"/>
+          </a:ln>
+        </p:spPr>
+        <p:style>
+          <a:lnRef idx="1">
+            <a:schemeClr val="dk1"/>
+          </a:lnRef>
+          <a:fillRef idx="0">
+            <a:schemeClr val="dk1"/>
+          </a:fillRef>
+          <a:effectRef idx="0">
+            <a:schemeClr val="dk1"/>
+          </a:effectRef>
+          <a:fontRef idx="minor">
+            <a:schemeClr val="tx1"/>
+          </a:fontRef>
+        </p:style>
+      </p:cxnSp>
+      <p:cxnSp>
+        <p:nvCxnSpPr>
+          <p:cNvPr id="13" name="Connecteur droit avec flèche 12"/>
+          <p:cNvCxnSpPr>
+            <a:stCxn id="14" idx="0"/>
+          </p:cNvCxnSpPr>
+          <p:nvPr/>
+        </p:nvCxnSpPr>
+        <p:spPr>
+          <a:xfrm flipH="1" flipV="1">
+            <a:off x="2555776" y="2204864"/>
+            <a:ext cx="1773206" cy="1944216"/>
+          </a:xfrm>
+          <a:prstGeom prst="straightConnector1">
+            <a:avLst/>
+          </a:prstGeom>
+          <a:ln>
+            <a:tailEnd type="arrow"/>
+          </a:ln>
+        </p:spPr>
+        <p:style>
+          <a:lnRef idx="1">
+            <a:schemeClr val="dk1"/>
+          </a:lnRef>
+          <a:fillRef idx="0">
+            <a:schemeClr val="dk1"/>
+          </a:fillRef>
+          <a:effectRef idx="0">
+            <a:schemeClr val="dk1"/>
+          </a:effectRef>
+          <a:fontRef idx="minor">
+            <a:schemeClr val="tx1"/>
+          </a:fontRef>
+        </p:style>
+      </p:cxnSp>
+      <p:sp>
+        <p:nvSpPr>
+          <p:cNvPr id="14" name="ZoneTexte 13"/>
+          <p:cNvSpPr txBox="1"/>
+          <p:nvPr/>
+        </p:nvSpPr>
+        <p:spPr>
+          <a:xfrm>
+            <a:off x="2267744" y="4149080"/>
+            <a:ext cx="4122475" cy="369332"/>
+          </a:xfrm>
+          <a:prstGeom prst="rect">
+            <a:avLst/>
+          </a:prstGeom>
+          <a:noFill/>
+        </p:spPr>
+        <p:txBody>
+          <a:bodyPr wrap="none" rtlCol="0">
+            <a:spAutoFit/>
+          </a:bodyPr>
+          <a:lstStyle/>
+          <a:p>
+            <a:r>
+              <a:rPr lang="fr-FR" dirty="0" err="1" smtClean="0"/>
+              <a:t>JTextField</a:t>
+            </a:r>
+            <a:r>
+              <a:rPr lang="fr-FR" dirty="0" smtClean="0"/>
+              <a:t> pour récupérer les informations</a:t>
+            </a:r>
+            <a:endParaRPr lang="fr-FR" dirty="0"/>
+          </a:p>
+        </p:txBody>
+      </p:sp>
+      <p:cxnSp>
+        <p:nvCxnSpPr>
+          <p:cNvPr id="18" name="Connecteur droit avec flèche 17"/>
+          <p:cNvCxnSpPr>
+            <a:stCxn id="14" idx="0"/>
+          </p:cNvCxnSpPr>
+          <p:nvPr/>
+        </p:nvCxnSpPr>
+        <p:spPr>
+          <a:xfrm flipV="1">
+            <a:off x="4328982" y="1628800"/>
+            <a:ext cx="2475266" cy="2520280"/>
+          </a:xfrm>
+          <a:prstGeom prst="straightConnector1">
+            <a:avLst/>
+          </a:prstGeom>
+          <a:ln>
+            <a:tailEnd type="arrow"/>
+          </a:ln>
+        </p:spPr>
+        <p:style>
+          <a:lnRef idx="1">
+            <a:schemeClr val="dk1"/>
+          </a:lnRef>
+          <a:fillRef idx="0">
+            <a:schemeClr val="dk1"/>
+          </a:fillRef>
+          <a:effectRef idx="0">
+            <a:schemeClr val="dk1"/>
+          </a:effectRef>
+          <a:fontRef idx="minor">
+            <a:schemeClr val="tx1"/>
+          </a:fontRef>
+        </p:style>
+      </p:cxnSp>
+      <p:cxnSp>
+        <p:nvCxnSpPr>
+          <p:cNvPr id="20" name="Connecteur droit avec flèche 19"/>
+          <p:cNvCxnSpPr>
+            <a:stCxn id="14" idx="0"/>
+          </p:cNvCxnSpPr>
+          <p:nvPr/>
+        </p:nvCxnSpPr>
+        <p:spPr>
+          <a:xfrm flipV="1">
+            <a:off x="4328982" y="2276872"/>
+            <a:ext cx="2547274" cy="1872208"/>
+          </a:xfrm>
+          <a:prstGeom prst="straightConnector1">
+            <a:avLst/>
+          </a:prstGeom>
+          <a:ln>
+            <a:tailEnd type="arrow"/>
+          </a:ln>
+        </p:spPr>
+        <p:style>
+          <a:lnRef idx="1">
+            <a:schemeClr val="dk1"/>
+          </a:lnRef>
+          <a:fillRef idx="0">
+            <a:schemeClr val="dk1"/>
+          </a:fillRef>
+          <a:effectRef idx="0">
+            <a:schemeClr val="dk1"/>
+          </a:effectRef>
+          <a:fontRef idx="minor">
+            <a:schemeClr val="tx1"/>
+          </a:fontRef>
+        </p:style>
+      </p:cxnSp>
+      <p:sp>
+        <p:nvSpPr>
+          <p:cNvPr id="22" name="ZoneTexte 21"/>
+          <p:cNvSpPr txBox="1"/>
+          <p:nvPr/>
+        </p:nvSpPr>
+        <p:spPr>
+          <a:xfrm>
+            <a:off x="3419872" y="1412776"/>
+            <a:ext cx="2964273" cy="646331"/>
+          </a:xfrm>
+          <a:prstGeom prst="rect">
+            <a:avLst/>
+          </a:prstGeom>
+          <a:noFill/>
+        </p:spPr>
+        <p:txBody>
+          <a:bodyPr wrap="none" rtlCol="0">
+            <a:spAutoFit/>
+          </a:bodyPr>
+          <a:lstStyle/>
+          <a:p>
+            <a:r>
+              <a:rPr lang="fr-FR" dirty="0" err="1" smtClean="0"/>
+              <a:t>JLabel</a:t>
+            </a:r>
+            <a:r>
+              <a:rPr lang="fr-FR" dirty="0" smtClean="0"/>
+              <a:t> permettant d’afficher</a:t>
+            </a:r>
+          </a:p>
+          <a:p>
+            <a:r>
+              <a:rPr lang="fr-FR" dirty="0" smtClean="0"/>
+              <a:t>l</a:t>
+            </a:r>
+            <a:r>
+              <a:rPr lang="fr-FR" dirty="0" smtClean="0"/>
+              <a:t>es informations que l’on veut</a:t>
+            </a:r>
+            <a:endParaRPr lang="fr-FR" dirty="0"/>
+          </a:p>
+        </p:txBody>
+      </p:sp>
+      <p:cxnSp>
+        <p:nvCxnSpPr>
+          <p:cNvPr id="24" name="Connecteur droit avec flèche 23"/>
+          <p:cNvCxnSpPr>
+            <a:stCxn id="22" idx="1"/>
+          </p:cNvCxnSpPr>
+          <p:nvPr/>
+        </p:nvCxnSpPr>
+        <p:spPr>
+          <a:xfrm flipH="1" flipV="1">
+            <a:off x="2843808" y="980728"/>
+            <a:ext cx="576064" cy="755214"/>
+          </a:xfrm>
+          <a:prstGeom prst="straightConnector1">
+            <a:avLst/>
+          </a:prstGeom>
+          <a:ln>
+            <a:tailEnd type="arrow"/>
+          </a:ln>
+        </p:spPr>
+        <p:style>
+          <a:lnRef idx="1">
+            <a:schemeClr val="dk1"/>
+          </a:lnRef>
+          <a:fillRef idx="0">
+            <a:schemeClr val="dk1"/>
+          </a:fillRef>
+          <a:effectRef idx="0">
+            <a:schemeClr val="dk1"/>
+          </a:effectRef>
+          <a:fontRef idx="minor">
+            <a:schemeClr val="tx1"/>
+          </a:fontRef>
+        </p:style>
+      </p:cxnSp>
+      <p:cxnSp>
+        <p:nvCxnSpPr>
+          <p:cNvPr id="26" name="Connecteur droit avec flèche 25"/>
+          <p:cNvCxnSpPr>
+            <a:stCxn id="22" idx="1"/>
+          </p:cNvCxnSpPr>
+          <p:nvPr/>
+        </p:nvCxnSpPr>
+        <p:spPr>
+          <a:xfrm flipH="1">
+            <a:off x="2699792" y="1735942"/>
+            <a:ext cx="720080" cy="108882"/>
+          </a:xfrm>
+          <a:prstGeom prst="straightConnector1">
+            <a:avLst/>
+          </a:prstGeom>
+          <a:ln>
+            <a:tailEnd type="arrow"/>
+          </a:ln>
+        </p:spPr>
+        <p:style>
+          <a:lnRef idx="1">
+            <a:schemeClr val="dk1"/>
+          </a:lnRef>
+          <a:fillRef idx="0">
+            <a:schemeClr val="dk1"/>
+          </a:fillRef>
+          <a:effectRef idx="0">
+            <a:schemeClr val="dk1"/>
+          </a:effectRef>
+          <a:fontRef idx="minor">
+            <a:schemeClr val="tx1"/>
+          </a:fontRef>
+        </p:style>
+      </p:cxnSp>
+      <p:cxnSp>
+        <p:nvCxnSpPr>
+          <p:cNvPr id="29" name="Connecteur droit avec flèche 28"/>
+          <p:cNvCxnSpPr>
+            <a:stCxn id="22" idx="3"/>
+          </p:cNvCxnSpPr>
+          <p:nvPr/>
+        </p:nvCxnSpPr>
+        <p:spPr>
+          <a:xfrm flipV="1">
+            <a:off x="6384145" y="1340768"/>
+            <a:ext cx="492111" cy="395174"/>
+          </a:xfrm>
+          <a:prstGeom prst="straightConnector1">
+            <a:avLst/>
+          </a:prstGeom>
+          <a:ln>
+            <a:tailEnd type="arrow"/>
+          </a:ln>
+        </p:spPr>
+        <p:style>
+          <a:lnRef idx="1">
+            <a:schemeClr val="dk1"/>
+          </a:lnRef>
+          <a:fillRef idx="0">
+            <a:schemeClr val="dk1"/>
+          </a:fillRef>
+          <a:effectRef idx="0">
+            <a:schemeClr val="dk1"/>
+          </a:effectRef>
+          <a:fontRef idx="minor">
+            <a:schemeClr val="tx1"/>
+          </a:fontRef>
+        </p:style>
+      </p:cxnSp>
+      <p:cxnSp>
+        <p:nvCxnSpPr>
+          <p:cNvPr id="31" name="Connecteur droit avec flèche 30"/>
+          <p:cNvCxnSpPr>
+            <a:stCxn id="22" idx="3"/>
+          </p:cNvCxnSpPr>
+          <p:nvPr/>
+        </p:nvCxnSpPr>
+        <p:spPr>
+          <a:xfrm>
+            <a:off x="6384145" y="1735942"/>
+            <a:ext cx="996167" cy="252898"/>
+          </a:xfrm>
+          <a:prstGeom prst="straightConnector1">
+            <a:avLst/>
+          </a:prstGeom>
+          <a:ln>
+            <a:tailEnd type="arrow"/>
+          </a:ln>
+        </p:spPr>
+        <p:style>
+          <a:lnRef idx="1">
+            <a:schemeClr val="dk1"/>
+          </a:lnRef>
+          <a:fillRef idx="0">
+            <a:schemeClr val="dk1"/>
+          </a:fillRef>
+          <a:effectRef idx="0">
+            <a:schemeClr val="dk1"/>
+          </a:effectRef>
+          <a:fontRef idx="minor">
+            <a:schemeClr val="tx1"/>
+          </a:fontRef>
+        </p:style>
+      </p:cxnSp>
+      <p:sp>
+        <p:nvSpPr>
+          <p:cNvPr id="32" name="ZoneTexte 31"/>
+          <p:cNvSpPr txBox="1"/>
+          <p:nvPr/>
+        </p:nvSpPr>
+        <p:spPr>
+          <a:xfrm>
+            <a:off x="6302325" y="4149080"/>
+            <a:ext cx="2841675" cy="646331"/>
+          </a:xfrm>
+          <a:prstGeom prst="rect">
+            <a:avLst/>
+          </a:prstGeom>
+          <a:noFill/>
+        </p:spPr>
+        <p:txBody>
+          <a:bodyPr wrap="none" rtlCol="0">
+            <a:spAutoFit/>
+          </a:bodyPr>
+          <a:lstStyle/>
+          <a:p>
+            <a:r>
+              <a:rPr lang="fr-FR" dirty="0" smtClean="0"/>
+              <a:t>Bouton pour quitter, valider </a:t>
+            </a:r>
+          </a:p>
+          <a:p>
+            <a:r>
+              <a:rPr lang="fr-FR" dirty="0" smtClean="0"/>
+              <a:t>ou revenir en arrière</a:t>
+            </a:r>
+            <a:endParaRPr lang="fr-FR" dirty="0"/>
+          </a:p>
+        </p:txBody>
+      </p:sp>
+      <p:cxnSp>
+        <p:nvCxnSpPr>
+          <p:cNvPr id="34" name="Connecteur droit avec flèche 33"/>
+          <p:cNvCxnSpPr>
+            <a:stCxn id="32" idx="0"/>
+          </p:cNvCxnSpPr>
+          <p:nvPr/>
+        </p:nvCxnSpPr>
+        <p:spPr>
+          <a:xfrm flipH="1" flipV="1">
+            <a:off x="6516216" y="2924944"/>
+            <a:ext cx="1206947" cy="1224136"/>
+          </a:xfrm>
+          <a:prstGeom prst="straightConnector1">
+            <a:avLst/>
+          </a:prstGeom>
+          <a:ln>
+            <a:tailEnd type="arrow"/>
+          </a:ln>
+        </p:spPr>
+        <p:style>
+          <a:lnRef idx="1">
+            <a:schemeClr val="dk1"/>
+          </a:lnRef>
+          <a:fillRef idx="0">
+            <a:schemeClr val="dk1"/>
+          </a:fillRef>
+          <a:effectRef idx="0">
+            <a:schemeClr val="dk1"/>
+          </a:effectRef>
+          <a:fontRef idx="minor">
+            <a:schemeClr val="tx1"/>
+          </a:fontRef>
+        </p:style>
+      </p:cxnSp>
+      <p:cxnSp>
+        <p:nvCxnSpPr>
+          <p:cNvPr id="36" name="Connecteur droit avec flèche 35"/>
+          <p:cNvCxnSpPr>
+            <a:stCxn id="32" idx="0"/>
+          </p:cNvCxnSpPr>
+          <p:nvPr/>
+        </p:nvCxnSpPr>
+        <p:spPr>
+          <a:xfrm flipV="1">
+            <a:off x="7723163" y="2852936"/>
+            <a:ext cx="305221" cy="1296144"/>
+          </a:xfrm>
+          <a:prstGeom prst="straightConnector1">
+            <a:avLst/>
+          </a:prstGeom>
+          <a:ln>
+            <a:tailEnd type="arrow"/>
+          </a:ln>
+        </p:spPr>
+        <p:style>
+          <a:lnRef idx="1">
+            <a:schemeClr val="dk1"/>
+          </a:lnRef>
+          <a:fillRef idx="0">
+            <a:schemeClr val="dk1"/>
+          </a:fillRef>
+          <a:effectRef idx="0">
+            <a:schemeClr val="dk1"/>
+          </a:effectRef>
+          <a:fontRef idx="minor">
+            <a:schemeClr val="tx1"/>
+          </a:fontRef>
+        </p:style>
+      </p:cxnSp>
+      <p:cxnSp>
+        <p:nvCxnSpPr>
+          <p:cNvPr id="38" name="Connecteur droit avec flèche 37"/>
+          <p:cNvCxnSpPr>
+            <a:stCxn id="32" idx="0"/>
+          </p:cNvCxnSpPr>
+          <p:nvPr/>
+        </p:nvCxnSpPr>
+        <p:spPr>
+          <a:xfrm flipH="1" flipV="1">
+            <a:off x="7452320" y="3429000"/>
+            <a:ext cx="270843" cy="720080"/>
+          </a:xfrm>
+          <a:prstGeom prst="straightConnector1">
+            <a:avLst/>
+          </a:prstGeom>
+          <a:ln>
+            <a:tailEnd type="arrow"/>
+          </a:ln>
+        </p:spPr>
+        <p:style>
+          <a:lnRef idx="1">
+            <a:schemeClr val="dk1"/>
+          </a:lnRef>
+          <a:fillRef idx="0">
+            <a:schemeClr val="dk1"/>
+          </a:fillRef>
+          <a:effectRef idx="0">
+            <a:schemeClr val="dk1"/>
+          </a:effectRef>
+          <a:fontRef idx="minor">
+            <a:schemeClr val="tx1"/>
+          </a:fontRef>
+        </p:style>
+      </p:cxnSp>
     </p:spTree>
   </p:cSld>
   <p:clrMapOvr>
@@ -3704,12 +4806,20 @@
           <a:lstStyle/>
           <a:p>
             <a:r>
+              <a:rPr lang="fr-FR" b="1" u="sng" dirty="0" err="1" smtClean="0">
+                <a:solidFill>
+                  <a:srgbClr val="FF0000"/>
+                </a:solidFill>
+              </a:rPr>
+              <a:t>Versionning</a:t>
+            </a:r>
+            <a:r>
               <a:rPr lang="fr-FR" b="1" u="sng" dirty="0" smtClean="0">
                 <a:solidFill>
                   <a:srgbClr val="FF0000"/>
                 </a:solidFill>
               </a:rPr>
-              <a:t>Bilan individuel Albert</a:t>
+              <a:t> GIT</a:t>
             </a:r>
             <a:endParaRPr lang="fr-FR" b="1" u="sng" dirty="0">
               <a:solidFill>
@@ -3765,7 +4875,7 @@
                   <a:srgbClr val="FF0000"/>
                 </a:solidFill>
               </a:rPr>
-              <a:t>Bilan individuel Yann</a:t>
+              <a:t>Bilan individuel Albert</a:t>
             </a:r>
             <a:endParaRPr lang="fr-FR" b="1" u="sng" dirty="0">
               <a:solidFill>
@@ -3821,7 +4931,7 @@
                   <a:srgbClr val="FF0000"/>
                 </a:solidFill>
               </a:rPr>
-              <a:t>Bilan du projet</a:t>
+              <a:t>Bilan individuel Yann</a:t>
             </a:r>
             <a:endParaRPr lang="fr-FR" b="1" u="sng" dirty="0">
               <a:solidFill>

--- a/PROJET POO Java/Projet_Java_TAN_RINJARD.pptx
+++ b/PROJET POO Java/Projet_Java_TAN_RINJARD.pptx
@@ -11,11 +11,13 @@
     <p:sldId id="265" r:id="rId5"/>
     <p:sldId id="259" r:id="rId6"/>
     <p:sldId id="266" r:id="rId7"/>
-    <p:sldId id="260" r:id="rId8"/>
-    <p:sldId id="261" r:id="rId9"/>
-    <p:sldId id="262" r:id="rId10"/>
-    <p:sldId id="263" r:id="rId11"/>
-    <p:sldId id="264" r:id="rId12"/>
+    <p:sldId id="267" r:id="rId8"/>
+    <p:sldId id="268" r:id="rId9"/>
+    <p:sldId id="260" r:id="rId10"/>
+    <p:sldId id="261" r:id="rId11"/>
+    <p:sldId id="262" r:id="rId12"/>
+    <p:sldId id="263" r:id="rId13"/>
+    <p:sldId id="264" r:id="rId14"/>
   </p:sldIdLst>
   <p:sldSz cx="9144000" cy="6858000" type="screen4x3"/>
   <p:notesSz cx="6858000" cy="9144000"/>
@@ -3226,7 +3228,7 @@
                   <a:srgbClr val="FF0000"/>
                 </a:solidFill>
               </a:rPr>
-              <a:t>Bilan du projet</a:t>
+              <a:t>Bilan individuel Albert</a:t>
             </a:r>
             <a:endParaRPr lang="fr-FR" b="1" u="sng" dirty="0">
               <a:solidFill>
@@ -3282,13 +3284,223 @@
                   <a:srgbClr val="FF0000"/>
                 </a:solidFill>
               </a:rPr>
-              <a:t>Bibliographie</a:t>
+              <a:t>Bilan individuel Yann</a:t>
             </a:r>
             <a:endParaRPr lang="fr-FR" b="1" u="sng" dirty="0">
               <a:solidFill>
                 <a:srgbClr val="FF0000"/>
               </a:solidFill>
             </a:endParaRPr>
+          </a:p>
+        </p:txBody>
+      </p:sp>
+    </p:spTree>
+  </p:cSld>
+  <p:clrMapOvr>
+    <a:masterClrMapping/>
+  </p:clrMapOvr>
+</p:sld>
+</file>
+
+<file path=ppt/slides/slide12.xml><?xml version="1.0" encoding="utf-8"?>
+<p:sld xmlns:a="http://schemas.openxmlformats.org/drawingml/2006/main" xmlns:r="http://schemas.openxmlformats.org/officeDocument/2006/relationships" xmlns:p="http://schemas.openxmlformats.org/presentationml/2006/main">
+  <p:cSld>
+    <p:spTree>
+      <p:nvGrpSpPr>
+        <p:cNvPr id="1" name=""/>
+        <p:cNvGrpSpPr/>
+        <p:nvPr/>
+      </p:nvGrpSpPr>
+      <p:grpSpPr>
+        <a:xfrm>
+          <a:off x="0" y="0"/>
+          <a:ext cx="0" cy="0"/>
+          <a:chOff x="0" y="0"/>
+          <a:chExt cx="0" cy="0"/>
+        </a:xfrm>
+      </p:grpSpPr>
+      <p:sp>
+        <p:nvSpPr>
+          <p:cNvPr id="2" name="Titre 1"/>
+          <p:cNvSpPr>
+            <a:spLocks noGrp="1"/>
+          </p:cNvSpPr>
+          <p:nvPr>
+            <p:ph type="title"/>
+          </p:nvPr>
+        </p:nvSpPr>
+        <p:spPr/>
+        <p:txBody>
+          <a:bodyPr/>
+          <a:lstStyle/>
+          <a:p>
+            <a:r>
+              <a:rPr lang="fr-FR" b="1" u="sng" dirty="0" smtClean="0">
+                <a:solidFill>
+                  <a:srgbClr val="FF0000"/>
+                </a:solidFill>
+              </a:rPr>
+              <a:t>Bilan du projet</a:t>
+            </a:r>
+            <a:endParaRPr lang="fr-FR" b="1" u="sng" dirty="0">
+              <a:solidFill>
+                <a:srgbClr val="FF0000"/>
+              </a:solidFill>
+            </a:endParaRPr>
+          </a:p>
+        </p:txBody>
+      </p:sp>
+    </p:spTree>
+  </p:cSld>
+  <p:clrMapOvr>
+    <a:masterClrMapping/>
+  </p:clrMapOvr>
+</p:sld>
+</file>
+
+<file path=ppt/slides/slide13.xml><?xml version="1.0" encoding="utf-8"?>
+<p:sld xmlns:a="http://schemas.openxmlformats.org/drawingml/2006/main" xmlns:r="http://schemas.openxmlformats.org/officeDocument/2006/relationships" xmlns:p="http://schemas.openxmlformats.org/presentationml/2006/main">
+  <p:cSld>
+    <p:spTree>
+      <p:nvGrpSpPr>
+        <p:cNvPr id="1" name=""/>
+        <p:cNvGrpSpPr/>
+        <p:nvPr/>
+      </p:nvGrpSpPr>
+      <p:grpSpPr>
+        <a:xfrm>
+          <a:off x="0" y="0"/>
+          <a:ext cx="0" cy="0"/>
+          <a:chOff x="0" y="0"/>
+          <a:chExt cx="0" cy="0"/>
+        </a:xfrm>
+      </p:grpSpPr>
+      <p:sp>
+        <p:nvSpPr>
+          <p:cNvPr id="2" name="Titre 1"/>
+          <p:cNvSpPr>
+            <a:spLocks noGrp="1"/>
+          </p:cNvSpPr>
+          <p:nvPr>
+            <p:ph type="title"/>
+          </p:nvPr>
+        </p:nvSpPr>
+        <p:spPr/>
+        <p:txBody>
+          <a:bodyPr/>
+          <a:lstStyle/>
+          <a:p>
+            <a:r>
+              <a:rPr lang="fr-FR" b="1" u="sng" dirty="0" smtClean="0">
+                <a:solidFill>
+                  <a:srgbClr val="FF0000"/>
+                </a:solidFill>
+              </a:rPr>
+              <a:t>Bibliographie</a:t>
+            </a:r>
+            <a:endParaRPr lang="fr-FR" b="1" u="sng" dirty="0">
+              <a:solidFill>
+                <a:srgbClr val="FF0000"/>
+              </a:solidFill>
+            </a:endParaRPr>
+          </a:p>
+        </p:txBody>
+      </p:sp>
+      <p:sp>
+        <p:nvSpPr>
+          <p:cNvPr id="3" name="ZoneTexte 2"/>
+          <p:cNvSpPr txBox="1"/>
+          <p:nvPr/>
+        </p:nvSpPr>
+        <p:spPr>
+          <a:xfrm>
+            <a:off x="179512" y="1916832"/>
+            <a:ext cx="8732006" cy="2308324"/>
+          </a:xfrm>
+          <a:prstGeom prst="rect">
+            <a:avLst/>
+          </a:prstGeom>
+          <a:noFill/>
+        </p:spPr>
+        <p:txBody>
+          <a:bodyPr wrap="none" rtlCol="0">
+            <a:spAutoFit/>
+          </a:bodyPr>
+          <a:lstStyle/>
+          <a:p>
+            <a:r>
+              <a:rPr lang="fr-FR" sz="1600" dirty="0" smtClean="0">
+                <a:hlinkClick r:id="rId2"/>
+              </a:rPr>
+              <a:t>https://</a:t>
+            </a:r>
+            <a:r>
+              <a:rPr lang="fr-FR" sz="1600" dirty="0" smtClean="0">
+                <a:hlinkClick r:id="rId2"/>
+              </a:rPr>
+              <a:t>openclassrooms.com/forum/sujet/espace-entre-les-boutons-25358</a:t>
+            </a:r>
+            <a:endParaRPr lang="fr-FR" sz="1600" dirty="0" smtClean="0"/>
+          </a:p>
+          <a:p>
+            <a:endParaRPr lang="fr-FR" sz="1600" dirty="0" smtClean="0"/>
+          </a:p>
+          <a:p>
+            <a:r>
+              <a:rPr lang="fr-FR" sz="1600" dirty="0" smtClean="0">
+                <a:hlinkClick r:id="rId3"/>
+              </a:rPr>
+              <a:t>http://</a:t>
+            </a:r>
+            <a:r>
+              <a:rPr lang="fr-FR" sz="1600" dirty="0" smtClean="0">
+                <a:hlinkClick r:id="rId3"/>
+              </a:rPr>
+              <a:t>www.java2s.com/Code/JavaAPI/javax.swing/JPanelsetPreferredSizeDimensionpreferredSize.htm</a:t>
+            </a:r>
+            <a:endParaRPr lang="fr-FR" sz="1600" dirty="0" smtClean="0"/>
+          </a:p>
+          <a:p>
+            <a:endParaRPr lang="fr-FR" sz="1600" dirty="0" smtClean="0"/>
+          </a:p>
+          <a:p>
+            <a:r>
+              <a:rPr lang="fr-FR" sz="1600" dirty="0" smtClean="0">
+                <a:hlinkClick r:id="rId4"/>
+              </a:rPr>
+              <a:t>https://</a:t>
+            </a:r>
+            <a:r>
+              <a:rPr lang="fr-FR" sz="1600" dirty="0" smtClean="0">
+                <a:hlinkClick r:id="rId4"/>
+              </a:rPr>
+              <a:t>openclassrooms.com/courses/apprenez-a-programmer-en-java/les-champs-de-formulaire</a:t>
+            </a:r>
+            <a:endParaRPr lang="fr-FR" sz="1600" dirty="0" smtClean="0"/>
+          </a:p>
+          <a:p>
+            <a:endParaRPr lang="fr-FR" sz="1600" dirty="0" smtClean="0"/>
+          </a:p>
+          <a:p>
+            <a:r>
+              <a:rPr lang="fr-FR" sz="1600" dirty="0" smtClean="0">
+                <a:hlinkClick r:id="rId5"/>
+              </a:rPr>
+              <a:t>https://</a:t>
+            </a:r>
+            <a:r>
+              <a:rPr lang="fr-FR" sz="1600" dirty="0" smtClean="0">
+                <a:hlinkClick r:id="rId5"/>
+              </a:rPr>
+              <a:t>docs.oracle.com/javase/7/docs/api/javax/swing/JComboBox.html</a:t>
+            </a:r>
+            <a:endParaRPr lang="fr-FR" sz="1600" dirty="0" smtClean="0"/>
+          </a:p>
+          <a:p>
+            <a:endParaRPr lang="fr-FR" sz="1600" dirty="0" smtClean="0"/>
+          </a:p>
+          <a:p>
+            <a:endParaRPr lang="fr-FR" sz="1600" dirty="0"/>
           </a:p>
         </p:txBody>
       </p:sp>
@@ -4790,42 +5002,107 @@
           <a:chExt cx="0" cy="0"/>
         </a:xfrm>
       </p:grpSpPr>
-      <p:sp>
-        <p:nvSpPr>
-          <p:cNvPr id="2" name="Titre 1"/>
-          <p:cNvSpPr>
-            <a:spLocks noGrp="1"/>
-          </p:cNvSpPr>
-          <p:nvPr>
-            <p:ph type="title"/>
-          </p:nvPr>
-        </p:nvSpPr>
-        <p:spPr/>
-        <p:txBody>
-          <a:bodyPr/>
-          <a:lstStyle/>
-          <a:p>
-            <a:r>
-              <a:rPr lang="fr-FR" b="1" u="sng" dirty="0" err="1" smtClean="0">
-                <a:solidFill>
-                  <a:srgbClr val="FF0000"/>
-                </a:solidFill>
-              </a:rPr>
-              <a:t>Versionning</a:t>
-            </a:r>
-            <a:r>
-              <a:rPr lang="fr-FR" b="1" u="sng" dirty="0" smtClean="0">
-                <a:solidFill>
-                  <a:srgbClr val="FF0000"/>
-                </a:solidFill>
-              </a:rPr>
-              <a:t> GIT</a:t>
-            </a:r>
-            <a:endParaRPr lang="fr-FR" b="1" u="sng" dirty="0">
-              <a:solidFill>
-                <a:srgbClr val="FF0000"/>
-              </a:solidFill>
-            </a:endParaRPr>
+      <p:pic>
+        <p:nvPicPr>
+          <p:cNvPr id="3074" name="Picture 2"/>
+          <p:cNvPicPr>
+            <a:picLocks noChangeAspect="1" noChangeArrowheads="1"/>
+          </p:cNvPicPr>
+          <p:nvPr/>
+        </p:nvPicPr>
+        <p:blipFill>
+          <a:blip r:embed="rId2" cstate="print"/>
+          <a:srcRect r="63201" b="21625"/>
+          <a:stretch>
+            <a:fillRect/>
+          </a:stretch>
+        </p:blipFill>
+        <p:spPr bwMode="auto">
+          <a:xfrm>
+            <a:off x="827584" y="404664"/>
+            <a:ext cx="3525165" cy="4221088"/>
+          </a:xfrm>
+          <a:prstGeom prst="rect">
+            <a:avLst/>
+          </a:prstGeom>
+          <a:noFill/>
+          <a:ln w="9525">
+            <a:noFill/>
+            <a:miter lim="800000"/>
+            <a:headEnd/>
+            <a:tailEnd/>
+          </a:ln>
+        </p:spPr>
+      </p:pic>
+      <p:pic>
+        <p:nvPicPr>
+          <p:cNvPr id="3075" name="Picture 3"/>
+          <p:cNvPicPr>
+            <a:picLocks noChangeAspect="1" noChangeArrowheads="1"/>
+          </p:cNvPicPr>
+          <p:nvPr/>
+        </p:nvPicPr>
+        <p:blipFill>
+          <a:blip r:embed="rId3" cstate="print"/>
+          <a:srcRect t="-202" r="63282" b="21453"/>
+          <a:stretch>
+            <a:fillRect/>
+          </a:stretch>
+        </p:blipFill>
+        <p:spPr bwMode="auto">
+          <a:xfrm>
+            <a:off x="5148064" y="260648"/>
+            <a:ext cx="3642755" cy="4392488"/>
+          </a:xfrm>
+          <a:prstGeom prst="rect">
+            <a:avLst/>
+          </a:prstGeom>
+          <a:noFill/>
+          <a:ln w="9525">
+            <a:noFill/>
+            <a:miter lim="800000"/>
+            <a:headEnd/>
+            <a:tailEnd/>
+          </a:ln>
+        </p:spPr>
+      </p:pic>
+      <p:sp>
+        <p:nvSpPr>
+          <p:cNvPr id="6" name="Flèche droite 5"/>
+          <p:cNvSpPr/>
+          <p:nvPr/>
+        </p:nvSpPr>
+        <p:spPr>
+          <a:xfrm>
+            <a:off x="4499992" y="2204864"/>
+            <a:ext cx="576064" cy="288032"/>
+          </a:xfrm>
+          <a:prstGeom prst="rightArrow">
+            <a:avLst/>
+          </a:prstGeom>
+        </p:spPr>
+        <p:style>
+          <a:lnRef idx="2">
+            <a:schemeClr val="accent1">
+              <a:shade val="50000"/>
+            </a:schemeClr>
+          </a:lnRef>
+          <a:fillRef idx="1">
+            <a:schemeClr val="accent1"/>
+          </a:fillRef>
+          <a:effectRef idx="0">
+            <a:schemeClr val="accent1"/>
+          </a:effectRef>
+          <a:fontRef idx="minor">
+            <a:schemeClr val="lt1"/>
+          </a:fontRef>
+        </p:style>
+        <p:txBody>
+          <a:bodyPr rtlCol="0" anchor="ctr"/>
+          <a:lstStyle/>
+          <a:p>
+            <a:pPr algn="ctr"/>
+            <a:endParaRPr lang="fr-FR"/>
           </a:p>
         </p:txBody>
       </p:sp>
@@ -4854,34 +5131,107 @@
           <a:chExt cx="0" cy="0"/>
         </a:xfrm>
       </p:grpSpPr>
-      <p:sp>
-        <p:nvSpPr>
-          <p:cNvPr id="2" name="Titre 1"/>
-          <p:cNvSpPr>
-            <a:spLocks noGrp="1"/>
-          </p:cNvSpPr>
-          <p:nvPr>
-            <p:ph type="title"/>
-          </p:nvPr>
-        </p:nvSpPr>
-        <p:spPr/>
-        <p:txBody>
-          <a:bodyPr/>
-          <a:lstStyle/>
-          <a:p>
-            <a:r>
-              <a:rPr lang="fr-FR" b="1" u="sng" dirty="0" smtClean="0">
-                <a:solidFill>
-                  <a:srgbClr val="FF0000"/>
-                </a:solidFill>
-              </a:rPr>
-              <a:t>Bilan individuel Albert</a:t>
-            </a:r>
-            <a:endParaRPr lang="fr-FR" b="1" u="sng" dirty="0">
-              <a:solidFill>
-                <a:srgbClr val="FF0000"/>
-              </a:solidFill>
-            </a:endParaRPr>
+      <p:pic>
+        <p:nvPicPr>
+          <p:cNvPr id="4098" name="Picture 2"/>
+          <p:cNvPicPr>
+            <a:picLocks noChangeAspect="1" noChangeArrowheads="1"/>
+          </p:cNvPicPr>
+          <p:nvPr/>
+        </p:nvPicPr>
+        <p:blipFill>
+          <a:blip r:embed="rId2" cstate="print"/>
+          <a:srcRect r="63201" b="21625"/>
+          <a:stretch>
+            <a:fillRect/>
+          </a:stretch>
+        </p:blipFill>
+        <p:spPr bwMode="auto">
+          <a:xfrm>
+            <a:off x="251520" y="1196752"/>
+            <a:ext cx="3344756" cy="4005064"/>
+          </a:xfrm>
+          <a:prstGeom prst="rect">
+            <a:avLst/>
+          </a:prstGeom>
+          <a:noFill/>
+          <a:ln w="9525">
+            <a:noFill/>
+            <a:miter lim="800000"/>
+            <a:headEnd/>
+            <a:tailEnd/>
+          </a:ln>
+        </p:spPr>
+      </p:pic>
+      <p:pic>
+        <p:nvPicPr>
+          <p:cNvPr id="4099" name="Picture 3"/>
+          <p:cNvPicPr>
+            <a:picLocks noChangeAspect="1" noChangeArrowheads="1"/>
+          </p:cNvPicPr>
+          <p:nvPr/>
+        </p:nvPicPr>
+        <p:blipFill>
+          <a:blip r:embed="rId3" cstate="print"/>
+          <a:srcRect l="40591" t="6688" r="8493" b="32282"/>
+          <a:stretch>
+            <a:fillRect/>
+          </a:stretch>
+        </p:blipFill>
+        <p:spPr bwMode="auto">
+          <a:xfrm>
+            <a:off x="4427984" y="1700808"/>
+            <a:ext cx="4536504" cy="3057209"/>
+          </a:xfrm>
+          <a:prstGeom prst="rect">
+            <a:avLst/>
+          </a:prstGeom>
+          <a:noFill/>
+          <a:ln w="9525">
+            <a:noFill/>
+            <a:miter lim="800000"/>
+            <a:headEnd/>
+            <a:tailEnd/>
+          </a:ln>
+        </p:spPr>
+      </p:pic>
+      <p:sp>
+        <p:nvSpPr>
+          <p:cNvPr id="6" name="Flèche droite 5"/>
+          <p:cNvSpPr/>
+          <p:nvPr/>
+        </p:nvSpPr>
+        <p:spPr>
+          <a:xfrm>
+            <a:off x="3707904" y="2924944"/>
+            <a:ext cx="648072" cy="504056"/>
+          </a:xfrm>
+          <a:prstGeom prst="rightArrow">
+            <a:avLst/>
+          </a:prstGeom>
+        </p:spPr>
+        <p:style>
+          <a:lnRef idx="2">
+            <a:schemeClr val="accent1">
+              <a:shade val="50000"/>
+            </a:schemeClr>
+          </a:lnRef>
+          <a:fillRef idx="1">
+            <a:schemeClr val="accent1"/>
+          </a:fillRef>
+          <a:effectRef idx="0">
+            <a:schemeClr val="accent1"/>
+          </a:effectRef>
+          <a:fontRef idx="minor">
+            <a:schemeClr val="lt1"/>
+          </a:fontRef>
+        </p:style>
+        <p:txBody>
+          <a:bodyPr rtlCol="0" anchor="ctr"/>
+          <a:lstStyle/>
+          <a:p>
+            <a:pPr algn="ctr"/>
+            <a:endParaRPr lang="fr-FR"/>
           </a:p>
         </p:txBody>
       </p:sp>
@@ -4926,12 +5276,20 @@
           <a:lstStyle/>
           <a:p>
             <a:r>
+              <a:rPr lang="fr-FR" b="1" u="sng" dirty="0" err="1" smtClean="0">
+                <a:solidFill>
+                  <a:srgbClr val="FF0000"/>
+                </a:solidFill>
+              </a:rPr>
+              <a:t>Versionning</a:t>
+            </a:r>
+            <a:r>
               <a:rPr lang="fr-FR" b="1" u="sng" dirty="0" smtClean="0">
                 <a:solidFill>
                   <a:srgbClr val="FF0000"/>
                 </a:solidFill>
               </a:rPr>
-              <a:t>Bilan individuel Yann</a:t>
+              <a:t> GIT</a:t>
             </a:r>
             <a:endParaRPr lang="fr-FR" b="1" u="sng" dirty="0">
               <a:solidFill>

--- a/PROJET POO Java/Projet_Java_TAN_RINJARD.pptx
+++ b/PROJET POO Java/Projet_Java_TAN_RINJARD.pptx
@@ -4844,8 +4844,8 @@
         </p:nvSpPr>
         <p:spPr>
           <a:xfrm>
-            <a:off x="6302325" y="4149080"/>
-            <a:ext cx="2841675" cy="646331"/>
+            <a:off x="6302325" y="4221088"/>
+            <a:ext cx="2841675" cy="923330"/>
           </a:xfrm>
           <a:prstGeom prst="rect">
             <a:avLst/>
@@ -4866,7 +4866,13 @@
           <a:p>
             <a:r>
               <a:rPr lang="fr-FR" dirty="0" smtClean="0"/>
-              <a:t>ou revenir en arrière</a:t>
+              <a:t>ou revenir en arrière que </a:t>
+            </a:r>
+          </a:p>
+          <a:p>
+            <a:r>
+              <a:rPr lang="fr-FR" dirty="0" smtClean="0"/>
+              <a:t>l’on retrouve partout</a:t>
             </a:r>
             <a:endParaRPr lang="fr-FR" dirty="0"/>
           </a:p>
@@ -4882,8 +4888,8 @@
         </p:nvCxnSpPr>
         <p:spPr>
           <a:xfrm flipH="1" flipV="1">
-            <a:off x="6516216" y="2924944"/>
-            <a:ext cx="1206947" cy="1224136"/>
+            <a:off x="6516225" y="2996952"/>
+            <a:ext cx="1206938" cy="1224136"/>
           </a:xfrm>
           <a:prstGeom prst="straightConnector1">
             <a:avLst/>
@@ -4917,8 +4923,8 @@
         </p:nvCxnSpPr>
         <p:spPr>
           <a:xfrm flipV="1">
-            <a:off x="7723163" y="2852936"/>
-            <a:ext cx="305221" cy="1296144"/>
+            <a:off x="7723163" y="2924944"/>
+            <a:ext cx="305224" cy="1296144"/>
           </a:xfrm>
           <a:prstGeom prst="straightConnector1">
             <a:avLst/>
@@ -4952,8 +4958,8 @@
         </p:nvCxnSpPr>
         <p:spPr>
           <a:xfrm flipH="1" flipV="1">
-            <a:off x="7452320" y="3429000"/>
-            <a:ext cx="270843" cy="720080"/>
+            <a:off x="7452329" y="3501008"/>
+            <a:ext cx="270834" cy="720080"/>
           </a:xfrm>
           <a:prstGeom prst="straightConnector1">
             <a:avLst/>
@@ -5106,6 +5112,257 @@
           </a:p>
         </p:txBody>
       </p:sp>
+      <p:sp>
+        <p:nvSpPr>
+          <p:cNvPr id="8" name="ZoneTexte 7"/>
+          <p:cNvSpPr txBox="1"/>
+          <p:nvPr/>
+        </p:nvSpPr>
+        <p:spPr>
+          <a:xfrm>
+            <a:off x="1187624" y="2780928"/>
+            <a:ext cx="2740366" cy="646331"/>
+          </a:xfrm>
+          <a:prstGeom prst="rect">
+            <a:avLst/>
+          </a:prstGeom>
+          <a:noFill/>
+        </p:spPr>
+        <p:txBody>
+          <a:bodyPr wrap="none" rtlCol="0">
+            <a:spAutoFit/>
+          </a:bodyPr>
+          <a:lstStyle/>
+          <a:p>
+            <a:r>
+              <a:rPr lang="fr-FR" dirty="0" err="1" smtClean="0"/>
+              <a:t>JComboBox</a:t>
+            </a:r>
+            <a:r>
+              <a:rPr lang="fr-FR" dirty="0" smtClean="0"/>
+              <a:t> permettant de </a:t>
+            </a:r>
+          </a:p>
+          <a:p>
+            <a:r>
+              <a:rPr lang="fr-FR" dirty="0" smtClean="0"/>
+              <a:t>faire des choix</a:t>
+            </a:r>
+            <a:endParaRPr lang="fr-FR" dirty="0"/>
+          </a:p>
+        </p:txBody>
+      </p:sp>
+      <p:sp>
+        <p:nvSpPr>
+          <p:cNvPr id="9" name="ZoneTexte 8"/>
+          <p:cNvSpPr txBox="1"/>
+          <p:nvPr/>
+        </p:nvSpPr>
+        <p:spPr>
+          <a:xfrm>
+            <a:off x="5508104" y="3068960"/>
+            <a:ext cx="3147528" cy="646331"/>
+          </a:xfrm>
+          <a:prstGeom prst="rect">
+            <a:avLst/>
+          </a:prstGeom>
+          <a:noFill/>
+        </p:spPr>
+        <p:txBody>
+          <a:bodyPr wrap="none" rtlCol="0">
+            <a:spAutoFit/>
+          </a:bodyPr>
+          <a:lstStyle/>
+          <a:p>
+            <a:r>
+              <a:rPr lang="fr-FR" dirty="0" smtClean="0"/>
+              <a:t>Zone de Texte pour ajouter des </a:t>
+            </a:r>
+          </a:p>
+          <a:p>
+            <a:r>
+              <a:rPr lang="fr-FR" dirty="0" smtClean="0"/>
+              <a:t>informations dans une table</a:t>
+            </a:r>
+            <a:endParaRPr lang="fr-FR" dirty="0"/>
+          </a:p>
+        </p:txBody>
+      </p:sp>
+      <p:cxnSp>
+        <p:nvCxnSpPr>
+          <p:cNvPr id="11" name="Connecteur droit avec flèche 10"/>
+          <p:cNvCxnSpPr>
+            <a:stCxn id="9" idx="0"/>
+          </p:cNvCxnSpPr>
+          <p:nvPr/>
+        </p:nvCxnSpPr>
+        <p:spPr>
+          <a:xfrm flipH="1" flipV="1">
+            <a:off x="7020272" y="980728"/>
+            <a:ext cx="61596" cy="2088232"/>
+          </a:xfrm>
+          <a:prstGeom prst="straightConnector1">
+            <a:avLst/>
+          </a:prstGeom>
+          <a:ln>
+            <a:tailEnd type="arrow"/>
+          </a:ln>
+        </p:spPr>
+        <p:style>
+          <a:lnRef idx="1">
+            <a:schemeClr val="dk1"/>
+          </a:lnRef>
+          <a:fillRef idx="0">
+            <a:schemeClr val="dk1"/>
+          </a:fillRef>
+          <a:effectRef idx="0">
+            <a:schemeClr val="dk1"/>
+          </a:effectRef>
+          <a:fontRef idx="minor">
+            <a:schemeClr val="tx1"/>
+          </a:fontRef>
+        </p:style>
+      </p:cxnSp>
+      <p:cxnSp>
+        <p:nvCxnSpPr>
+          <p:cNvPr id="13" name="Connecteur droit avec flèche 12"/>
+          <p:cNvCxnSpPr>
+            <a:stCxn id="9" idx="0"/>
+          </p:cNvCxnSpPr>
+          <p:nvPr/>
+        </p:nvCxnSpPr>
+        <p:spPr>
+          <a:xfrm flipH="1" flipV="1">
+            <a:off x="6660232" y="1340768"/>
+            <a:ext cx="421636" cy="1728192"/>
+          </a:xfrm>
+          <a:prstGeom prst="straightConnector1">
+            <a:avLst/>
+          </a:prstGeom>
+          <a:ln>
+            <a:tailEnd type="arrow"/>
+          </a:ln>
+        </p:spPr>
+        <p:style>
+          <a:lnRef idx="1">
+            <a:schemeClr val="dk1"/>
+          </a:lnRef>
+          <a:fillRef idx="0">
+            <a:schemeClr val="dk1"/>
+          </a:fillRef>
+          <a:effectRef idx="0">
+            <a:schemeClr val="dk1"/>
+          </a:effectRef>
+          <a:fontRef idx="minor">
+            <a:schemeClr val="tx1"/>
+          </a:fontRef>
+        </p:style>
+      </p:cxnSp>
+      <p:cxnSp>
+        <p:nvCxnSpPr>
+          <p:cNvPr id="15" name="Connecteur droit avec flèche 14"/>
+          <p:cNvCxnSpPr>
+            <a:stCxn id="9" idx="0"/>
+          </p:cNvCxnSpPr>
+          <p:nvPr/>
+        </p:nvCxnSpPr>
+        <p:spPr>
+          <a:xfrm flipV="1">
+            <a:off x="7081868" y="1700808"/>
+            <a:ext cx="298444" cy="1368152"/>
+          </a:xfrm>
+          <a:prstGeom prst="straightConnector1">
+            <a:avLst/>
+          </a:prstGeom>
+          <a:ln>
+            <a:tailEnd type="arrow"/>
+          </a:ln>
+        </p:spPr>
+        <p:style>
+          <a:lnRef idx="1">
+            <a:schemeClr val="dk1"/>
+          </a:lnRef>
+          <a:fillRef idx="0">
+            <a:schemeClr val="dk1"/>
+          </a:fillRef>
+          <a:effectRef idx="0">
+            <a:schemeClr val="dk1"/>
+          </a:effectRef>
+          <a:fontRef idx="minor">
+            <a:schemeClr val="tx1"/>
+          </a:fontRef>
+        </p:style>
+      </p:cxnSp>
+      <p:cxnSp>
+        <p:nvCxnSpPr>
+          <p:cNvPr id="17" name="Connecteur droit avec flèche 16"/>
+          <p:cNvCxnSpPr>
+            <a:stCxn id="9" idx="0"/>
+          </p:cNvCxnSpPr>
+          <p:nvPr/>
+        </p:nvCxnSpPr>
+        <p:spPr>
+          <a:xfrm flipH="1" flipV="1">
+            <a:off x="6588224" y="2060848"/>
+            <a:ext cx="493644" cy="1008112"/>
+          </a:xfrm>
+          <a:prstGeom prst="straightConnector1">
+            <a:avLst/>
+          </a:prstGeom>
+          <a:ln>
+            <a:tailEnd type="arrow"/>
+          </a:ln>
+        </p:spPr>
+        <p:style>
+          <a:lnRef idx="1">
+            <a:schemeClr val="dk1"/>
+          </a:lnRef>
+          <a:fillRef idx="0">
+            <a:schemeClr val="dk1"/>
+          </a:fillRef>
+          <a:effectRef idx="0">
+            <a:schemeClr val="dk1"/>
+          </a:effectRef>
+          <a:fontRef idx="minor">
+            <a:schemeClr val="tx1"/>
+          </a:fontRef>
+        </p:style>
+      </p:cxnSp>
+      <p:cxnSp>
+        <p:nvCxnSpPr>
+          <p:cNvPr id="19" name="Connecteur droit avec flèche 18"/>
+          <p:cNvCxnSpPr>
+            <a:stCxn id="8" idx="0"/>
+          </p:cNvCxnSpPr>
+          <p:nvPr/>
+        </p:nvCxnSpPr>
+        <p:spPr>
+          <a:xfrm flipH="1" flipV="1">
+            <a:off x="2555776" y="1124744"/>
+            <a:ext cx="2031" cy="1656184"/>
+          </a:xfrm>
+          <a:prstGeom prst="straightConnector1">
+            <a:avLst/>
+          </a:prstGeom>
+          <a:ln>
+            <a:tailEnd type="arrow"/>
+          </a:ln>
+        </p:spPr>
+        <p:style>
+          <a:lnRef idx="1">
+            <a:schemeClr val="dk1"/>
+          </a:lnRef>
+          <a:fillRef idx="0">
+            <a:schemeClr val="dk1"/>
+          </a:fillRef>
+          <a:effectRef idx="0">
+            <a:schemeClr val="dk1"/>
+          </a:effectRef>
+          <a:fontRef idx="minor">
+            <a:schemeClr val="tx1"/>
+          </a:fontRef>
+        </p:style>
+      </p:cxnSp>
     </p:spTree>
   </p:cSld>
   <p:clrMapOvr>
@@ -5232,6 +5489,170 @@
           <a:p>
             <a:pPr algn="ctr"/>
             <a:endParaRPr lang="fr-FR"/>
+          </a:p>
+        </p:txBody>
+      </p:sp>
+      <p:sp>
+        <p:nvSpPr>
+          <p:cNvPr id="7" name="ZoneTexte 6"/>
+          <p:cNvSpPr txBox="1"/>
+          <p:nvPr/>
+        </p:nvSpPr>
+        <p:spPr>
+          <a:xfrm>
+            <a:off x="539552" y="3573016"/>
+            <a:ext cx="2740366" cy="646331"/>
+          </a:xfrm>
+          <a:prstGeom prst="rect">
+            <a:avLst/>
+          </a:prstGeom>
+          <a:noFill/>
+        </p:spPr>
+        <p:txBody>
+          <a:bodyPr wrap="none" rtlCol="0">
+            <a:spAutoFit/>
+          </a:bodyPr>
+          <a:lstStyle/>
+          <a:p>
+            <a:r>
+              <a:rPr lang="fr-FR" dirty="0" err="1" smtClean="0"/>
+              <a:t>JComboBox</a:t>
+            </a:r>
+            <a:r>
+              <a:rPr lang="fr-FR" dirty="0" smtClean="0"/>
+              <a:t> permettant de </a:t>
+            </a:r>
+          </a:p>
+          <a:p>
+            <a:r>
+              <a:rPr lang="fr-FR" dirty="0" smtClean="0"/>
+              <a:t>faire des choix</a:t>
+            </a:r>
+            <a:endParaRPr lang="fr-FR" dirty="0"/>
+          </a:p>
+        </p:txBody>
+      </p:sp>
+      <p:cxnSp>
+        <p:nvCxnSpPr>
+          <p:cNvPr id="9" name="Connecteur droit avec flèche 8"/>
+          <p:cNvCxnSpPr>
+            <a:stCxn id="7" idx="0"/>
+          </p:cNvCxnSpPr>
+          <p:nvPr/>
+        </p:nvCxnSpPr>
+        <p:spPr>
+          <a:xfrm flipV="1">
+            <a:off x="1909735" y="1844824"/>
+            <a:ext cx="69977" cy="1728192"/>
+          </a:xfrm>
+          <a:prstGeom prst="straightConnector1">
+            <a:avLst/>
+          </a:prstGeom>
+          <a:ln>
+            <a:tailEnd type="arrow"/>
+          </a:ln>
+        </p:spPr>
+        <p:style>
+          <a:lnRef idx="1">
+            <a:schemeClr val="accent1"/>
+          </a:lnRef>
+          <a:fillRef idx="0">
+            <a:schemeClr val="accent1"/>
+          </a:fillRef>
+          <a:effectRef idx="0">
+            <a:schemeClr val="accent1"/>
+          </a:effectRef>
+          <a:fontRef idx="minor">
+            <a:schemeClr val="tx1"/>
+          </a:fontRef>
+        </p:style>
+      </p:cxnSp>
+      <p:cxnSp>
+        <p:nvCxnSpPr>
+          <p:cNvPr id="11" name="Connecteur droit avec flèche 10"/>
+          <p:cNvCxnSpPr/>
+          <p:nvPr/>
+        </p:nvCxnSpPr>
+        <p:spPr>
+          <a:xfrm flipV="1">
+            <a:off x="6012160" y="3356992"/>
+            <a:ext cx="1944216" cy="1944216"/>
+          </a:xfrm>
+          <a:prstGeom prst="straightConnector1">
+            <a:avLst/>
+          </a:prstGeom>
+          <a:ln>
+            <a:tailEnd type="arrow"/>
+          </a:ln>
+        </p:spPr>
+        <p:style>
+          <a:lnRef idx="1">
+            <a:schemeClr val="dk1"/>
+          </a:lnRef>
+          <a:fillRef idx="0">
+            <a:schemeClr val="dk1"/>
+          </a:fillRef>
+          <a:effectRef idx="0">
+            <a:schemeClr val="dk1"/>
+          </a:effectRef>
+          <a:fontRef idx="minor">
+            <a:schemeClr val="tx1"/>
+          </a:fontRef>
+        </p:style>
+      </p:cxnSp>
+      <p:sp>
+        <p:nvSpPr>
+          <p:cNvPr id="12" name="ZoneTexte 11"/>
+          <p:cNvSpPr txBox="1"/>
+          <p:nvPr/>
+        </p:nvSpPr>
+        <p:spPr>
+          <a:xfrm>
+            <a:off x="4355976" y="5445224"/>
+            <a:ext cx="3791294" cy="646331"/>
+          </a:xfrm>
+          <a:prstGeom prst="rect">
+            <a:avLst/>
+          </a:prstGeom>
+          <a:noFill/>
+        </p:spPr>
+        <p:txBody>
+          <a:bodyPr wrap="none" rtlCol="0">
+            <a:spAutoFit/>
+          </a:bodyPr>
+          <a:lstStyle/>
+          <a:p>
+            <a:r>
+              <a:rPr lang="fr-FR" dirty="0" err="1" smtClean="0"/>
+              <a:t>JFreeChart</a:t>
+            </a:r>
+            <a:r>
+              <a:rPr lang="fr-FR" dirty="0" smtClean="0"/>
+              <a:t> pour afficher le diagramme</a:t>
+            </a:r>
+          </a:p>
+          <a:p>
+            <a:r>
+              <a:rPr lang="fr-FR" dirty="0" smtClean="0"/>
+              <a:t> (aide avec le </a:t>
+            </a:r>
+            <a:r>
+              <a:rPr lang="fr-FR" dirty="0" err="1" smtClean="0"/>
+              <a:t>pdf</a:t>
+            </a:r>
+            <a:r>
+              <a:rPr lang="fr-FR" dirty="0" smtClean="0"/>
+              <a:t> sur </a:t>
+            </a:r>
+            <a:r>
+              <a:rPr lang="fr-FR" dirty="0" err="1" smtClean="0"/>
+              <a:t>JFreeChart</a:t>
+            </a:r>
+            <a:r>
+              <a:rPr lang="fr-FR" dirty="0" smtClean="0"/>
+              <a:t>)</a:t>
+            </a:r>
+            <a:endParaRPr lang="fr-FR" dirty="0"/>
           </a:p>
         </p:txBody>
       </p:sp>

--- a/PROJET POO Java/Projet_Java_TAN_RINJARD.pptx
+++ b/PROJET POO Java/Projet_Java_TAN_RINJARD.pptx
@@ -8,16 +8,15 @@
     <p:sldId id="256" r:id="rId2"/>
     <p:sldId id="257" r:id="rId3"/>
     <p:sldId id="258" r:id="rId4"/>
-    <p:sldId id="265" r:id="rId5"/>
-    <p:sldId id="259" r:id="rId6"/>
-    <p:sldId id="266" r:id="rId7"/>
-    <p:sldId id="267" r:id="rId8"/>
-    <p:sldId id="268" r:id="rId9"/>
-    <p:sldId id="260" r:id="rId10"/>
-    <p:sldId id="261" r:id="rId11"/>
-    <p:sldId id="262" r:id="rId12"/>
-    <p:sldId id="263" r:id="rId13"/>
-    <p:sldId id="264" r:id="rId14"/>
+    <p:sldId id="259" r:id="rId5"/>
+    <p:sldId id="266" r:id="rId6"/>
+    <p:sldId id="267" r:id="rId7"/>
+    <p:sldId id="268" r:id="rId8"/>
+    <p:sldId id="260" r:id="rId9"/>
+    <p:sldId id="261" r:id="rId10"/>
+    <p:sldId id="262" r:id="rId11"/>
+    <p:sldId id="263" r:id="rId12"/>
+    <p:sldId id="264" r:id="rId13"/>
   </p:sldIdLst>
   <p:sldSz cx="9144000" cy="6858000" type="screen4x3"/>
   <p:notesSz cx="6858000" cy="9144000"/>
@@ -3228,7 +3227,7 @@
                   <a:srgbClr val="FF0000"/>
                 </a:solidFill>
               </a:rPr>
-              <a:t>Bilan individuel Albert</a:t>
+              <a:t>Bilan individuel Yann</a:t>
             </a:r>
             <a:endParaRPr lang="fr-FR" b="1" u="sng" dirty="0">
               <a:solidFill>
@@ -3284,7 +3283,7 @@
                   <a:srgbClr val="FF0000"/>
                 </a:solidFill>
               </a:rPr>
-              <a:t>Bilan individuel Yann</a:t>
+              <a:t>Bilan du projet</a:t>
             </a:r>
             <a:endParaRPr lang="fr-FR" b="1" u="sng" dirty="0">
               <a:solidFill>
@@ -3340,62 +3339,6 @@
                   <a:srgbClr val="FF0000"/>
                 </a:solidFill>
               </a:rPr>
-              <a:t>Bilan du projet</a:t>
-            </a:r>
-            <a:endParaRPr lang="fr-FR" b="1" u="sng" dirty="0">
-              <a:solidFill>
-                <a:srgbClr val="FF0000"/>
-              </a:solidFill>
-            </a:endParaRPr>
-          </a:p>
-        </p:txBody>
-      </p:sp>
-    </p:spTree>
-  </p:cSld>
-  <p:clrMapOvr>
-    <a:masterClrMapping/>
-  </p:clrMapOvr>
-</p:sld>
-</file>
-
-<file path=ppt/slides/slide13.xml><?xml version="1.0" encoding="utf-8"?>
-<p:sld xmlns:a="http://schemas.openxmlformats.org/drawingml/2006/main" xmlns:r="http://schemas.openxmlformats.org/officeDocument/2006/relationships" xmlns:p="http://schemas.openxmlformats.org/presentationml/2006/main">
-  <p:cSld>
-    <p:spTree>
-      <p:nvGrpSpPr>
-        <p:cNvPr id="1" name=""/>
-        <p:cNvGrpSpPr/>
-        <p:nvPr/>
-      </p:nvGrpSpPr>
-      <p:grpSpPr>
-        <a:xfrm>
-          <a:off x="0" y="0"/>
-          <a:ext cx="0" cy="0"/>
-          <a:chOff x="0" y="0"/>
-          <a:chExt cx="0" cy="0"/>
-        </a:xfrm>
-      </p:grpSpPr>
-      <p:sp>
-        <p:nvSpPr>
-          <p:cNvPr id="2" name="Titre 1"/>
-          <p:cNvSpPr>
-            <a:spLocks noGrp="1"/>
-          </p:cNvSpPr>
-          <p:nvPr>
-            <p:ph type="title"/>
-          </p:nvPr>
-        </p:nvSpPr>
-        <p:spPr/>
-        <p:txBody>
-          <a:bodyPr/>
-          <a:lstStyle/>
-          <a:p>
-            <a:r>
-              <a:rPr lang="fr-FR" b="1" u="sng" dirty="0" smtClean="0">
-                <a:solidFill>
-                  <a:srgbClr val="FF0000"/>
-                </a:solidFill>
-              </a:rPr>
               <a:t>Bibliographie</a:t>
             </a:r>
             <a:endParaRPr lang="fr-FR" b="1" u="sng" dirty="0">
@@ -3826,62 +3769,6 @@
                   <a:srgbClr val="FF0000"/>
                 </a:solidFill>
               </a:rPr>
-              <a:t>Conception technique</a:t>
-            </a:r>
-            <a:endParaRPr lang="fr-FR" b="1" u="sng" dirty="0">
-              <a:solidFill>
-                <a:srgbClr val="FF0000"/>
-              </a:solidFill>
-            </a:endParaRPr>
-          </a:p>
-        </p:txBody>
-      </p:sp>
-    </p:spTree>
-  </p:cSld>
-  <p:clrMapOvr>
-    <a:masterClrMapping/>
-  </p:clrMapOvr>
-</p:sld>
-</file>
-
-<file path=ppt/slides/slide5.xml><?xml version="1.0" encoding="utf-8"?>
-<p:sld xmlns:a="http://schemas.openxmlformats.org/drawingml/2006/main" xmlns:r="http://schemas.openxmlformats.org/officeDocument/2006/relationships" xmlns:p="http://schemas.openxmlformats.org/presentationml/2006/main">
-  <p:cSld>
-    <p:spTree>
-      <p:nvGrpSpPr>
-        <p:cNvPr id="1" name=""/>
-        <p:cNvGrpSpPr/>
-        <p:nvPr/>
-      </p:nvGrpSpPr>
-      <p:grpSpPr>
-        <a:xfrm>
-          <a:off x="0" y="0"/>
-          <a:ext cx="0" cy="0"/>
-          <a:chOff x="0" y="0"/>
-          <a:chExt cx="0" cy="0"/>
-        </a:xfrm>
-      </p:grpSpPr>
-      <p:sp>
-        <p:nvSpPr>
-          <p:cNvPr id="2" name="Titre 1"/>
-          <p:cNvSpPr>
-            <a:spLocks noGrp="1"/>
-          </p:cNvSpPr>
-          <p:nvPr>
-            <p:ph type="title"/>
-          </p:nvPr>
-        </p:nvSpPr>
-        <p:spPr/>
-        <p:txBody>
-          <a:bodyPr/>
-          <a:lstStyle/>
-          <a:p>
-            <a:r>
-              <a:rPr lang="fr-FR" b="1" u="sng" dirty="0" smtClean="0">
-                <a:solidFill>
-                  <a:srgbClr val="FF0000"/>
-                </a:solidFill>
-              </a:rPr>
               <a:t>Maquettes d’interface</a:t>
             </a:r>
             <a:endParaRPr lang="fr-FR" b="1" u="sng" dirty="0">
@@ -4324,7 +4211,7 @@
 </p:sld>
 </file>
 
-<file path=ppt/slides/slide6.xml><?xml version="1.0" encoding="utf-8"?>
+<file path=ppt/slides/slide5.xml><?xml version="1.0" encoding="utf-8"?>
 <p:sld xmlns:a="http://schemas.openxmlformats.org/drawingml/2006/main" xmlns:r="http://schemas.openxmlformats.org/officeDocument/2006/relationships" xmlns:p="http://schemas.openxmlformats.org/presentationml/2006/main">
   <p:cSld>
     <p:spTree>
@@ -4991,7 +4878,7 @@
 </p:sld>
 </file>
 
-<file path=ppt/slides/slide7.xml><?xml version="1.0" encoding="utf-8"?>
+<file path=ppt/slides/slide6.xml><?xml version="1.0" encoding="utf-8"?>
 <p:sld xmlns:a="http://schemas.openxmlformats.org/drawingml/2006/main" xmlns:r="http://schemas.openxmlformats.org/officeDocument/2006/relationships" xmlns:p="http://schemas.openxmlformats.org/presentationml/2006/main">
   <p:cSld>
     <p:spTree>
@@ -5371,7 +5258,7 @@
 </p:sld>
 </file>
 
-<file path=ppt/slides/slide8.xml><?xml version="1.0" encoding="utf-8"?>
+<file path=ppt/slides/slide7.xml><?xml version="1.0" encoding="utf-8"?>
 <p:sld xmlns:a="http://schemas.openxmlformats.org/drawingml/2006/main" xmlns:r="http://schemas.openxmlformats.org/officeDocument/2006/relationships" xmlns:p="http://schemas.openxmlformats.org/presentationml/2006/main">
   <p:cSld>
     <p:spTree>
@@ -5664,6 +5551,70 @@
 </p:sld>
 </file>
 
+<file path=ppt/slides/slide8.xml><?xml version="1.0" encoding="utf-8"?>
+<p:sld xmlns:a="http://schemas.openxmlformats.org/drawingml/2006/main" xmlns:r="http://schemas.openxmlformats.org/officeDocument/2006/relationships" xmlns:p="http://schemas.openxmlformats.org/presentationml/2006/main">
+  <p:cSld>
+    <p:spTree>
+      <p:nvGrpSpPr>
+        <p:cNvPr id="1" name=""/>
+        <p:cNvGrpSpPr/>
+        <p:nvPr/>
+      </p:nvGrpSpPr>
+      <p:grpSpPr>
+        <a:xfrm>
+          <a:off x="0" y="0"/>
+          <a:ext cx="0" cy="0"/>
+          <a:chOff x="0" y="0"/>
+          <a:chExt cx="0" cy="0"/>
+        </a:xfrm>
+      </p:grpSpPr>
+      <p:sp>
+        <p:nvSpPr>
+          <p:cNvPr id="2" name="Titre 1"/>
+          <p:cNvSpPr>
+            <a:spLocks noGrp="1"/>
+          </p:cNvSpPr>
+          <p:nvPr>
+            <p:ph type="title"/>
+          </p:nvPr>
+        </p:nvSpPr>
+        <p:spPr/>
+        <p:txBody>
+          <a:bodyPr/>
+          <a:lstStyle/>
+          <a:p>
+            <a:r>
+              <a:rPr lang="fr-FR" b="1" u="sng" dirty="0" err="1" smtClean="0">
+                <a:solidFill>
+                  <a:srgbClr val="FF0000"/>
+                </a:solidFill>
+              </a:rPr>
+              <a:t>Versionning</a:t>
+            </a:r>
+            <a:r>
+              <a:rPr lang="fr-FR" b="1" u="sng" dirty="0" smtClean="0">
+                <a:solidFill>
+                  <a:srgbClr val="FF0000"/>
+                </a:solidFill>
+              </a:rPr>
+              <a:t> GIT</a:t>
+            </a:r>
+            <a:endParaRPr lang="fr-FR" b="1" u="sng" dirty="0">
+              <a:solidFill>
+                <a:srgbClr val="FF0000"/>
+              </a:solidFill>
+            </a:endParaRPr>
+          </a:p>
+        </p:txBody>
+      </p:sp>
+    </p:spTree>
+  </p:cSld>
+  <p:clrMapOvr>
+    <a:masterClrMapping/>
+  </p:clrMapOvr>
+</p:sld>
+</file>
+
 <file path=ppt/slides/slide9.xml><?xml version="1.0" encoding="utf-8"?>
 <p:sld xmlns:a="http://schemas.openxmlformats.org/drawingml/2006/main" xmlns:r="http://schemas.openxmlformats.org/officeDocument/2006/relationships" xmlns:p="http://schemas.openxmlformats.org/presentationml/2006/main">
   <p:cSld>
@@ -5697,20 +5648,12 @@
           <a:lstStyle/>
           <a:p>
             <a:r>
-              <a:rPr lang="fr-FR" b="1" u="sng" dirty="0" err="1" smtClean="0">
-                <a:solidFill>
-                  <a:srgbClr val="FF0000"/>
-                </a:solidFill>
-              </a:rPr>
-              <a:t>Versionning</a:t>
-            </a:r>
-            <a:r>
               <a:rPr lang="fr-FR" b="1" u="sng" dirty="0" smtClean="0">
                 <a:solidFill>
                   <a:srgbClr val="FF0000"/>
                 </a:solidFill>
               </a:rPr>
-              <a:t> GIT</a:t>
+              <a:t>Bilan individuel Albert</a:t>
             </a:r>
             <a:endParaRPr lang="fr-FR" b="1" u="sng" dirty="0">
               <a:solidFill>

--- a/PROJET POO Java/Projet_Java_TAN_RINJARD.pptx
+++ b/PROJET POO Java/Projet_Java_TAN_RINJARD.pptx
@@ -3677,7 +3677,7 @@
         </p:nvSpPr>
         <p:spPr>
           <a:xfrm>
-            <a:off x="205997" y="1841242"/>
+            <a:off x="205997" y="1417638"/>
             <a:ext cx="8732006" cy="5016758"/>
           </a:xfrm>
           <a:prstGeom prst="rect">
@@ -3769,17 +3769,15 @@
               </a:rPr>
               <a:t>http://sql.sh/cours/update</a:t>
             </a:r>
-            <a:endParaRPr lang="fr-FR" sz="1600" dirty="0"/>
-          </a:p>
-          <a:p>
-            <a:endParaRPr lang="fr-FR" sz="1600" dirty="0"/>
-          </a:p>
-          <a:p>
+            <a:r>
+              <a:rPr lang="fr-FR" sz="1600" dirty="0"/>
+              <a:t>       </a:t>
+            </a:r>
             <a:r>
               <a:rPr lang="fr-FR" sz="1600" dirty="0">
                 <a:hlinkClick r:id="rId9"/>
               </a:rPr>
-              <a:t>http://sql.sh/fonctions/agregation/count</a:t>
+              <a:t>http://sql.sh/cours/delete</a:t>
             </a:r>
             <a:endParaRPr lang="fr-FR" sz="1600" dirty="0"/>
           </a:p>
@@ -3791,6 +3789,18 @@
               <a:rPr lang="fr-FR" sz="1600" dirty="0">
                 <a:hlinkClick r:id="rId10"/>
               </a:rPr>
+              <a:t>http://sql.sh/fonctions/agregation/count</a:t>
+            </a:r>
+            <a:endParaRPr lang="fr-FR" sz="1600" dirty="0"/>
+          </a:p>
+          <a:p>
+            <a:endParaRPr lang="fr-FR" sz="1600" dirty="0"/>
+          </a:p>
+          <a:p>
+            <a:r>
+              <a:rPr lang="fr-FR" sz="1600" dirty="0">
+                <a:hlinkClick r:id="rId11"/>
+              </a:rPr>
               <a:t>https://openclassrooms.com/forum/sujet/tronque-une-chaine-de-caracteres-16934</a:t>
             </a:r>
             <a:endParaRPr lang="fr-FR" sz="1600" dirty="0"/>
@@ -3801,13 +3811,17 @@
           <a:p>
             <a:r>
               <a:rPr lang="fr-FR" sz="1600" dirty="0"/>
-              <a:t>Et pour finir : JP </a:t>
-            </a:r>
-            <a:r>
-              <a:rPr lang="fr-FR" sz="1600" dirty="0" err="1"/>
+              <a:t>Et pour finir : </a:t>
+            </a:r>
+            <a:r>
+              <a:rPr lang="fr-FR" sz="1600" b="1" dirty="0"/>
+              <a:t>JP </a:t>
+            </a:r>
+            <a:r>
+              <a:rPr lang="fr-FR" sz="1600" b="1" dirty="0" err="1"/>
               <a:t>Segado</a:t>
             </a:r>
-            <a:endParaRPr lang="fr-FR" sz="1600" dirty="0"/>
+            <a:endParaRPr lang="fr-FR" sz="1600" b="1" dirty="0"/>
           </a:p>
           <a:p>
             <a:endParaRPr lang="fr-FR" sz="1600" dirty="0"/>

--- a/PROJET POO Java/Projet_Java_TAN_RINJARD.pptx
+++ b/PROJET POO Java/Projet_Java_TAN_RINJARD.pptx
@@ -4073,6 +4073,42 @@
           </a:p>
         </p:txBody>
       </p:sp>
+      <p:pic>
+        <p:nvPicPr>
+          <p:cNvPr id="4" name="Image 3">
+            <a:extLst>
+              <a:ext uri="{FF2B5EF4-FFF2-40B4-BE49-F238E27FC236}">
+                <a16:creationId xmlns:a16="http://schemas.microsoft.com/office/drawing/2014/main" id="{285C3EA7-7735-4221-A34E-741A98DFA83C}"/>
+              </a:ext>
+            </a:extLst>
+          </p:cNvPr>
+          <p:cNvPicPr>
+            <a:picLocks noChangeAspect="1"/>
+          </p:cNvPicPr>
+          <p:nvPr/>
+        </p:nvPicPr>
+        <p:blipFill>
+          <a:blip r:embed="rId2">
+            <a:extLst>
+              <a:ext uri="{28A0092B-C50C-407E-A947-70E740481C1C}">
+                <a14:useLocalDpi xmlns:a14="http://schemas.microsoft.com/office/drawing/2010/main" val="0"/>
+              </a:ext>
+            </a:extLst>
+          </a:blip>
+          <a:stretch>
+            <a:fillRect/>
+          </a:stretch>
+        </p:blipFill>
+        <p:spPr>
+          <a:xfrm>
+            <a:off x="600964" y="1167203"/>
+            <a:ext cx="7942072" cy="5440362"/>
+          </a:xfrm>
+          <a:prstGeom prst="rect">
+            <a:avLst/>
+          </a:prstGeom>
+        </p:spPr>
+      </p:pic>
     </p:spTree>
   </p:cSld>
   <p:clrMapOvr>

--- a/PROJET POO Java/Projet_Java_TAN_RINJARD.pptx
+++ b/PROJET POO Java/Projet_Java_TAN_RINJARD.pptx
@@ -7,18 +7,17 @@
   <p:sldIdLst>
     <p:sldId id="256" r:id="rId2"/>
     <p:sldId id="257" r:id="rId3"/>
-    <p:sldId id="258" r:id="rId4"/>
-    <p:sldId id="265" r:id="rId5"/>
-    <p:sldId id="259" r:id="rId6"/>
-    <p:sldId id="266" r:id="rId7"/>
-    <p:sldId id="267" r:id="rId8"/>
-    <p:sldId id="268" r:id="rId9"/>
-    <p:sldId id="260" r:id="rId10"/>
-    <p:sldId id="269" r:id="rId11"/>
-    <p:sldId id="261" r:id="rId12"/>
-    <p:sldId id="262" r:id="rId13"/>
-    <p:sldId id="263" r:id="rId14"/>
-    <p:sldId id="264" r:id="rId15"/>
+    <p:sldId id="272" r:id="rId4"/>
+    <p:sldId id="259" r:id="rId5"/>
+    <p:sldId id="266" r:id="rId6"/>
+    <p:sldId id="270" r:id="rId7"/>
+    <p:sldId id="271" r:id="rId8"/>
+    <p:sldId id="260" r:id="rId9"/>
+    <p:sldId id="269" r:id="rId10"/>
+    <p:sldId id="261" r:id="rId11"/>
+    <p:sldId id="262" r:id="rId12"/>
+    <p:sldId id="263" r:id="rId13"/>
+    <p:sldId id="264" r:id="rId14"/>
   </p:sldIdLst>
   <p:sldSz cx="9144000" cy="6858000" type="screen4x3"/>
   <p:notesSz cx="6858000" cy="9144000"/>
@@ -119,7 +118,7 @@
   </p:defaultTextStyle>
   <p:extLst>
     <p:ext uri="{EFAFB233-063F-42B5-8137-9DF3F51BA10A}">
-      <p15:sldGuideLst xmlns:p15="http://schemas.microsoft.com/office/powerpoint/2012/main">
+      <p15:sldGuideLst xmlns:p15="http://schemas.microsoft.com/office/powerpoint/2012/main" xmlns="">
         <p15:guide id="1" orient="horz" pos="2160">
           <p15:clr>
             <a:srgbClr val="A4A3A4"/>
@@ -3194,13 +3193,7 @@
       </p:grpSpPr>
       <p:sp>
         <p:nvSpPr>
-          <p:cNvPr id="2" name="Titre 1">
-            <a:extLst>
-              <a:ext uri="{FF2B5EF4-FFF2-40B4-BE49-F238E27FC236}">
-                <a16:creationId xmlns:a16="http://schemas.microsoft.com/office/drawing/2014/main" id="{64D63C0B-4141-45DB-BDB2-5E0B46C21B91}"/>
-              </a:ext>
-            </a:extLst>
-          </p:cNvPr>
+          <p:cNvPr id="2" name="Titre 1"/>
           <p:cNvSpPr>
             <a:spLocks noGrp="1"/>
           </p:cNvSpPr>
@@ -3219,113 +3212,90 @@
                   <a:srgbClr val="FF0000"/>
                 </a:solidFill>
               </a:rPr>
-              <a:t>Déroulement</a:t>
-            </a:r>
-            <a:endParaRPr lang="fr-FR" dirty="0"/>
-          </a:p>
-        </p:txBody>
-      </p:sp>
-      <p:pic>
-        <p:nvPicPr>
-          <p:cNvPr id="4" name="Image 3">
+              <a:t>Bilan individuel Albert</a:t>
+            </a:r>
+          </a:p>
+        </p:txBody>
+      </p:sp>
+      <p:sp>
+        <p:nvSpPr>
+          <p:cNvPr id="3" name="ZoneTexte 2">
             <a:extLst>
               <a:ext uri="{FF2B5EF4-FFF2-40B4-BE49-F238E27FC236}">
-                <a16:creationId xmlns:a16="http://schemas.microsoft.com/office/drawing/2014/main" id="{F08B8B61-D49C-4A8D-8F09-4A54EDE4B54E}"/>
+                <a16:creationId xmlns:a16="http://schemas.microsoft.com/office/drawing/2014/main" xmlns="" id="{E0DA7BE5-3495-43E0-BC58-01B3106BCE1C}"/>
               </a:ext>
             </a:extLst>
           </p:cNvPr>
-          <p:cNvPicPr>
-            <a:picLocks noChangeAspect="1"/>
-          </p:cNvPicPr>
+          <p:cNvSpPr txBox="1"/>
           <p:nvPr/>
-        </p:nvPicPr>
-        <p:blipFill>
-          <a:blip r:embed="rId2"/>
-          <a:stretch>
-            <a:fillRect/>
-          </a:stretch>
-        </p:blipFill>
+        </p:nvSpPr>
         <p:spPr>
           <a:xfrm>
-            <a:off x="1115616" y="1484784"/>
-            <a:ext cx="7229475" cy="2895600"/>
+            <a:off x="899592" y="2204864"/>
+            <a:ext cx="7632848" cy="3139321"/>
           </a:xfrm>
           <a:prstGeom prst="rect">
             <a:avLst/>
           </a:prstGeom>
-        </p:spPr>
-      </p:pic>
-      <p:sp>
-        <p:nvSpPr>
-          <p:cNvPr id="5" name="Rectangle 4">
-            <a:extLst>
-              <a:ext uri="{FF2B5EF4-FFF2-40B4-BE49-F238E27FC236}">
-                <a16:creationId xmlns:a16="http://schemas.microsoft.com/office/drawing/2014/main" id="{85BD0C61-8654-4AC1-B4DA-6A1B545D0963}"/>
-              </a:ext>
-            </a:extLst>
-          </p:cNvPr>
-          <p:cNvSpPr/>
-          <p:nvPr/>
-        </p:nvSpPr>
-        <p:spPr>
-          <a:xfrm>
-            <a:off x="971600" y="4653136"/>
-            <a:ext cx="6784759" cy="1200329"/>
-          </a:xfrm>
-          <a:prstGeom prst="rect">
-            <a:avLst/>
-          </a:prstGeom>
-        </p:spPr>
-        <p:txBody>
-          <a:bodyPr wrap="square">
+          <a:noFill/>
+        </p:spPr>
+        <p:txBody>
+          <a:bodyPr wrap="square" rtlCol="0">
             <a:spAutoFit/>
           </a:bodyPr>
           <a:lstStyle/>
           <a:p>
             <a:r>
-              <a:rPr lang="fr-FR" b="1" dirty="0"/>
-              <a:t>Répartition des tâches :</a:t>
-            </a:r>
-          </a:p>
-          <a:p>
-            <a:endParaRPr lang="fr-FR" b="1" dirty="0"/>
-          </a:p>
-          <a:p>
-            <a:r>
               <a:rPr lang="fr-FR" dirty="0"/>
-              <a:t> - Tan Albert : </a:t>
-            </a:r>
-            <a:r>
-              <a:rPr lang="fr-FR" i="1" dirty="0"/>
-              <a:t>Code java pour les modules et requête SQL</a:t>
-            </a:r>
-          </a:p>
-          <a:p>
+              <a:t>Objectif : Coder les trois modules Recherche, </a:t>
+            </a:r>
+            <a:r>
+              <a:rPr lang="fr-FR" dirty="0" err="1"/>
+              <a:t>Reporting</a:t>
+            </a:r>
             <a:r>
               <a:rPr lang="fr-FR" dirty="0"/>
-              <a:t> - </a:t>
+              <a:t> et Update, ainsi que la liaison avec Connexion.</a:t>
+            </a:r>
+          </a:p>
+          <a:p>
+            <a:endParaRPr lang="fr-FR" dirty="0"/>
+          </a:p>
+          <a:p>
+            <a:r>
+              <a:rPr lang="fr-FR" dirty="0"/>
+              <a:t>Résultat : Satisfaisant, les fonctions de bases fonctionnent. Il aurait fallu approfondir le code, et ajouter plus d’option.</a:t>
+            </a:r>
+          </a:p>
+          <a:p>
+            <a:endParaRPr lang="fr-FR" dirty="0"/>
+          </a:p>
+          <a:p>
+            <a:r>
+              <a:rPr lang="fr-FR" dirty="0"/>
+              <a:t>Bilan : Un travail de groupe, avec une gestion efficace des tâches, et l’usage du </a:t>
             </a:r>
             <a:r>
               <a:rPr lang="fr-FR" dirty="0" err="1"/>
-              <a:t>Rinjard</a:t>
+              <a:t>versionning</a:t>
             </a:r>
             <a:r>
               <a:rPr lang="fr-FR" dirty="0"/>
-              <a:t> Yann : </a:t>
-            </a:r>
-            <a:r>
-              <a:rPr lang="fr-FR" i="1" dirty="0"/>
-              <a:t>Interface graphique et maquettage</a:t>
+              <a:t> qui rend la collaboration plus pratique.</a:t>
+            </a:r>
+          </a:p>
+          <a:p>
+            <a:endParaRPr lang="fr-FR" dirty="0"/>
+          </a:p>
+          <a:p>
+            <a:r>
+              <a:rPr lang="fr-FR" dirty="0"/>
+              <a:t>Ce que j’ai appris : Enrichir les connaissances en Java, et découvrir les possibilité qu’offre ce langage en terme de programmation objet.</a:t>
             </a:r>
           </a:p>
         </p:txBody>
       </p:sp>
     </p:spTree>
-    <p:extLst>
-      <p:ext uri="{BB962C8B-B14F-4D97-AF65-F5344CB8AC3E}">
-        <p14:creationId xmlns:p14="http://schemas.microsoft.com/office/powerpoint/2010/main" val="3063730933"/>
-      </p:ext>
-    </p:extLst>
   </p:cSld>
   <p:clrMapOvr>
     <a:masterClrMapping/>
@@ -3371,7 +3341,7 @@
                   <a:srgbClr val="FF0000"/>
                 </a:solidFill>
               </a:rPr>
-              <a:t>Bilan individuel Albert</a:t>
+              <a:t>Bilan individuel Yann</a:t>
             </a:r>
           </a:p>
         </p:txBody>
@@ -3381,7 +3351,7 @@
           <p:cNvPr id="3" name="ZoneTexte 2">
             <a:extLst>
               <a:ext uri="{FF2B5EF4-FFF2-40B4-BE49-F238E27FC236}">
-                <a16:creationId xmlns:a16="http://schemas.microsoft.com/office/drawing/2014/main" id="{E0DA7BE5-3495-43E0-BC58-01B3106BCE1C}"/>
+                <a16:creationId xmlns:a16="http://schemas.microsoft.com/office/drawing/2014/main" xmlns="" id="{E0DA7BE5-3495-43E0-BC58-01B3106BCE1C}"/>
               </a:ext>
             </a:extLst>
           </p:cNvPr>
@@ -3391,7 +3361,7 @@
         <p:spPr>
           <a:xfrm>
             <a:off x="899592" y="2204864"/>
-            <a:ext cx="7632848" cy="3139321"/>
+            <a:ext cx="7632848" cy="3970318"/>
           </a:xfrm>
           <a:prstGeom prst="rect">
             <a:avLst/>
@@ -3406,51 +3376,55 @@
           <a:p>
             <a:r>
               <a:rPr lang="fr-FR" dirty="0"/>
-              <a:t>Objectif : Coder les trois modules Recherche, </a:t>
-            </a:r>
-            <a:r>
-              <a:rPr lang="fr-FR" dirty="0" err="1"/>
-              <a:t>Reporting</a:t>
-            </a:r>
+              <a:t>Objectif </a:t>
+            </a:r>
+            <a:r>
+              <a:rPr lang="fr-FR" dirty="0" smtClean="0"/>
+              <a:t>: Coder l’interface graphique et les boutons pour la connexion entre le code et la base SQL.</a:t>
+            </a:r>
+            <a:endParaRPr lang="fr-FR" dirty="0"/>
+          </a:p>
+          <a:p>
+            <a:endParaRPr lang="fr-FR" dirty="0"/>
+          </a:p>
+          <a:p>
             <a:r>
               <a:rPr lang="fr-FR" dirty="0"/>
-              <a:t> et Update, ainsi que la liaison avec Connexion.</a:t>
-            </a:r>
-          </a:p>
-          <a:p>
+              <a:t>Résultat </a:t>
+            </a:r>
+            <a:r>
+              <a:rPr lang="fr-FR" dirty="0" smtClean="0"/>
+              <a:t>: Bon mais améliorable, l’interface fait ce qu’on lui demande et sans aucun problème. Il aurait fallu rendre l’interface plus joli en mettant de la couleur et réussir à faire fonctionner le bouton précédent.</a:t>
+            </a:r>
             <a:endParaRPr lang="fr-FR" dirty="0"/>
           </a:p>
           <a:p>
+            <a:endParaRPr lang="fr-FR" dirty="0"/>
+          </a:p>
+          <a:p>
             <a:r>
               <a:rPr lang="fr-FR" dirty="0"/>
-              <a:t>Résultat : Satisfaisant, les fonctions de bases fonctionnent. Il aurait fallu approfondir le code, et ajouter plus d’option.</a:t>
-            </a:r>
-          </a:p>
-          <a:p>
+              <a:t>Bilan </a:t>
+            </a:r>
+            <a:r>
+              <a:rPr lang="fr-FR" dirty="0" smtClean="0"/>
+              <a:t>: Excellente collaboration avec GIT qui a permis un partage parfait du code sans erreur. Le lien entre l’interface et le code a parfaitement été coder grâce à mon binôme qui a codé exactement en accord avec mon interface.</a:t>
+            </a:r>
             <a:endParaRPr lang="fr-FR" dirty="0"/>
           </a:p>
           <a:p>
+            <a:endParaRPr lang="fr-FR" dirty="0"/>
+          </a:p>
+          <a:p>
             <a:r>
               <a:rPr lang="fr-FR" dirty="0"/>
-              <a:t>Bilan : Un travail de groupe, avec une gestion efficace des tâches, et l’usage du </a:t>
-            </a:r>
-            <a:r>
-              <a:rPr lang="fr-FR" dirty="0" err="1"/>
-              <a:t>versionning</a:t>
-            </a:r>
-            <a:r>
-              <a:rPr lang="fr-FR" dirty="0"/>
-              <a:t> qui rend la collaboration plus pratique.</a:t>
-            </a:r>
-          </a:p>
-          <a:p>
+              <a:t>Ce que j’ai appris </a:t>
+            </a:r>
+            <a:r>
+              <a:rPr lang="fr-FR" dirty="0" smtClean="0"/>
+              <a:t>: Ce projet m’a permis d’approfondir mes connaissances en langage objet que je découvre ce semestre et de m’améliorer en conception d’interface sur Java.</a:t>
+            </a:r>
             <a:endParaRPr lang="fr-FR" dirty="0"/>
-          </a:p>
-          <a:p>
-            <a:r>
-              <a:rPr lang="fr-FR" dirty="0"/>
-              <a:t>Ce que j’ai appris : Enrichir les connaissances en Java, et découvrir les possibilité qu’offre ce langage en terme de programmation objet.</a:t>
-            </a:r>
           </a:p>
         </p:txBody>
       </p:sp>
@@ -3500,7 +3474,69 @@
                   <a:srgbClr val="FF0000"/>
                 </a:solidFill>
               </a:rPr>
-              <a:t>Bilan individuel Yann</a:t>
+              <a:t>Bilan du projet</a:t>
+            </a:r>
+          </a:p>
+        </p:txBody>
+      </p:sp>
+      <p:sp>
+        <p:nvSpPr>
+          <p:cNvPr id="3" name="ZoneTexte 2">
+            <a:extLst>
+              <a:ext uri="{FF2B5EF4-FFF2-40B4-BE49-F238E27FC236}">
+                <a16:creationId xmlns:a16="http://schemas.microsoft.com/office/drawing/2014/main" xmlns="" id="{35B3E0DE-2E5C-452D-A88F-21F4837A7D9A}"/>
+              </a:ext>
+            </a:extLst>
+          </p:cNvPr>
+          <p:cNvSpPr txBox="1"/>
+          <p:nvPr/>
+        </p:nvSpPr>
+        <p:spPr>
+          <a:xfrm>
+            <a:off x="899592" y="2204864"/>
+            <a:ext cx="7632848" cy="3416320"/>
+          </a:xfrm>
+          <a:prstGeom prst="rect">
+            <a:avLst/>
+          </a:prstGeom>
+          <a:noFill/>
+        </p:spPr>
+        <p:txBody>
+          <a:bodyPr wrap="square" rtlCol="0">
+            <a:spAutoFit/>
+          </a:bodyPr>
+          <a:lstStyle/>
+          <a:p>
+            <a:r>
+              <a:rPr lang="fr-FR" dirty="0"/>
+              <a:t>La mise en pratique des connaissances acquises pendant les cours de Java, en plus de cela s’ajoute l’enrichissement personnelle afin de parvenir à coder certaines fonctions.</a:t>
+            </a:r>
+          </a:p>
+          <a:p>
+            <a:endParaRPr lang="fr-FR" dirty="0"/>
+          </a:p>
+          <a:p>
+            <a:r>
+              <a:rPr lang="fr-FR" dirty="0"/>
+              <a:t>Découvrir une relation entre le langage Java et SQL, qui permet d’obtenir et de gérer une base de donnée de manière efficace, et interactive.</a:t>
+            </a:r>
+          </a:p>
+          <a:p>
+            <a:endParaRPr lang="fr-FR" dirty="0"/>
+          </a:p>
+          <a:p>
+            <a:r>
+              <a:rPr lang="fr-FR" dirty="0"/>
+              <a:t>Concevoir le projet du niveau 0 à partir de maquettage, de diagramme, et d’une réflexion poussée.</a:t>
+            </a:r>
+          </a:p>
+          <a:p>
+            <a:endParaRPr lang="fr-FR" dirty="0"/>
+          </a:p>
+          <a:p>
+            <a:r>
+              <a:rPr lang="fr-FR" dirty="0"/>
+              <a:t>Un projet qui permet d’apprendre tout en « s’amusant », et assimiler les cours de programmation orienté objet.</a:t>
             </a:r>
           </a:p>
         </p:txBody>
@@ -3551,27 +3587,21 @@
                   <a:srgbClr val="FF0000"/>
                 </a:solidFill>
               </a:rPr>
-              <a:t>Bilan du projet</a:t>
-            </a:r>
-          </a:p>
-        </p:txBody>
-      </p:sp>
-      <p:sp>
-        <p:nvSpPr>
-          <p:cNvPr id="3" name="ZoneTexte 2">
-            <a:extLst>
-              <a:ext uri="{FF2B5EF4-FFF2-40B4-BE49-F238E27FC236}">
-                <a16:creationId xmlns:a16="http://schemas.microsoft.com/office/drawing/2014/main" id="{35B3E0DE-2E5C-452D-A88F-21F4837A7D9A}"/>
-              </a:ext>
-            </a:extLst>
-          </p:cNvPr>
+              <a:t>Bibliographie</a:t>
+            </a:r>
+          </a:p>
+        </p:txBody>
+      </p:sp>
+      <p:sp>
+        <p:nvSpPr>
+          <p:cNvPr id="3" name="ZoneTexte 2"/>
           <p:cNvSpPr txBox="1"/>
           <p:nvPr/>
         </p:nvSpPr>
         <p:spPr>
           <a:xfrm>
-            <a:off x="899592" y="2204864"/>
-            <a:ext cx="7632848" cy="3416320"/>
+            <a:off x="205997" y="1841242"/>
+            <a:ext cx="8732006" cy="5016758"/>
           </a:xfrm>
           <a:prstGeom prst="rect">
             <a:avLst/>
@@ -3579,113 +3609,6 @@
           <a:noFill/>
         </p:spPr>
         <p:txBody>
-          <a:bodyPr wrap="square" rtlCol="0">
-            <a:spAutoFit/>
-          </a:bodyPr>
-          <a:lstStyle/>
-          <a:p>
-            <a:r>
-              <a:rPr lang="fr-FR" dirty="0"/>
-              <a:t>La mise en pratique des connaissances acquises pendant les cours de Java, en plus de cela s’ajoute l’enrichissement personnelle afin de parvenir à coder certaines fonctions.</a:t>
-            </a:r>
-          </a:p>
-          <a:p>
-            <a:endParaRPr lang="fr-FR" dirty="0"/>
-          </a:p>
-          <a:p>
-            <a:r>
-              <a:rPr lang="fr-FR" dirty="0"/>
-              <a:t>Découvrir une relation entre le langage Java et SQL, qui permet d’obtenir et de gérer une base de donnée de manière efficace, et interactive.</a:t>
-            </a:r>
-          </a:p>
-          <a:p>
-            <a:endParaRPr lang="fr-FR" dirty="0"/>
-          </a:p>
-          <a:p>
-            <a:r>
-              <a:rPr lang="fr-FR" dirty="0"/>
-              <a:t>Concevoir le projet du niveau 0 à partir de maquettage, de diagramme, et d’une réflexion poussée.</a:t>
-            </a:r>
-          </a:p>
-          <a:p>
-            <a:endParaRPr lang="fr-FR" dirty="0"/>
-          </a:p>
-          <a:p>
-            <a:r>
-              <a:rPr lang="fr-FR" dirty="0"/>
-              <a:t>Un projet qui permet d’apprendre tout en « s’amusant », et assimiler les cours de programmation orienté objet.</a:t>
-            </a:r>
-          </a:p>
-        </p:txBody>
-      </p:sp>
-    </p:spTree>
-  </p:cSld>
-  <p:clrMapOvr>
-    <a:masterClrMapping/>
-  </p:clrMapOvr>
-</p:sld>
-</file>
-
-<file path=ppt/slides/slide14.xml><?xml version="1.0" encoding="utf-8"?>
-<p:sld xmlns:a="http://schemas.openxmlformats.org/drawingml/2006/main" xmlns:r="http://schemas.openxmlformats.org/officeDocument/2006/relationships" xmlns:p="http://schemas.openxmlformats.org/presentationml/2006/main">
-  <p:cSld>
-    <p:spTree>
-      <p:nvGrpSpPr>
-        <p:cNvPr id="1" name=""/>
-        <p:cNvGrpSpPr/>
-        <p:nvPr/>
-      </p:nvGrpSpPr>
-      <p:grpSpPr>
-        <a:xfrm>
-          <a:off x="0" y="0"/>
-          <a:ext cx="0" cy="0"/>
-          <a:chOff x="0" y="0"/>
-          <a:chExt cx="0" cy="0"/>
-        </a:xfrm>
-      </p:grpSpPr>
-      <p:sp>
-        <p:nvSpPr>
-          <p:cNvPr id="2" name="Titre 1"/>
-          <p:cNvSpPr>
-            <a:spLocks noGrp="1"/>
-          </p:cNvSpPr>
-          <p:nvPr>
-            <p:ph type="title"/>
-          </p:nvPr>
-        </p:nvSpPr>
-        <p:spPr/>
-        <p:txBody>
-          <a:bodyPr/>
-          <a:lstStyle/>
-          <a:p>
-            <a:r>
-              <a:rPr lang="fr-FR" b="1" u="sng" dirty="0">
-                <a:solidFill>
-                  <a:srgbClr val="FF0000"/>
-                </a:solidFill>
-              </a:rPr>
-              <a:t>Bibliographie</a:t>
-            </a:r>
-          </a:p>
-        </p:txBody>
-      </p:sp>
-      <p:sp>
-        <p:nvSpPr>
-          <p:cNvPr id="3" name="ZoneTexte 2"/>
-          <p:cNvSpPr txBox="1"/>
-          <p:nvPr/>
-        </p:nvSpPr>
-        <p:spPr>
-          <a:xfrm>
-            <a:off x="205997" y="1417638"/>
-            <a:ext cx="8732006" cy="5016758"/>
-          </a:xfrm>
-          <a:prstGeom prst="rect">
-            <a:avLst/>
-          </a:prstGeom>
-          <a:noFill/>
-        </p:spPr>
-        <p:txBody>
           <a:bodyPr wrap="none" rtlCol="0">
             <a:spAutoFit/>
           </a:bodyPr>
@@ -3769,15 +3692,17 @@
               </a:rPr>
               <a:t>http://sql.sh/cours/update</a:t>
             </a:r>
-            <a:r>
-              <a:rPr lang="fr-FR" sz="1600" dirty="0"/>
-              <a:t>       </a:t>
-            </a:r>
+            <a:endParaRPr lang="fr-FR" sz="1600" dirty="0"/>
+          </a:p>
+          <a:p>
+            <a:endParaRPr lang="fr-FR" sz="1600" dirty="0"/>
+          </a:p>
+          <a:p>
             <a:r>
               <a:rPr lang="fr-FR" sz="1600" dirty="0">
                 <a:hlinkClick r:id="rId9"/>
               </a:rPr>
-              <a:t>http://sql.sh/cours/delete</a:t>
+              <a:t>http://sql.sh/fonctions/agregation/count</a:t>
             </a:r>
             <a:endParaRPr lang="fr-FR" sz="1600" dirty="0"/>
           </a:p>
@@ -3789,7 +3714,7 @@
               <a:rPr lang="fr-FR" sz="1600" dirty="0">
                 <a:hlinkClick r:id="rId10"/>
               </a:rPr>
-              <a:t>http://sql.sh/fonctions/agregation/count</a:t>
+              <a:t>https://openclassrooms.com/forum/sujet/tronque-une-chaine-de-caracteres-16934</a:t>
             </a:r>
             <a:endParaRPr lang="fr-FR" sz="1600" dirty="0"/>
           </a:p>
@@ -3798,30 +3723,14 @@
           </a:p>
           <a:p>
             <a:r>
-              <a:rPr lang="fr-FR" sz="1600" dirty="0">
-                <a:hlinkClick r:id="rId11"/>
-              </a:rPr>
-              <a:t>https://openclassrooms.com/forum/sujet/tronque-une-chaine-de-caracteres-16934</a:t>
+              <a:rPr lang="fr-FR" sz="1600" dirty="0"/>
+              <a:t>Et pour finir : JP </a:t>
+            </a:r>
+            <a:r>
+              <a:rPr lang="fr-FR" sz="1600" dirty="0" err="1"/>
+              <a:t>Segado</a:t>
             </a:r>
             <a:endParaRPr lang="fr-FR" sz="1600" dirty="0"/>
-          </a:p>
-          <a:p>
-            <a:endParaRPr lang="fr-FR" sz="1600" dirty="0"/>
-          </a:p>
-          <a:p>
-            <a:r>
-              <a:rPr lang="fr-FR" sz="1600" dirty="0"/>
-              <a:t>Et pour finir : </a:t>
-            </a:r>
-            <a:r>
-              <a:rPr lang="fr-FR" sz="1600" b="1" dirty="0"/>
-              <a:t>JP </a:t>
-            </a:r>
-            <a:r>
-              <a:rPr lang="fr-FR" sz="1600" b="1" dirty="0" err="1"/>
-              <a:t>Segado</a:t>
-            </a:r>
-            <a:endParaRPr lang="fr-FR" sz="1600" b="1" dirty="0"/>
           </a:p>
           <a:p>
             <a:endParaRPr lang="fr-FR" sz="1600" dirty="0"/>
@@ -4078,7 +3987,7 @@
           <p:cNvPr id="4" name="Image 3">
             <a:extLst>
               <a:ext uri="{FF2B5EF4-FFF2-40B4-BE49-F238E27FC236}">
-                <a16:creationId xmlns:a16="http://schemas.microsoft.com/office/drawing/2014/main" id="{285C3EA7-7735-4221-A34E-741A98DFA83C}"/>
+                <a16:creationId xmlns:a16="http://schemas.microsoft.com/office/drawing/2014/main" xmlns="" id="{285C3EA7-7735-4221-A34E-741A98DFA83C}"/>
               </a:ext>
             </a:extLst>
           </p:cNvPr>
@@ -4088,10 +3997,10 @@
           <p:nvPr/>
         </p:nvPicPr>
         <p:blipFill>
-          <a:blip r:embed="rId2">
+          <a:blip r:embed="rId2" cstate="print">
             <a:extLst>
               <a:ext uri="{28A0092B-C50C-407E-A947-70E740481C1C}">
-                <a14:useLocalDpi xmlns:a14="http://schemas.microsoft.com/office/drawing/2010/main" val="0"/>
+                <a14:useLocalDpi xmlns:a14="http://schemas.microsoft.com/office/drawing/2010/main" xmlns="" val="0"/>
               </a:ext>
             </a:extLst>
           </a:blip>
@@ -4155,57 +4064,6 @@
                   <a:srgbClr val="FF0000"/>
                 </a:solidFill>
               </a:rPr>
-              <a:t>Conception technique</a:t>
-            </a:r>
-          </a:p>
-        </p:txBody>
-      </p:sp>
-    </p:spTree>
-  </p:cSld>
-  <p:clrMapOvr>
-    <a:masterClrMapping/>
-  </p:clrMapOvr>
-</p:sld>
-</file>
-
-<file path=ppt/slides/slide5.xml><?xml version="1.0" encoding="utf-8"?>
-<p:sld xmlns:a="http://schemas.openxmlformats.org/drawingml/2006/main" xmlns:r="http://schemas.openxmlformats.org/officeDocument/2006/relationships" xmlns:p="http://schemas.openxmlformats.org/presentationml/2006/main">
-  <p:cSld>
-    <p:spTree>
-      <p:nvGrpSpPr>
-        <p:cNvPr id="1" name=""/>
-        <p:cNvGrpSpPr/>
-        <p:nvPr/>
-      </p:nvGrpSpPr>
-      <p:grpSpPr>
-        <a:xfrm>
-          <a:off x="0" y="0"/>
-          <a:ext cx="0" cy="0"/>
-          <a:chOff x="0" y="0"/>
-          <a:chExt cx="0" cy="0"/>
-        </a:xfrm>
-      </p:grpSpPr>
-      <p:sp>
-        <p:nvSpPr>
-          <p:cNvPr id="2" name="Titre 1"/>
-          <p:cNvSpPr>
-            <a:spLocks noGrp="1"/>
-          </p:cNvSpPr>
-          <p:nvPr>
-            <p:ph type="title"/>
-          </p:nvPr>
-        </p:nvSpPr>
-        <p:spPr/>
-        <p:txBody>
-          <a:bodyPr/>
-          <a:lstStyle/>
-          <a:p>
-            <a:r>
-              <a:rPr lang="fr-FR" b="1" u="sng" dirty="0">
-                <a:solidFill>
-                  <a:srgbClr val="FF0000"/>
-                </a:solidFill>
-              </a:rPr>
               <a:t>Maquettes d’interface</a:t>
             </a:r>
           </a:p>
@@ -4635,7 +4493,7 @@
 </p:sld>
 </file>
 
-<file path=ppt/slides/slide6.xml><?xml version="1.0" encoding="utf-8"?>
+<file path=ppt/slides/slide5.xml><?xml version="1.0" encoding="utf-8"?>
 <p:sld xmlns:a="http://schemas.openxmlformats.org/drawingml/2006/main" xmlns:r="http://schemas.openxmlformats.org/officeDocument/2006/relationships" xmlns:p="http://schemas.openxmlformats.org/presentationml/2006/main">
   <p:cSld>
     <p:spTree>
@@ -5288,7 +5146,7 @@
 </p:sld>
 </file>
 
-<file path=ppt/slides/slide7.xml><?xml version="1.0" encoding="utf-8"?>
+<file path=ppt/slides/slide6.xml><?xml version="1.0" encoding="utf-8"?>
 <p:sld xmlns:a="http://schemas.openxmlformats.org/drawingml/2006/main" xmlns:r="http://schemas.openxmlformats.org/officeDocument/2006/relationships" xmlns:p="http://schemas.openxmlformats.org/presentationml/2006/main">
   <p:cSld>
     <p:spTree>
@@ -5409,6 +5267,257 @@
           </a:p>
         </p:txBody>
       </p:sp>
+      <p:sp>
+        <p:nvSpPr>
+          <p:cNvPr id="8" name="ZoneTexte 7"/>
+          <p:cNvSpPr txBox="1"/>
+          <p:nvPr/>
+        </p:nvSpPr>
+        <p:spPr>
+          <a:xfrm>
+            <a:off x="1187624" y="2780928"/>
+            <a:ext cx="2740366" cy="646331"/>
+          </a:xfrm>
+          <a:prstGeom prst="rect">
+            <a:avLst/>
+          </a:prstGeom>
+          <a:noFill/>
+        </p:spPr>
+        <p:txBody>
+          <a:bodyPr wrap="none" rtlCol="0">
+            <a:spAutoFit/>
+          </a:bodyPr>
+          <a:lstStyle/>
+          <a:p>
+            <a:r>
+              <a:rPr lang="fr-FR" dirty="0" err="1" smtClean="0"/>
+              <a:t>JComboBox</a:t>
+            </a:r>
+            <a:r>
+              <a:rPr lang="fr-FR" dirty="0" smtClean="0"/>
+              <a:t> permettant de </a:t>
+            </a:r>
+          </a:p>
+          <a:p>
+            <a:r>
+              <a:rPr lang="fr-FR" dirty="0" smtClean="0"/>
+              <a:t>faire des choix</a:t>
+            </a:r>
+            <a:endParaRPr lang="fr-FR" dirty="0"/>
+          </a:p>
+        </p:txBody>
+      </p:sp>
+      <p:sp>
+        <p:nvSpPr>
+          <p:cNvPr id="9" name="ZoneTexte 8"/>
+          <p:cNvSpPr txBox="1"/>
+          <p:nvPr/>
+        </p:nvSpPr>
+        <p:spPr>
+          <a:xfrm>
+            <a:off x="5508104" y="3068960"/>
+            <a:ext cx="3147528" cy="646331"/>
+          </a:xfrm>
+          <a:prstGeom prst="rect">
+            <a:avLst/>
+          </a:prstGeom>
+          <a:noFill/>
+        </p:spPr>
+        <p:txBody>
+          <a:bodyPr wrap="none" rtlCol="0">
+            <a:spAutoFit/>
+          </a:bodyPr>
+          <a:lstStyle/>
+          <a:p>
+            <a:r>
+              <a:rPr lang="fr-FR" dirty="0" smtClean="0"/>
+              <a:t>Zone de Texte pour ajouter des </a:t>
+            </a:r>
+          </a:p>
+          <a:p>
+            <a:r>
+              <a:rPr lang="fr-FR" dirty="0" smtClean="0"/>
+              <a:t>informations dans une table</a:t>
+            </a:r>
+            <a:endParaRPr lang="fr-FR" dirty="0"/>
+          </a:p>
+        </p:txBody>
+      </p:sp>
+      <p:cxnSp>
+        <p:nvCxnSpPr>
+          <p:cNvPr id="11" name="Connecteur droit avec flèche 10"/>
+          <p:cNvCxnSpPr>
+            <a:stCxn id="9" idx="0"/>
+          </p:cNvCxnSpPr>
+          <p:nvPr/>
+        </p:nvCxnSpPr>
+        <p:spPr>
+          <a:xfrm flipH="1" flipV="1">
+            <a:off x="7020272" y="980728"/>
+            <a:ext cx="61596" cy="2088232"/>
+          </a:xfrm>
+          <a:prstGeom prst="straightConnector1">
+            <a:avLst/>
+          </a:prstGeom>
+          <a:ln>
+            <a:tailEnd type="arrow"/>
+          </a:ln>
+        </p:spPr>
+        <p:style>
+          <a:lnRef idx="1">
+            <a:schemeClr val="dk1"/>
+          </a:lnRef>
+          <a:fillRef idx="0">
+            <a:schemeClr val="dk1"/>
+          </a:fillRef>
+          <a:effectRef idx="0">
+            <a:schemeClr val="dk1"/>
+          </a:effectRef>
+          <a:fontRef idx="minor">
+            <a:schemeClr val="tx1"/>
+          </a:fontRef>
+        </p:style>
+      </p:cxnSp>
+      <p:cxnSp>
+        <p:nvCxnSpPr>
+          <p:cNvPr id="13" name="Connecteur droit avec flèche 12"/>
+          <p:cNvCxnSpPr>
+            <a:stCxn id="9" idx="0"/>
+          </p:cNvCxnSpPr>
+          <p:nvPr/>
+        </p:nvCxnSpPr>
+        <p:spPr>
+          <a:xfrm flipH="1" flipV="1">
+            <a:off x="6660232" y="1340768"/>
+            <a:ext cx="421636" cy="1728192"/>
+          </a:xfrm>
+          <a:prstGeom prst="straightConnector1">
+            <a:avLst/>
+          </a:prstGeom>
+          <a:ln>
+            <a:tailEnd type="arrow"/>
+          </a:ln>
+        </p:spPr>
+        <p:style>
+          <a:lnRef idx="1">
+            <a:schemeClr val="dk1"/>
+          </a:lnRef>
+          <a:fillRef idx="0">
+            <a:schemeClr val="dk1"/>
+          </a:fillRef>
+          <a:effectRef idx="0">
+            <a:schemeClr val="dk1"/>
+          </a:effectRef>
+          <a:fontRef idx="minor">
+            <a:schemeClr val="tx1"/>
+          </a:fontRef>
+        </p:style>
+      </p:cxnSp>
+      <p:cxnSp>
+        <p:nvCxnSpPr>
+          <p:cNvPr id="15" name="Connecteur droit avec flèche 14"/>
+          <p:cNvCxnSpPr>
+            <a:stCxn id="9" idx="0"/>
+          </p:cNvCxnSpPr>
+          <p:nvPr/>
+        </p:nvCxnSpPr>
+        <p:spPr>
+          <a:xfrm flipV="1">
+            <a:off x="7081868" y="1700808"/>
+            <a:ext cx="298444" cy="1368152"/>
+          </a:xfrm>
+          <a:prstGeom prst="straightConnector1">
+            <a:avLst/>
+          </a:prstGeom>
+          <a:ln>
+            <a:tailEnd type="arrow"/>
+          </a:ln>
+        </p:spPr>
+        <p:style>
+          <a:lnRef idx="1">
+            <a:schemeClr val="dk1"/>
+          </a:lnRef>
+          <a:fillRef idx="0">
+            <a:schemeClr val="dk1"/>
+          </a:fillRef>
+          <a:effectRef idx="0">
+            <a:schemeClr val="dk1"/>
+          </a:effectRef>
+          <a:fontRef idx="minor">
+            <a:schemeClr val="tx1"/>
+          </a:fontRef>
+        </p:style>
+      </p:cxnSp>
+      <p:cxnSp>
+        <p:nvCxnSpPr>
+          <p:cNvPr id="17" name="Connecteur droit avec flèche 16"/>
+          <p:cNvCxnSpPr>
+            <a:stCxn id="9" idx="0"/>
+          </p:cNvCxnSpPr>
+          <p:nvPr/>
+        </p:nvCxnSpPr>
+        <p:spPr>
+          <a:xfrm flipH="1" flipV="1">
+            <a:off x="6588224" y="2060848"/>
+            <a:ext cx="493644" cy="1008112"/>
+          </a:xfrm>
+          <a:prstGeom prst="straightConnector1">
+            <a:avLst/>
+          </a:prstGeom>
+          <a:ln>
+            <a:tailEnd type="arrow"/>
+          </a:ln>
+        </p:spPr>
+        <p:style>
+          <a:lnRef idx="1">
+            <a:schemeClr val="dk1"/>
+          </a:lnRef>
+          <a:fillRef idx="0">
+            <a:schemeClr val="dk1"/>
+          </a:fillRef>
+          <a:effectRef idx="0">
+            <a:schemeClr val="dk1"/>
+          </a:effectRef>
+          <a:fontRef idx="minor">
+            <a:schemeClr val="tx1"/>
+          </a:fontRef>
+        </p:style>
+      </p:cxnSp>
+      <p:cxnSp>
+        <p:nvCxnSpPr>
+          <p:cNvPr id="19" name="Connecteur droit avec flèche 18"/>
+          <p:cNvCxnSpPr>
+            <a:stCxn id="8" idx="0"/>
+          </p:cNvCxnSpPr>
+          <p:nvPr/>
+        </p:nvCxnSpPr>
+        <p:spPr>
+          <a:xfrm flipH="1" flipV="1">
+            <a:off x="2555776" y="1124744"/>
+            <a:ext cx="2031" cy="1656184"/>
+          </a:xfrm>
+          <a:prstGeom prst="straightConnector1">
+            <a:avLst/>
+          </a:prstGeom>
+          <a:ln>
+            <a:tailEnd type="arrow"/>
+          </a:ln>
+        </p:spPr>
+        <p:style>
+          <a:lnRef idx="1">
+            <a:schemeClr val="dk1"/>
+          </a:lnRef>
+          <a:fillRef idx="0">
+            <a:schemeClr val="dk1"/>
+          </a:fillRef>
+          <a:effectRef idx="0">
+            <a:schemeClr val="dk1"/>
+          </a:effectRef>
+          <a:fontRef idx="minor">
+            <a:schemeClr val="tx1"/>
+          </a:fontRef>
+        </p:style>
+      </p:cxnSp>
     </p:spTree>
   </p:cSld>
   <p:clrMapOvr>
@@ -5417,7 +5526,7 @@
 </p:sld>
 </file>
 
-<file path=ppt/slides/slide8.xml><?xml version="1.0" encoding="utf-8"?>
+<file path=ppt/slides/slide7.xml><?xml version="1.0" encoding="utf-8"?>
 <p:sld xmlns:a="http://schemas.openxmlformats.org/drawingml/2006/main" xmlns:r="http://schemas.openxmlformats.org/officeDocument/2006/relationships" xmlns:p="http://schemas.openxmlformats.org/presentationml/2006/main">
   <p:cSld>
     <p:spTree>
@@ -5538,6 +5647,297 @@
           </a:p>
         </p:txBody>
       </p:sp>
+      <p:sp>
+        <p:nvSpPr>
+          <p:cNvPr id="7" name="ZoneTexte 6"/>
+          <p:cNvSpPr txBox="1"/>
+          <p:nvPr/>
+        </p:nvSpPr>
+        <p:spPr>
+          <a:xfrm>
+            <a:off x="539552" y="3573016"/>
+            <a:ext cx="2740366" cy="646331"/>
+          </a:xfrm>
+          <a:prstGeom prst="rect">
+            <a:avLst/>
+          </a:prstGeom>
+          <a:noFill/>
+        </p:spPr>
+        <p:txBody>
+          <a:bodyPr wrap="none" rtlCol="0">
+            <a:spAutoFit/>
+          </a:bodyPr>
+          <a:lstStyle/>
+          <a:p>
+            <a:r>
+              <a:rPr lang="fr-FR" dirty="0" err="1" smtClean="0"/>
+              <a:t>JComboBox</a:t>
+            </a:r>
+            <a:r>
+              <a:rPr lang="fr-FR" dirty="0" smtClean="0"/>
+              <a:t> permettant de </a:t>
+            </a:r>
+          </a:p>
+          <a:p>
+            <a:r>
+              <a:rPr lang="fr-FR" dirty="0" smtClean="0"/>
+              <a:t>faire des choix</a:t>
+            </a:r>
+            <a:endParaRPr lang="fr-FR" dirty="0"/>
+          </a:p>
+        </p:txBody>
+      </p:sp>
+      <p:cxnSp>
+        <p:nvCxnSpPr>
+          <p:cNvPr id="9" name="Connecteur droit avec flèche 8"/>
+          <p:cNvCxnSpPr>
+            <a:stCxn id="7" idx="0"/>
+          </p:cNvCxnSpPr>
+          <p:nvPr/>
+        </p:nvCxnSpPr>
+        <p:spPr>
+          <a:xfrm flipV="1">
+            <a:off x="1909735" y="1844824"/>
+            <a:ext cx="69977" cy="1728192"/>
+          </a:xfrm>
+          <a:prstGeom prst="straightConnector1">
+            <a:avLst/>
+          </a:prstGeom>
+          <a:ln>
+            <a:tailEnd type="arrow"/>
+          </a:ln>
+        </p:spPr>
+        <p:style>
+          <a:lnRef idx="1">
+            <a:schemeClr val="accent1"/>
+          </a:lnRef>
+          <a:fillRef idx="0">
+            <a:schemeClr val="accent1"/>
+          </a:fillRef>
+          <a:effectRef idx="0">
+            <a:schemeClr val="accent1"/>
+          </a:effectRef>
+          <a:fontRef idx="minor">
+            <a:schemeClr val="tx1"/>
+          </a:fontRef>
+        </p:style>
+      </p:cxnSp>
+      <p:cxnSp>
+        <p:nvCxnSpPr>
+          <p:cNvPr id="11" name="Connecteur droit avec flèche 10"/>
+          <p:cNvCxnSpPr/>
+          <p:nvPr/>
+        </p:nvCxnSpPr>
+        <p:spPr>
+          <a:xfrm flipV="1">
+            <a:off x="6012160" y="3356992"/>
+            <a:ext cx="1944216" cy="1944216"/>
+          </a:xfrm>
+          <a:prstGeom prst="straightConnector1">
+            <a:avLst/>
+          </a:prstGeom>
+          <a:ln>
+            <a:tailEnd type="arrow"/>
+          </a:ln>
+        </p:spPr>
+        <p:style>
+          <a:lnRef idx="1">
+            <a:schemeClr val="dk1"/>
+          </a:lnRef>
+          <a:fillRef idx="0">
+            <a:schemeClr val="dk1"/>
+          </a:fillRef>
+          <a:effectRef idx="0">
+            <a:schemeClr val="dk1"/>
+          </a:effectRef>
+          <a:fontRef idx="minor">
+            <a:schemeClr val="tx1"/>
+          </a:fontRef>
+        </p:style>
+      </p:cxnSp>
+      <p:sp>
+        <p:nvSpPr>
+          <p:cNvPr id="12" name="ZoneTexte 11"/>
+          <p:cNvSpPr txBox="1"/>
+          <p:nvPr/>
+        </p:nvSpPr>
+        <p:spPr>
+          <a:xfrm>
+            <a:off x="4355976" y="5445224"/>
+            <a:ext cx="3791294" cy="646331"/>
+          </a:xfrm>
+          <a:prstGeom prst="rect">
+            <a:avLst/>
+          </a:prstGeom>
+          <a:noFill/>
+        </p:spPr>
+        <p:txBody>
+          <a:bodyPr wrap="none" rtlCol="0">
+            <a:spAutoFit/>
+          </a:bodyPr>
+          <a:lstStyle/>
+          <a:p>
+            <a:r>
+              <a:rPr lang="fr-FR" dirty="0" err="1" smtClean="0"/>
+              <a:t>JFreeChart</a:t>
+            </a:r>
+            <a:r>
+              <a:rPr lang="fr-FR" dirty="0" smtClean="0"/>
+              <a:t> pour afficher le diagramme</a:t>
+            </a:r>
+          </a:p>
+          <a:p>
+            <a:r>
+              <a:rPr lang="fr-FR" dirty="0" smtClean="0"/>
+              <a:t> (aide avec le </a:t>
+            </a:r>
+            <a:r>
+              <a:rPr lang="fr-FR" dirty="0" err="1" smtClean="0"/>
+              <a:t>pdf</a:t>
+            </a:r>
+            <a:r>
+              <a:rPr lang="fr-FR" dirty="0" smtClean="0"/>
+              <a:t> sur </a:t>
+            </a:r>
+            <a:r>
+              <a:rPr lang="fr-FR" dirty="0" err="1" smtClean="0"/>
+              <a:t>JFreeChart</a:t>
+            </a:r>
+            <a:r>
+              <a:rPr lang="fr-FR" dirty="0" smtClean="0"/>
+              <a:t>)</a:t>
+            </a:r>
+            <a:endParaRPr lang="fr-FR" dirty="0"/>
+          </a:p>
+        </p:txBody>
+      </p:sp>
+    </p:spTree>
+  </p:cSld>
+  <p:clrMapOvr>
+    <a:masterClrMapping/>
+  </p:clrMapOvr>
+</p:sld>
+</file>
+
+<file path=ppt/slides/slide8.xml><?xml version="1.0" encoding="utf-8"?>
+<p:sld xmlns:a="http://schemas.openxmlformats.org/drawingml/2006/main" xmlns:r="http://schemas.openxmlformats.org/officeDocument/2006/relationships" xmlns:p="http://schemas.openxmlformats.org/presentationml/2006/main">
+  <p:cSld>
+    <p:spTree>
+      <p:nvGrpSpPr>
+        <p:cNvPr id="1" name=""/>
+        <p:cNvGrpSpPr/>
+        <p:nvPr/>
+      </p:nvGrpSpPr>
+      <p:grpSpPr>
+        <a:xfrm>
+          <a:off x="0" y="0"/>
+          <a:ext cx="0" cy="0"/>
+          <a:chOff x="0" y="0"/>
+          <a:chExt cx="0" cy="0"/>
+        </a:xfrm>
+      </p:grpSpPr>
+      <p:sp>
+        <p:nvSpPr>
+          <p:cNvPr id="2" name="Titre 1"/>
+          <p:cNvSpPr>
+            <a:spLocks noGrp="1"/>
+          </p:cNvSpPr>
+          <p:nvPr>
+            <p:ph type="title"/>
+          </p:nvPr>
+        </p:nvSpPr>
+        <p:spPr/>
+        <p:txBody>
+          <a:bodyPr/>
+          <a:lstStyle/>
+          <a:p>
+            <a:r>
+              <a:rPr lang="fr-FR" b="1" u="sng" dirty="0" err="1">
+                <a:solidFill>
+                  <a:srgbClr val="FF0000"/>
+                </a:solidFill>
+              </a:rPr>
+              <a:t>Versionning</a:t>
+            </a:r>
+            <a:r>
+              <a:rPr lang="fr-FR" b="1" u="sng" dirty="0">
+                <a:solidFill>
+                  <a:srgbClr val="FF0000"/>
+                </a:solidFill>
+              </a:rPr>
+              <a:t> GIT</a:t>
+            </a:r>
+          </a:p>
+        </p:txBody>
+      </p:sp>
+      <p:pic>
+        <p:nvPicPr>
+          <p:cNvPr id="4" name="Image 3">
+            <a:extLst>
+              <a:ext uri="{FF2B5EF4-FFF2-40B4-BE49-F238E27FC236}">
+                <a16:creationId xmlns:a16="http://schemas.microsoft.com/office/drawing/2014/main" xmlns="" id="{42FD4A78-32F5-4424-85FF-3616C6DB456D}"/>
+              </a:ext>
+            </a:extLst>
+          </p:cNvPr>
+          <p:cNvPicPr>
+            <a:picLocks noChangeAspect="1"/>
+          </p:cNvPicPr>
+          <p:nvPr/>
+        </p:nvPicPr>
+        <p:blipFill>
+          <a:blip r:embed="rId2" cstate="print"/>
+          <a:stretch>
+            <a:fillRect/>
+          </a:stretch>
+        </p:blipFill>
+        <p:spPr>
+          <a:xfrm>
+            <a:off x="683568" y="1417638"/>
+            <a:ext cx="7172844" cy="3773215"/>
+          </a:xfrm>
+          <a:prstGeom prst="rect">
+            <a:avLst/>
+          </a:prstGeom>
+        </p:spPr>
+      </p:pic>
+      <p:sp>
+        <p:nvSpPr>
+          <p:cNvPr id="5" name="Rectangle 4">
+            <a:extLst>
+              <a:ext uri="{FF2B5EF4-FFF2-40B4-BE49-F238E27FC236}">
+                <a16:creationId xmlns:a16="http://schemas.microsoft.com/office/drawing/2014/main" xmlns="" id="{E9CDEC9F-7164-4F20-96F4-3BAC1FB7894E}"/>
+              </a:ext>
+            </a:extLst>
+          </p:cNvPr>
+          <p:cNvSpPr/>
+          <p:nvPr/>
+        </p:nvSpPr>
+        <p:spPr>
+          <a:xfrm>
+            <a:off x="1403648" y="5877454"/>
+            <a:ext cx="6598345" cy="369332"/>
+          </a:xfrm>
+          <a:prstGeom prst="rect">
+            <a:avLst/>
+          </a:prstGeom>
+        </p:spPr>
+        <p:txBody>
+          <a:bodyPr wrap="none">
+            <a:spAutoFit/>
+          </a:bodyPr>
+          <a:lstStyle/>
+          <a:p>
+            <a:r>
+              <a:rPr lang="fr-FR" b="1" dirty="0"/>
+              <a:t>Lien du projet GitHub : </a:t>
+            </a:r>
+            <a:r>
+              <a:rPr lang="fr-FR" dirty="0"/>
+              <a:t>https://github.com/Skyfire27/Project-Java.git</a:t>
+            </a:r>
+          </a:p>
+        </p:txBody>
+      </p:sp>
     </p:spTree>
   </p:cSld>
   <p:clrMapOvr>
@@ -5565,7 +5965,13 @@
       </p:grpSpPr>
       <p:sp>
         <p:nvSpPr>
-          <p:cNvPr id="2" name="Titre 1"/>
+          <p:cNvPr id="2" name="Titre 1">
+            <a:extLst>
+              <a:ext uri="{FF2B5EF4-FFF2-40B4-BE49-F238E27FC236}">
+                <a16:creationId xmlns:a16="http://schemas.microsoft.com/office/drawing/2014/main" xmlns="" id="{64D63C0B-4141-45DB-BDB2-5E0B46C21B91}"/>
+              </a:ext>
+            </a:extLst>
+          </p:cNvPr>
           <p:cNvSpPr>
             <a:spLocks noGrp="1"/>
           </p:cNvSpPr>
@@ -5578,22 +5984,15 @@
           <a:bodyPr/>
           <a:lstStyle/>
           <a:p>
-            <a:r>
-              <a:rPr lang="fr-FR" b="1" u="sng" dirty="0" err="1">
-                <a:solidFill>
-                  <a:srgbClr val="FF0000"/>
-                </a:solidFill>
-              </a:rPr>
-              <a:t>Versionning</a:t>
-            </a:r>
             <a:r>
               <a:rPr lang="fr-FR" b="1" u="sng" dirty="0">
                 <a:solidFill>
                   <a:srgbClr val="FF0000"/>
                 </a:solidFill>
               </a:rPr>
-              <a:t> GIT</a:t>
-            </a:r>
+              <a:t>Déroulement</a:t>
+            </a:r>
+            <a:endParaRPr lang="fr-FR" dirty="0"/>
           </a:p>
         </p:txBody>
       </p:sp>
@@ -5602,7 +6001,7 @@
           <p:cNvPr id="4" name="Image 3">
             <a:extLst>
               <a:ext uri="{FF2B5EF4-FFF2-40B4-BE49-F238E27FC236}">
-                <a16:creationId xmlns:a16="http://schemas.microsoft.com/office/drawing/2014/main" id="{42FD4A78-32F5-4424-85FF-3616C6DB456D}"/>
+                <a16:creationId xmlns:a16="http://schemas.microsoft.com/office/drawing/2014/main" xmlns="" id="{F08B8B61-D49C-4A8D-8F09-4A54EDE4B54E}"/>
               </a:ext>
             </a:extLst>
           </p:cNvPr>
@@ -5612,15 +6011,15 @@
           <p:nvPr/>
         </p:nvPicPr>
         <p:blipFill>
-          <a:blip r:embed="rId2"/>
+          <a:blip r:embed="rId2" cstate="print"/>
           <a:stretch>
             <a:fillRect/>
           </a:stretch>
         </p:blipFill>
         <p:spPr>
           <a:xfrm>
-            <a:off x="683568" y="1417638"/>
-            <a:ext cx="7172844" cy="3773215"/>
+            <a:off x="1115616" y="1484784"/>
+            <a:ext cx="7229475" cy="2895600"/>
           </a:xfrm>
           <a:prstGeom prst="rect">
             <a:avLst/>
@@ -5632,7 +6031,7 @@
           <p:cNvPr id="5" name="Rectangle 4">
             <a:extLst>
               <a:ext uri="{FF2B5EF4-FFF2-40B4-BE49-F238E27FC236}">
-                <a16:creationId xmlns:a16="http://schemas.microsoft.com/office/drawing/2014/main" id="{E9CDEC9F-7164-4F20-96F4-3BAC1FB7894E}"/>
+                <a16:creationId xmlns:a16="http://schemas.microsoft.com/office/drawing/2014/main" xmlns="" id="{85BD0C61-8654-4AC1-B4DA-6A1B545D0963}"/>
               </a:ext>
             </a:extLst>
           </p:cNvPr>
@@ -5641,31 +6040,63 @@
         </p:nvSpPr>
         <p:spPr>
           <a:xfrm>
-            <a:off x="1403648" y="5877454"/>
-            <a:ext cx="6598345" cy="369332"/>
+            <a:off x="971600" y="4653136"/>
+            <a:ext cx="6784759" cy="1200329"/>
           </a:xfrm>
           <a:prstGeom prst="rect">
             <a:avLst/>
           </a:prstGeom>
         </p:spPr>
         <p:txBody>
-          <a:bodyPr wrap="none">
+          <a:bodyPr wrap="square">
             <a:spAutoFit/>
           </a:bodyPr>
           <a:lstStyle/>
           <a:p>
             <a:r>
               <a:rPr lang="fr-FR" b="1" dirty="0"/>
-              <a:t>Lien du projet GitHub : </a:t>
-            </a:r>
+              <a:t>Répartition des tâches :</a:t>
+            </a:r>
+          </a:p>
+          <a:p>
+            <a:endParaRPr lang="fr-FR" b="1" dirty="0"/>
+          </a:p>
+          <a:p>
             <a:r>
               <a:rPr lang="fr-FR" dirty="0"/>
-              <a:t>https://github.com/Skyfire27/Project-Java.git</a:t>
+              <a:t> - Tan Albert : </a:t>
+            </a:r>
+            <a:r>
+              <a:rPr lang="fr-FR" i="1" dirty="0"/>
+              <a:t>Code java pour les modules et requête SQL</a:t>
+            </a:r>
+          </a:p>
+          <a:p>
+            <a:r>
+              <a:rPr lang="fr-FR" dirty="0"/>
+              <a:t> - </a:t>
+            </a:r>
+            <a:r>
+              <a:rPr lang="fr-FR" dirty="0" err="1"/>
+              <a:t>Rinjard</a:t>
+            </a:r>
+            <a:r>
+              <a:rPr lang="fr-FR" dirty="0"/>
+              <a:t> Yann : </a:t>
+            </a:r>
+            <a:r>
+              <a:rPr lang="fr-FR" i="1" dirty="0"/>
+              <a:t>Interface graphique et maquettage</a:t>
             </a:r>
           </a:p>
         </p:txBody>
       </p:sp>
     </p:spTree>
+    <p:extLst>
+      <p:ext uri="{BB962C8B-B14F-4D97-AF65-F5344CB8AC3E}">
+        <p14:creationId xmlns:p14="http://schemas.microsoft.com/office/powerpoint/2010/main" xmlns="" val="3063730933"/>
+      </p:ext>
+    </p:extLst>
   </p:cSld>
   <p:clrMapOvr>
     <a:masterClrMapping/>

--- a/PROJET POO Java/Projet_Java_TAN_RINJARD.pptx
+++ b/PROJET POO Java/Projet_Java_TAN_RINJARD.pptx
@@ -18,6 +18,7 @@
     <p:sldId id="262" r:id="rId12"/>
     <p:sldId id="263" r:id="rId13"/>
     <p:sldId id="264" r:id="rId14"/>
+    <p:sldId id="273" r:id="rId15"/>
   </p:sldIdLst>
   <p:sldSz cx="9144000" cy="6858000" type="screen4x3"/>
   <p:notesSz cx="6858000" cy="9144000"/>
@@ -118,7 +119,7 @@
   </p:defaultTextStyle>
   <p:extLst>
     <p:ext uri="{EFAFB233-063F-42B5-8137-9DF3F51BA10A}">
-      <p15:sldGuideLst xmlns:p15="http://schemas.microsoft.com/office/powerpoint/2012/main" xmlns="">
+      <p15:sldGuideLst xmlns:p15="http://schemas.microsoft.com/office/powerpoint/2012/main">
         <p15:guide id="1" orient="horz" pos="2160">
           <p15:clr>
             <a:srgbClr val="A4A3A4"/>
@@ -317,7 +318,7 @@
               <a:pPr/>
               <a:t>22/04/2018</a:t>
             </a:fld>
-            <a:endParaRPr lang="fr-FR"/>
+            <a:endParaRPr lang="fr-FR" dirty="0"/>
           </a:p>
         </p:txBody>
       </p:sp>
@@ -336,7 +337,7 @@
           <a:bodyPr/>
           <a:lstStyle/>
           <a:p>
-            <a:endParaRPr lang="fr-FR"/>
+            <a:endParaRPr lang="fr-FR" dirty="0"/>
           </a:p>
         </p:txBody>
       </p:sp>
@@ -360,7 +361,7 @@
               <a:pPr/>
               <a:t>‹N°›</a:t>
             </a:fld>
-            <a:endParaRPr lang="fr-FR"/>
+            <a:endParaRPr lang="fr-FR" dirty="0"/>
           </a:p>
         </p:txBody>
       </p:sp>
@@ -369,6 +370,18 @@
   <p:clrMapOvr>
     <a:masterClrMapping/>
   </p:clrMapOvr>
+  <mc:AlternateContent xmlns:mc="http://schemas.openxmlformats.org/markup-compatibility/2006">
+    <mc:Choice xmlns:p14="http://schemas.microsoft.com/office/powerpoint/2010/main" Requires="p14">
+      <p:transition spd="med" p14:dur="700">
+        <p:fade/>
+      </p:transition>
+    </mc:Choice>
+    <mc:Fallback>
+      <p:transition spd="med">
+        <p:fade/>
+      </p:transition>
+    </mc:Fallback>
+  </mc:AlternateContent>
 </p:sldLayout>
 </file>
 
@@ -482,7 +495,7 @@
               <a:pPr/>
               <a:t>22/04/2018</a:t>
             </a:fld>
-            <a:endParaRPr lang="fr-FR"/>
+            <a:endParaRPr lang="fr-FR" dirty="0"/>
           </a:p>
         </p:txBody>
       </p:sp>
@@ -501,7 +514,7 @@
           <a:bodyPr/>
           <a:lstStyle/>
           <a:p>
-            <a:endParaRPr lang="fr-FR"/>
+            <a:endParaRPr lang="fr-FR" dirty="0"/>
           </a:p>
         </p:txBody>
       </p:sp>
@@ -525,7 +538,7 @@
               <a:pPr/>
               <a:t>‹N°›</a:t>
             </a:fld>
-            <a:endParaRPr lang="fr-FR"/>
+            <a:endParaRPr lang="fr-FR" dirty="0"/>
           </a:p>
         </p:txBody>
       </p:sp>
@@ -534,6 +547,18 @@
   <p:clrMapOvr>
     <a:masterClrMapping/>
   </p:clrMapOvr>
+  <mc:AlternateContent xmlns:mc="http://schemas.openxmlformats.org/markup-compatibility/2006">
+    <mc:Choice xmlns:p14="http://schemas.microsoft.com/office/powerpoint/2010/main" Requires="p14">
+      <p:transition spd="med" p14:dur="700">
+        <p:fade/>
+      </p:transition>
+    </mc:Choice>
+    <mc:Fallback>
+      <p:transition spd="med">
+        <p:fade/>
+      </p:transition>
+    </mc:Fallback>
+  </mc:AlternateContent>
 </p:sldLayout>
 </file>
 
@@ -657,7 +682,7 @@
               <a:pPr/>
               <a:t>22/04/2018</a:t>
             </a:fld>
-            <a:endParaRPr lang="fr-FR"/>
+            <a:endParaRPr lang="fr-FR" dirty="0"/>
           </a:p>
         </p:txBody>
       </p:sp>
@@ -676,7 +701,7 @@
           <a:bodyPr/>
           <a:lstStyle/>
           <a:p>
-            <a:endParaRPr lang="fr-FR"/>
+            <a:endParaRPr lang="fr-FR" dirty="0"/>
           </a:p>
         </p:txBody>
       </p:sp>
@@ -700,7 +725,7 @@
               <a:pPr/>
               <a:t>‹N°›</a:t>
             </a:fld>
-            <a:endParaRPr lang="fr-FR"/>
+            <a:endParaRPr lang="fr-FR" dirty="0"/>
           </a:p>
         </p:txBody>
       </p:sp>
@@ -709,6 +734,18 @@
   <p:clrMapOvr>
     <a:masterClrMapping/>
   </p:clrMapOvr>
+  <mc:AlternateContent xmlns:mc="http://schemas.openxmlformats.org/markup-compatibility/2006">
+    <mc:Choice xmlns:p14="http://schemas.microsoft.com/office/powerpoint/2010/main" Requires="p14">
+      <p:transition spd="med" p14:dur="700">
+        <p:fade/>
+      </p:transition>
+    </mc:Choice>
+    <mc:Fallback>
+      <p:transition spd="med">
+        <p:fade/>
+      </p:transition>
+    </mc:Fallback>
+  </mc:AlternateContent>
 </p:sldLayout>
 </file>
 
@@ -822,7 +859,7 @@
               <a:pPr/>
               <a:t>22/04/2018</a:t>
             </a:fld>
-            <a:endParaRPr lang="fr-FR"/>
+            <a:endParaRPr lang="fr-FR" dirty="0"/>
           </a:p>
         </p:txBody>
       </p:sp>
@@ -841,7 +878,7 @@
           <a:bodyPr/>
           <a:lstStyle/>
           <a:p>
-            <a:endParaRPr lang="fr-FR"/>
+            <a:endParaRPr lang="fr-FR" dirty="0"/>
           </a:p>
         </p:txBody>
       </p:sp>
@@ -865,7 +902,7 @@
               <a:pPr/>
               <a:t>‹N°›</a:t>
             </a:fld>
-            <a:endParaRPr lang="fr-FR"/>
+            <a:endParaRPr lang="fr-FR" dirty="0"/>
           </a:p>
         </p:txBody>
       </p:sp>
@@ -874,6 +911,18 @@
   <p:clrMapOvr>
     <a:masterClrMapping/>
   </p:clrMapOvr>
+  <mc:AlternateContent xmlns:mc="http://schemas.openxmlformats.org/markup-compatibility/2006">
+    <mc:Choice xmlns:p14="http://schemas.microsoft.com/office/powerpoint/2010/main" Requires="p14">
+      <p:transition spd="med" p14:dur="700">
+        <p:fade/>
+      </p:transition>
+    </mc:Choice>
+    <mc:Fallback>
+      <p:transition spd="med">
+        <p:fade/>
+      </p:transition>
+    </mc:Fallback>
+  </mc:AlternateContent>
 </p:sldLayout>
 </file>
 
@@ -1064,7 +1113,7 @@
               <a:pPr/>
               <a:t>22/04/2018</a:t>
             </a:fld>
-            <a:endParaRPr lang="fr-FR"/>
+            <a:endParaRPr lang="fr-FR" dirty="0"/>
           </a:p>
         </p:txBody>
       </p:sp>
@@ -1083,7 +1132,7 @@
           <a:bodyPr/>
           <a:lstStyle/>
           <a:p>
-            <a:endParaRPr lang="fr-FR"/>
+            <a:endParaRPr lang="fr-FR" dirty="0"/>
           </a:p>
         </p:txBody>
       </p:sp>
@@ -1107,7 +1156,7 @@
               <a:pPr/>
               <a:t>‹N°›</a:t>
             </a:fld>
-            <a:endParaRPr lang="fr-FR"/>
+            <a:endParaRPr lang="fr-FR" dirty="0"/>
           </a:p>
         </p:txBody>
       </p:sp>
@@ -1116,6 +1165,18 @@
   <p:clrMapOvr>
     <a:masterClrMapping/>
   </p:clrMapOvr>
+  <mc:AlternateContent xmlns:mc="http://schemas.openxmlformats.org/markup-compatibility/2006">
+    <mc:Choice xmlns:p14="http://schemas.microsoft.com/office/powerpoint/2010/main" Requires="p14">
+      <p:transition spd="med" p14:dur="700">
+        <p:fade/>
+      </p:transition>
+    </mc:Choice>
+    <mc:Fallback>
+      <p:transition spd="med">
+        <p:fade/>
+      </p:transition>
+    </mc:Fallback>
+  </mc:AlternateContent>
 </p:sldLayout>
 </file>
 
@@ -1346,7 +1407,7 @@
               <a:pPr/>
               <a:t>22/04/2018</a:t>
             </a:fld>
-            <a:endParaRPr lang="fr-FR"/>
+            <a:endParaRPr lang="fr-FR" dirty="0"/>
           </a:p>
         </p:txBody>
       </p:sp>
@@ -1365,7 +1426,7 @@
           <a:bodyPr/>
           <a:lstStyle/>
           <a:p>
-            <a:endParaRPr lang="fr-FR"/>
+            <a:endParaRPr lang="fr-FR" dirty="0"/>
           </a:p>
         </p:txBody>
       </p:sp>
@@ -1389,7 +1450,7 @@
               <a:pPr/>
               <a:t>‹N°›</a:t>
             </a:fld>
-            <a:endParaRPr lang="fr-FR"/>
+            <a:endParaRPr lang="fr-FR" dirty="0"/>
           </a:p>
         </p:txBody>
       </p:sp>
@@ -1398,6 +1459,18 @@
   <p:clrMapOvr>
     <a:masterClrMapping/>
   </p:clrMapOvr>
+  <mc:AlternateContent xmlns:mc="http://schemas.openxmlformats.org/markup-compatibility/2006">
+    <mc:Choice xmlns:p14="http://schemas.microsoft.com/office/powerpoint/2010/main" Requires="p14">
+      <p:transition spd="med" p14:dur="700">
+        <p:fade/>
+      </p:transition>
+    </mc:Choice>
+    <mc:Fallback>
+      <p:transition spd="med">
+        <p:fade/>
+      </p:transition>
+    </mc:Fallback>
+  </mc:AlternateContent>
 </p:sldLayout>
 </file>
 
@@ -1762,7 +1835,7 @@
               <a:pPr/>
               <a:t>22/04/2018</a:t>
             </a:fld>
-            <a:endParaRPr lang="fr-FR"/>
+            <a:endParaRPr lang="fr-FR" dirty="0"/>
           </a:p>
         </p:txBody>
       </p:sp>
@@ -1781,7 +1854,7 @@
           <a:bodyPr/>
           <a:lstStyle/>
           <a:p>
-            <a:endParaRPr lang="fr-FR"/>
+            <a:endParaRPr lang="fr-FR" dirty="0"/>
           </a:p>
         </p:txBody>
       </p:sp>
@@ -1805,7 +1878,7 @@
               <a:pPr/>
               <a:t>‹N°›</a:t>
             </a:fld>
-            <a:endParaRPr lang="fr-FR"/>
+            <a:endParaRPr lang="fr-FR" dirty="0"/>
           </a:p>
         </p:txBody>
       </p:sp>
@@ -1814,6 +1887,18 @@
   <p:clrMapOvr>
     <a:masterClrMapping/>
   </p:clrMapOvr>
+  <mc:AlternateContent xmlns:mc="http://schemas.openxmlformats.org/markup-compatibility/2006">
+    <mc:Choice xmlns:p14="http://schemas.microsoft.com/office/powerpoint/2010/main" Requires="p14">
+      <p:transition spd="med" p14:dur="700">
+        <p:fade/>
+      </p:transition>
+    </mc:Choice>
+    <mc:Fallback>
+      <p:transition spd="med">
+        <p:fade/>
+      </p:transition>
+    </mc:Fallback>
+  </mc:AlternateContent>
 </p:sldLayout>
 </file>
 
@@ -1876,7 +1961,7 @@
               <a:pPr/>
               <a:t>22/04/2018</a:t>
             </a:fld>
-            <a:endParaRPr lang="fr-FR"/>
+            <a:endParaRPr lang="fr-FR" dirty="0"/>
           </a:p>
         </p:txBody>
       </p:sp>
@@ -1895,7 +1980,7 @@
           <a:bodyPr/>
           <a:lstStyle/>
           <a:p>
-            <a:endParaRPr lang="fr-FR"/>
+            <a:endParaRPr lang="fr-FR" dirty="0"/>
           </a:p>
         </p:txBody>
       </p:sp>
@@ -1919,7 +2004,7 @@
               <a:pPr/>
               <a:t>‹N°›</a:t>
             </a:fld>
-            <a:endParaRPr lang="fr-FR"/>
+            <a:endParaRPr lang="fr-FR" dirty="0"/>
           </a:p>
         </p:txBody>
       </p:sp>
@@ -1928,6 +2013,18 @@
   <p:clrMapOvr>
     <a:masterClrMapping/>
   </p:clrMapOvr>
+  <mc:AlternateContent xmlns:mc="http://schemas.openxmlformats.org/markup-compatibility/2006">
+    <mc:Choice xmlns:p14="http://schemas.microsoft.com/office/powerpoint/2010/main" Requires="p14">
+      <p:transition spd="med" p14:dur="700">
+        <p:fade/>
+      </p:transition>
+    </mc:Choice>
+    <mc:Fallback>
+      <p:transition spd="med">
+        <p:fade/>
+      </p:transition>
+    </mc:Fallback>
+  </mc:AlternateContent>
 </p:sldLayout>
 </file>
 
@@ -1968,7 +2065,7 @@
               <a:pPr/>
               <a:t>22/04/2018</a:t>
             </a:fld>
-            <a:endParaRPr lang="fr-FR"/>
+            <a:endParaRPr lang="fr-FR" dirty="0"/>
           </a:p>
         </p:txBody>
       </p:sp>
@@ -1987,7 +2084,7 @@
           <a:bodyPr/>
           <a:lstStyle/>
           <a:p>
-            <a:endParaRPr lang="fr-FR"/>
+            <a:endParaRPr lang="fr-FR" dirty="0"/>
           </a:p>
         </p:txBody>
       </p:sp>
@@ -2011,7 +2108,7 @@
               <a:pPr/>
               <a:t>‹N°›</a:t>
             </a:fld>
-            <a:endParaRPr lang="fr-FR"/>
+            <a:endParaRPr lang="fr-FR" dirty="0"/>
           </a:p>
         </p:txBody>
       </p:sp>
@@ -2020,6 +2117,18 @@
   <p:clrMapOvr>
     <a:masterClrMapping/>
   </p:clrMapOvr>
+  <mc:AlternateContent xmlns:mc="http://schemas.openxmlformats.org/markup-compatibility/2006">
+    <mc:Choice xmlns:p14="http://schemas.microsoft.com/office/powerpoint/2010/main" Requires="p14">
+      <p:transition spd="med" p14:dur="700">
+        <p:fade/>
+      </p:transition>
+    </mc:Choice>
+    <mc:Fallback>
+      <p:transition spd="med">
+        <p:fade/>
+      </p:transition>
+    </mc:Fallback>
+  </mc:AlternateContent>
 </p:sldLayout>
 </file>
 
@@ -2240,7 +2349,7 @@
               <a:pPr/>
               <a:t>22/04/2018</a:t>
             </a:fld>
-            <a:endParaRPr lang="fr-FR"/>
+            <a:endParaRPr lang="fr-FR" dirty="0"/>
           </a:p>
         </p:txBody>
       </p:sp>
@@ -2259,7 +2368,7 @@
           <a:bodyPr/>
           <a:lstStyle/>
           <a:p>
-            <a:endParaRPr lang="fr-FR"/>
+            <a:endParaRPr lang="fr-FR" dirty="0"/>
           </a:p>
         </p:txBody>
       </p:sp>
@@ -2283,7 +2392,7 @@
               <a:pPr/>
               <a:t>‹N°›</a:t>
             </a:fld>
-            <a:endParaRPr lang="fr-FR"/>
+            <a:endParaRPr lang="fr-FR" dirty="0"/>
           </a:p>
         </p:txBody>
       </p:sp>
@@ -2292,6 +2401,18 @@
   <p:clrMapOvr>
     <a:masterClrMapping/>
   </p:clrMapOvr>
+  <mc:AlternateContent xmlns:mc="http://schemas.openxmlformats.org/markup-compatibility/2006">
+    <mc:Choice xmlns:p14="http://schemas.microsoft.com/office/powerpoint/2010/main" Requires="p14">
+      <p:transition spd="med" p14:dur="700">
+        <p:fade/>
+      </p:transition>
+    </mc:Choice>
+    <mc:Fallback>
+      <p:transition spd="med">
+        <p:fade/>
+      </p:transition>
+    </mc:Fallback>
+  </mc:AlternateContent>
 </p:sldLayout>
 </file>
 
@@ -2400,7 +2521,7 @@
             </a:lvl9pPr>
           </a:lstStyle>
           <a:p>
-            <a:endParaRPr lang="fr-FR"/>
+            <a:endParaRPr lang="fr-FR" dirty="0"/>
           </a:p>
         </p:txBody>
       </p:sp>
@@ -2489,7 +2610,7 @@
               <a:pPr/>
               <a:t>22/04/2018</a:t>
             </a:fld>
-            <a:endParaRPr lang="fr-FR"/>
+            <a:endParaRPr lang="fr-FR" dirty="0"/>
           </a:p>
         </p:txBody>
       </p:sp>
@@ -2508,7 +2629,7 @@
           <a:bodyPr/>
           <a:lstStyle/>
           <a:p>
-            <a:endParaRPr lang="fr-FR"/>
+            <a:endParaRPr lang="fr-FR" dirty="0"/>
           </a:p>
         </p:txBody>
       </p:sp>
@@ -2532,7 +2653,7 @@
               <a:pPr/>
               <a:t>‹N°›</a:t>
             </a:fld>
-            <a:endParaRPr lang="fr-FR"/>
+            <a:endParaRPr lang="fr-FR" dirty="0"/>
           </a:p>
         </p:txBody>
       </p:sp>
@@ -2541,6 +2662,18 @@
   <p:clrMapOvr>
     <a:masterClrMapping/>
   </p:clrMapOvr>
+  <mc:AlternateContent xmlns:mc="http://schemas.openxmlformats.org/markup-compatibility/2006">
+    <mc:Choice xmlns:p14="http://schemas.microsoft.com/office/powerpoint/2010/main" Requires="p14">
+      <p:transition spd="med" p14:dur="700">
+        <p:fade/>
+      </p:transition>
+    </mc:Choice>
+    <mc:Fallback>
+      <p:transition spd="med">
+        <p:fade/>
+      </p:transition>
+    </mc:Fallback>
+  </mc:AlternateContent>
 </p:sldLayout>
 </file>
 
@@ -2697,7 +2830,7 @@
               <a:pPr/>
               <a:t>22/04/2018</a:t>
             </a:fld>
-            <a:endParaRPr lang="fr-FR"/>
+            <a:endParaRPr lang="fr-FR" dirty="0"/>
           </a:p>
         </p:txBody>
       </p:sp>
@@ -2734,7 +2867,7 @@
             </a:lvl1pPr>
           </a:lstStyle>
           <a:p>
-            <a:endParaRPr lang="fr-FR"/>
+            <a:endParaRPr lang="fr-FR" dirty="0"/>
           </a:p>
         </p:txBody>
       </p:sp>
@@ -2776,7 +2909,7 @@
               <a:pPr/>
               <a:t>‹N°›</a:t>
             </a:fld>
-            <a:endParaRPr lang="fr-FR"/>
+            <a:endParaRPr lang="fr-FR" dirty="0"/>
           </a:p>
         </p:txBody>
       </p:sp>
@@ -2796,6 +2929,18 @@
     <p:sldLayoutId id="2147483658" r:id="rId10"/>
     <p:sldLayoutId id="2147483659" r:id="rId11"/>
   </p:sldLayoutIdLst>
+  <mc:AlternateContent xmlns:mc="http://schemas.openxmlformats.org/markup-compatibility/2006">
+    <mc:Choice xmlns:p14="http://schemas.microsoft.com/office/powerpoint/2010/main" Requires="p14">
+      <p:transition spd="med" p14:dur="700">
+        <p:fade/>
+      </p:transition>
+    </mc:Choice>
+    <mc:Fallback>
+      <p:transition spd="med">
+        <p:fade/>
+      </p:transition>
+    </mc:Fallback>
+  </mc:AlternateContent>
   <p:txStyles>
     <p:titleStyle>
       <a:lvl1pPr algn="ctr" defTabSz="914400" rtl="0" eaLnBrk="1" latinLnBrk="0" hangingPunct="1">
@@ -3171,6 +3316,18 @@
   <p:clrMapOvr>
     <a:masterClrMapping/>
   </p:clrMapOvr>
+  <mc:AlternateContent xmlns:mc="http://schemas.openxmlformats.org/markup-compatibility/2006">
+    <mc:Choice xmlns:p14="http://schemas.microsoft.com/office/powerpoint/2010/main" Requires="p14">
+      <p:transition spd="med" p14:dur="700">
+        <p:fade/>
+      </p:transition>
+    </mc:Choice>
+    <mc:Fallback>
+      <p:transition spd="med">
+        <p:fade/>
+      </p:transition>
+    </mc:Fallback>
+  </mc:AlternateContent>
 </p:sld>
 </file>
 
@@ -3222,7 +3379,7 @@
           <p:cNvPr id="3" name="ZoneTexte 2">
             <a:extLst>
               <a:ext uri="{FF2B5EF4-FFF2-40B4-BE49-F238E27FC236}">
-                <a16:creationId xmlns:a16="http://schemas.microsoft.com/office/drawing/2014/main" xmlns="" id="{E0DA7BE5-3495-43E0-BC58-01B3106BCE1C}"/>
+                <a16:creationId xmlns:a16="http://schemas.microsoft.com/office/drawing/2014/main" id="{E0DA7BE5-3495-43E0-BC58-01B3106BCE1C}"/>
               </a:ext>
             </a:extLst>
           </p:cNvPr>
@@ -3246,16 +3403,25 @@
           <a:lstStyle/>
           <a:p>
             <a:r>
+              <a:rPr lang="fr-FR" b="1" dirty="0"/>
+              <a:t>Objectif :</a:t>
+            </a:r>
+            <a:r>
               <a:rPr lang="fr-FR" dirty="0"/>
-              <a:t>Objectif : Coder les trois modules Recherche, </a:t>
-            </a:r>
-            <a:r>
-              <a:rPr lang="fr-FR" dirty="0" err="1"/>
-              <a:t>Reporting</a:t>
+              <a:t> Coder les trois modules Recherche, Reporting et Update, ainsi que la liaison avec Connexion.</a:t>
+            </a:r>
+          </a:p>
+          <a:p>
+            <a:endParaRPr lang="fr-FR" dirty="0"/>
+          </a:p>
+          <a:p>
+            <a:r>
+              <a:rPr lang="fr-FR" b="1" dirty="0"/>
+              <a:t>Résultat :</a:t>
             </a:r>
             <a:r>
               <a:rPr lang="fr-FR" dirty="0"/>
-              <a:t> et Update, ainsi que la liaison avec Connexion.</a:t>
+              <a:t> Satisfaisant, les fonctions de bases fonctionnent. Il aurait fallu approfondir le code, et ajouter plus d’option.</a:t>
             </a:r>
           </a:p>
           <a:p>
@@ -3263,8 +3429,12 @@
           </a:p>
           <a:p>
             <a:r>
+              <a:rPr lang="fr-FR" b="1" dirty="0"/>
+              <a:t>Bilan :</a:t>
+            </a:r>
+            <a:r>
               <a:rPr lang="fr-FR" dirty="0"/>
-              <a:t>Résultat : Satisfaisant, les fonctions de bases fonctionnent. Il aurait fallu approfondir le code, et ajouter plus d’option.</a:t>
+              <a:t> Un travail de groupe, avec une gestion efficace des tâches, et l’usage du versionning qui rend la collaboration plus pratique.</a:t>
             </a:r>
           </a:p>
           <a:p>
@@ -3272,25 +3442,12 @@
           </a:p>
           <a:p>
             <a:r>
+              <a:rPr lang="fr-FR" b="1" dirty="0"/>
+              <a:t>Ce que j’ai appris :</a:t>
+            </a:r>
+            <a:r>
               <a:rPr lang="fr-FR" dirty="0"/>
-              <a:t>Bilan : Un travail de groupe, avec une gestion efficace des tâches, et l’usage du </a:t>
-            </a:r>
-            <a:r>
-              <a:rPr lang="fr-FR" dirty="0" err="1"/>
-              <a:t>versionning</a:t>
-            </a:r>
-            <a:r>
-              <a:rPr lang="fr-FR" dirty="0"/>
-              <a:t> qui rend la collaboration plus pratique.</a:t>
-            </a:r>
-          </a:p>
-          <a:p>
-            <a:endParaRPr lang="fr-FR" dirty="0"/>
-          </a:p>
-          <a:p>
-            <a:r>
-              <a:rPr lang="fr-FR" dirty="0"/>
-              <a:t>Ce que j’ai appris : Enrichir les connaissances en Java, et découvrir les possibilité qu’offre ce langage en terme de programmation objet.</a:t>
+              <a:t> Enrichir les connaissances en Java, et découvrir les possibilité qu’offre ce langage en terme de programmation objet.</a:t>
             </a:r>
           </a:p>
         </p:txBody>
@@ -3300,6 +3457,18 @@
   <p:clrMapOvr>
     <a:masterClrMapping/>
   </p:clrMapOvr>
+  <mc:AlternateContent xmlns:mc="http://schemas.openxmlformats.org/markup-compatibility/2006">
+    <mc:Choice xmlns:p14="http://schemas.microsoft.com/office/powerpoint/2010/main" Requires="p14">
+      <p:transition spd="med" p14:dur="700">
+        <p:fade/>
+      </p:transition>
+    </mc:Choice>
+    <mc:Fallback>
+      <p:transition spd="med">
+        <p:fade/>
+      </p:transition>
+    </mc:Fallback>
+  </mc:AlternateContent>
 </p:sld>
 </file>
 
@@ -3351,7 +3520,7 @@
           <p:cNvPr id="3" name="ZoneTexte 2">
             <a:extLst>
               <a:ext uri="{FF2B5EF4-FFF2-40B4-BE49-F238E27FC236}">
-                <a16:creationId xmlns:a16="http://schemas.microsoft.com/office/drawing/2014/main" xmlns="" id="{E0DA7BE5-3495-43E0-BC58-01B3106BCE1C}"/>
+                <a16:creationId xmlns:a16="http://schemas.microsoft.com/office/drawing/2014/main" id="{E0DA7BE5-3495-43E0-BC58-01B3106BCE1C}"/>
               </a:ext>
             </a:extLst>
           </p:cNvPr>
@@ -3375,56 +3544,52 @@
           <a:lstStyle/>
           <a:p>
             <a:r>
+              <a:rPr lang="fr-FR" b="1" dirty="0"/>
+              <a:t>Objectif :</a:t>
+            </a:r>
+            <a:r>
               <a:rPr lang="fr-FR" dirty="0"/>
-              <a:t>Objectif </a:t>
-            </a:r>
-            <a:r>
-              <a:rPr lang="fr-FR" dirty="0" smtClean="0"/>
-              <a:t>: Coder l’interface graphique et les boutons pour la connexion entre le code et la base SQL.</a:t>
-            </a:r>
+              <a:t> Coder l’interface graphique et les boutons pour la connexion entre le code et la base SQL.</a:t>
+            </a:r>
+          </a:p>
+          <a:p>
             <a:endParaRPr lang="fr-FR" dirty="0"/>
           </a:p>
           <a:p>
+            <a:r>
+              <a:rPr lang="fr-FR" b="1" dirty="0"/>
+              <a:t>Résultat :</a:t>
+            </a:r>
+            <a:r>
+              <a:rPr lang="fr-FR" dirty="0"/>
+              <a:t> Bon mais améliorable, l’interface fait ce qu’on lui demande et sans aucun problème. Il aurait fallu rendre l’interface plus joli en mettant de la couleur et réussir à faire fonctionner le bouton précédent.</a:t>
+            </a:r>
+          </a:p>
+          <a:p>
             <a:endParaRPr lang="fr-FR" dirty="0"/>
           </a:p>
           <a:p>
             <a:r>
+              <a:rPr lang="fr-FR" b="1" dirty="0"/>
+              <a:t>Bilan :</a:t>
+            </a:r>
+            <a:r>
               <a:rPr lang="fr-FR" dirty="0"/>
-              <a:t>Résultat </a:t>
-            </a:r>
-            <a:r>
-              <a:rPr lang="fr-FR" dirty="0" smtClean="0"/>
-              <a:t>: Bon mais améliorable, l’interface fait ce qu’on lui demande et sans aucun problème. Il aurait fallu rendre l’interface plus joli en mettant de la couleur et réussir à faire fonctionner le bouton précédent.</a:t>
-            </a:r>
+              <a:t> Excellente collaboration avec GIT qui a permis un partage parfait du code sans erreur. Le lien entre l’interface et le code a parfaitement été coder grâce à mon binôme qui a codé exactement en accord avec mon interface.</a:t>
+            </a:r>
+          </a:p>
+          <a:p>
             <a:endParaRPr lang="fr-FR" dirty="0"/>
           </a:p>
           <a:p>
-            <a:endParaRPr lang="fr-FR" dirty="0"/>
-          </a:p>
-          <a:p>
+            <a:r>
+              <a:rPr lang="fr-FR" b="1" dirty="0"/>
+              <a:t>Ce que j’ai appris :</a:t>
+            </a:r>
             <a:r>
               <a:rPr lang="fr-FR" dirty="0"/>
-              <a:t>Bilan </a:t>
-            </a:r>
-            <a:r>
-              <a:rPr lang="fr-FR" dirty="0" smtClean="0"/>
-              <a:t>: Excellente collaboration avec GIT qui a permis un partage parfait du code sans erreur. Le lien entre l’interface et le code a parfaitement été coder grâce à mon binôme qui a codé exactement en accord avec mon interface.</a:t>
-            </a:r>
-            <a:endParaRPr lang="fr-FR" dirty="0"/>
-          </a:p>
-          <a:p>
-            <a:endParaRPr lang="fr-FR" dirty="0"/>
-          </a:p>
-          <a:p>
-            <a:r>
-              <a:rPr lang="fr-FR" dirty="0"/>
-              <a:t>Ce que j’ai appris </a:t>
-            </a:r>
-            <a:r>
-              <a:rPr lang="fr-FR" dirty="0" smtClean="0"/>
-              <a:t>: Ce projet m’a permis d’approfondir mes connaissances en langage objet que je découvre ce semestre et de m’améliorer en conception d’interface sur Java.</a:t>
-            </a:r>
-            <a:endParaRPr lang="fr-FR" dirty="0"/>
+              <a:t> Ce projet m’a permis d’approfondir mes connaissances en langage objet que je découvre ce semestre et de m’améliorer en conception d’interface sur Java.</a:t>
+            </a:r>
           </a:p>
         </p:txBody>
       </p:sp>
@@ -3433,6 +3598,18 @@
   <p:clrMapOvr>
     <a:masterClrMapping/>
   </p:clrMapOvr>
+  <mc:AlternateContent xmlns:mc="http://schemas.openxmlformats.org/markup-compatibility/2006">
+    <mc:Choice xmlns:p14="http://schemas.microsoft.com/office/powerpoint/2010/main" Requires="p14">
+      <p:transition spd="med" p14:dur="700">
+        <p:fade/>
+      </p:transition>
+    </mc:Choice>
+    <mc:Fallback>
+      <p:transition spd="med">
+        <p:fade/>
+      </p:transition>
+    </mc:Fallback>
+  </mc:AlternateContent>
 </p:sld>
 </file>
 
@@ -3484,7 +3661,7 @@
           <p:cNvPr id="3" name="ZoneTexte 2">
             <a:extLst>
               <a:ext uri="{FF2B5EF4-FFF2-40B4-BE49-F238E27FC236}">
-                <a16:creationId xmlns:a16="http://schemas.microsoft.com/office/drawing/2014/main" xmlns="" id="{35B3E0DE-2E5C-452D-A88F-21F4837A7D9A}"/>
+                <a16:creationId xmlns:a16="http://schemas.microsoft.com/office/drawing/2014/main" id="{35B3E0DE-2E5C-452D-A88F-21F4837A7D9A}"/>
               </a:ext>
             </a:extLst>
           </p:cNvPr>
@@ -3546,6 +3723,18 @@
   <p:clrMapOvr>
     <a:masterClrMapping/>
   </p:clrMapOvr>
+  <mc:AlternateContent xmlns:mc="http://schemas.openxmlformats.org/markup-compatibility/2006">
+    <mc:Choice xmlns:p14="http://schemas.microsoft.com/office/powerpoint/2010/main" Requires="p14">
+      <p:transition spd="med" p14:dur="700">
+        <p:fade/>
+      </p:transition>
+    </mc:Choice>
+    <mc:Fallback>
+      <p:transition spd="med">
+        <p:fade/>
+      </p:transition>
+    </mc:Fallback>
+  </mc:AlternateContent>
 </p:sld>
 </file>
 
@@ -3724,13 +3913,8 @@
           <a:p>
             <a:r>
               <a:rPr lang="fr-FR" sz="1600" dirty="0"/>
-              <a:t>Et pour finir : JP </a:t>
-            </a:r>
-            <a:r>
-              <a:rPr lang="fr-FR" sz="1600" dirty="0" err="1"/>
-              <a:t>Segado</a:t>
-            </a:r>
-            <a:endParaRPr lang="fr-FR" sz="1600" dirty="0"/>
+              <a:t>Et pour finir : JP Segado</a:t>
+            </a:r>
           </a:p>
           <a:p>
             <a:endParaRPr lang="fr-FR" sz="1600" dirty="0"/>
@@ -3742,6 +3926,136 @@
   <p:clrMapOvr>
     <a:masterClrMapping/>
   </p:clrMapOvr>
+  <mc:AlternateContent xmlns:mc="http://schemas.openxmlformats.org/markup-compatibility/2006">
+    <mc:Choice xmlns:p14="http://schemas.microsoft.com/office/powerpoint/2010/main" Requires="p14">
+      <p:transition spd="med" p14:dur="700">
+        <p:fade/>
+      </p:transition>
+    </mc:Choice>
+    <mc:Fallback>
+      <p:transition spd="med">
+        <p:fade/>
+      </p:transition>
+    </mc:Fallback>
+  </mc:AlternateContent>
+</p:sld>
+</file>
+
+<file path=ppt/slides/slide14.xml><?xml version="1.0" encoding="utf-8"?>
+<p:sld xmlns:a="http://schemas.openxmlformats.org/drawingml/2006/main" xmlns:r="http://schemas.openxmlformats.org/officeDocument/2006/relationships" xmlns:p="http://schemas.openxmlformats.org/presentationml/2006/main">
+  <p:cSld>
+    <p:spTree>
+      <p:nvGrpSpPr>
+        <p:cNvPr id="1" name=""/>
+        <p:cNvGrpSpPr/>
+        <p:nvPr/>
+      </p:nvGrpSpPr>
+      <p:grpSpPr>
+        <a:xfrm>
+          <a:off x="0" y="0"/>
+          <a:ext cx="0" cy="0"/>
+          <a:chOff x="0" y="0"/>
+          <a:chExt cx="0" cy="0"/>
+        </a:xfrm>
+      </p:grpSpPr>
+      <p:sp>
+        <p:nvSpPr>
+          <p:cNvPr id="2" name="Titre 1">
+            <a:extLst>
+              <a:ext uri="{FF2B5EF4-FFF2-40B4-BE49-F238E27FC236}">
+                <a16:creationId xmlns:a16="http://schemas.microsoft.com/office/drawing/2014/main" id="{F23E5597-9C0E-4EAF-AEA5-20C7E392C561}"/>
+              </a:ext>
+            </a:extLst>
+          </p:cNvPr>
+          <p:cNvSpPr>
+            <a:spLocks noGrp="1"/>
+          </p:cNvSpPr>
+          <p:nvPr>
+            <p:ph type="title"/>
+          </p:nvPr>
+        </p:nvSpPr>
+        <p:spPr/>
+        <p:txBody>
+          <a:bodyPr/>
+          <a:lstStyle/>
+          <a:p>
+            <a:r>
+              <a:rPr lang="fr-FR" b="1" u="sng" dirty="0">
+                <a:solidFill>
+                  <a:srgbClr val="FF0000"/>
+                </a:solidFill>
+              </a:rPr>
+              <a:t>Fin</a:t>
+            </a:r>
+            <a:endParaRPr lang="fr-FR" dirty="0"/>
+          </a:p>
+        </p:txBody>
+      </p:sp>
+      <p:sp>
+        <p:nvSpPr>
+          <p:cNvPr id="3" name="Espace réservé du contenu 2">
+            <a:extLst>
+              <a:ext uri="{FF2B5EF4-FFF2-40B4-BE49-F238E27FC236}">
+                <a16:creationId xmlns:a16="http://schemas.microsoft.com/office/drawing/2014/main" id="{3E0A1B01-74BB-4519-A0CE-95B086F55449}"/>
+              </a:ext>
+            </a:extLst>
+          </p:cNvPr>
+          <p:cNvSpPr>
+            <a:spLocks noGrp="1"/>
+          </p:cNvSpPr>
+          <p:nvPr>
+            <p:ph idx="1"/>
+          </p:nvPr>
+        </p:nvSpPr>
+        <p:spPr/>
+        <p:txBody>
+          <a:bodyPr/>
+          <a:lstStyle/>
+          <a:p>
+            <a:pPr marL="0" indent="0">
+              <a:buNone/>
+            </a:pPr>
+            <a:endParaRPr lang="fr-FR" dirty="0"/>
+          </a:p>
+          <a:p>
+            <a:pPr marL="0" indent="0">
+              <a:buNone/>
+            </a:pPr>
+            <a:endParaRPr lang="fr-FR" dirty="0"/>
+          </a:p>
+          <a:p>
+            <a:pPr marL="0" indent="0" algn="ctr">
+              <a:buNone/>
+            </a:pPr>
+            <a:r>
+              <a:rPr lang="fr-FR" i="1" dirty="0"/>
+              <a:t>Merci de votre attention</a:t>
+            </a:r>
+          </a:p>
+        </p:txBody>
+      </p:sp>
+    </p:spTree>
+    <p:extLst>
+      <p:ext uri="{BB962C8B-B14F-4D97-AF65-F5344CB8AC3E}">
+        <p14:creationId xmlns:p14="http://schemas.microsoft.com/office/powerpoint/2010/main" val="2140033512"/>
+      </p:ext>
+    </p:extLst>
+  </p:cSld>
+  <p:clrMapOvr>
+    <a:masterClrMapping/>
+  </p:clrMapOvr>
+  <mc:AlternateContent xmlns:mc="http://schemas.openxmlformats.org/markup-compatibility/2006">
+    <mc:Choice xmlns:p14="http://schemas.microsoft.com/office/powerpoint/2010/main" Requires="p14">
+      <p:transition spd="med" p14:dur="700">
+        <p:fade/>
+      </p:transition>
+    </mc:Choice>
+    <mc:Fallback>
+      <p:transition spd="med">
+        <p:fade/>
+      </p:transition>
+    </mc:Fallback>
+  </mc:AlternateContent>
 </p:sld>
 </file>
 
@@ -3867,15 +4181,7 @@
             </a:pPr>
             <a:r>
               <a:rPr lang="fr-FR" sz="2400" dirty="0"/>
-              <a:t> </a:t>
-            </a:r>
-            <a:r>
-              <a:rPr lang="fr-FR" sz="2400" dirty="0" err="1"/>
-              <a:t>Versionning</a:t>
-            </a:r>
-            <a:r>
-              <a:rPr lang="fr-FR" sz="2400" dirty="0"/>
-              <a:t> GIT</a:t>
+              <a:t> Versionning GIT</a:t>
             </a:r>
           </a:p>
           <a:p>
@@ -3936,6 +4242,18 @@
   <p:clrMapOvr>
     <a:masterClrMapping/>
   </p:clrMapOvr>
+  <mc:AlternateContent xmlns:mc="http://schemas.openxmlformats.org/markup-compatibility/2006">
+    <mc:Choice xmlns:p14="http://schemas.microsoft.com/office/powerpoint/2010/main" Requires="p14">
+      <p:transition spd="med" p14:dur="700">
+        <p:fade/>
+      </p:transition>
+    </mc:Choice>
+    <mc:Fallback>
+      <p:transition spd="med">
+        <p:fade/>
+      </p:transition>
+    </mc:Fallback>
+  </mc:AlternateContent>
 </p:sld>
 </file>
 
@@ -3987,7 +4305,7 @@
           <p:cNvPr id="4" name="Image 3">
             <a:extLst>
               <a:ext uri="{FF2B5EF4-FFF2-40B4-BE49-F238E27FC236}">
-                <a16:creationId xmlns:a16="http://schemas.microsoft.com/office/drawing/2014/main" xmlns="" id="{285C3EA7-7735-4221-A34E-741A98DFA83C}"/>
+                <a16:creationId xmlns:a16="http://schemas.microsoft.com/office/drawing/2014/main" id="{285C3EA7-7735-4221-A34E-741A98DFA83C}"/>
               </a:ext>
             </a:extLst>
           </p:cNvPr>
@@ -4000,7 +4318,7 @@
           <a:blip r:embed="rId2" cstate="print">
             <a:extLst>
               <a:ext uri="{28A0092B-C50C-407E-A947-70E740481C1C}">
-                <a14:useLocalDpi xmlns:a14="http://schemas.microsoft.com/office/drawing/2010/main" xmlns="" val="0"/>
+                <a14:useLocalDpi xmlns:a14="http://schemas.microsoft.com/office/drawing/2010/main" val="0"/>
               </a:ext>
             </a:extLst>
           </a:blip>
@@ -4023,6 +4341,18 @@
   <p:clrMapOvr>
     <a:masterClrMapping/>
   </p:clrMapOvr>
+  <mc:AlternateContent xmlns:mc="http://schemas.openxmlformats.org/markup-compatibility/2006">
+    <mc:Choice xmlns:p14="http://schemas.microsoft.com/office/powerpoint/2010/main" Requires="p14">
+      <p:transition spd="med" p14:dur="700">
+        <p:fade/>
+      </p:transition>
+    </mc:Choice>
+    <mc:Fallback>
+      <p:transition spd="med">
+        <p:fade/>
+      </p:transition>
+    </mc:Fallback>
+  </mc:AlternateContent>
 </p:sld>
 </file>
 
@@ -4153,12 +4483,8 @@
           <a:lstStyle/>
           <a:p>
             <a:r>
-              <a:rPr lang="fr-FR" dirty="0" err="1"/>
-              <a:t>JLabel</a:t>
-            </a:r>
-            <a:r>
               <a:rPr lang="fr-FR" dirty="0"/>
-              <a:t> permettant d’afficher</a:t>
+              <a:t>JLabel permettant d’afficher</a:t>
             </a:r>
           </a:p>
           <a:p>
@@ -4199,15 +4525,7 @@
           <a:p>
             <a:r>
               <a:rPr lang="fr-FR" dirty="0"/>
-              <a:t>(mis avec </a:t>
-            </a:r>
-            <a:r>
-              <a:rPr lang="fr-FR" dirty="0" err="1"/>
-              <a:t>setTitle</a:t>
-            </a:r>
-            <a:r>
-              <a:rPr lang="fr-FR" dirty="0"/>
-              <a:t>)</a:t>
+              <a:t>(mis avec setTitle)</a:t>
             </a:r>
           </a:p>
         </p:txBody>
@@ -4302,12 +4620,8 @@
           <a:lstStyle/>
           <a:p>
             <a:r>
-              <a:rPr lang="fr-FR" dirty="0" err="1"/>
-              <a:t>Jbutton</a:t>
-            </a:r>
-            <a:r>
               <a:rPr lang="fr-FR" dirty="0"/>
-              <a:t> pour</a:t>
+              <a:t>Jbutton pour</a:t>
             </a:r>
           </a:p>
           <a:p>
@@ -4453,29 +4767,8 @@
           <a:p>
             <a:r>
               <a:rPr lang="fr-FR" dirty="0"/>
-              <a:t>Mise en page avec </a:t>
-            </a:r>
-            <a:r>
-              <a:rPr lang="fr-FR" dirty="0" err="1"/>
-              <a:t>FlowLayout</a:t>
-            </a:r>
-            <a:r>
-              <a:rPr lang="fr-FR" dirty="0"/>
-              <a:t> et </a:t>
-            </a:r>
-            <a:r>
-              <a:rPr lang="fr-FR" dirty="0" err="1"/>
-              <a:t>setHgap</a:t>
-            </a:r>
-            <a:r>
-              <a:rPr lang="fr-FR" dirty="0"/>
-              <a:t>/</a:t>
-            </a:r>
-            <a:r>
-              <a:rPr lang="fr-FR" dirty="0" err="1"/>
-              <a:t>setVgap</a:t>
-            </a:r>
-            <a:endParaRPr lang="fr-FR" dirty="0"/>
+              <a:t>Mise en page avec FlowLayout et setHgap/setVgap</a:t>
+            </a:r>
           </a:p>
           <a:p>
             <a:r>
@@ -4490,6 +4783,18 @@
   <p:clrMapOvr>
     <a:masterClrMapping/>
   </p:clrMapOvr>
+  <mc:AlternateContent xmlns:mc="http://schemas.openxmlformats.org/markup-compatibility/2006">
+    <mc:Choice xmlns:p14="http://schemas.microsoft.com/office/powerpoint/2010/main" Requires="p14">
+      <p:transition spd="med" p14:dur="700">
+        <p:fade/>
+      </p:transition>
+    </mc:Choice>
+    <mc:Fallback>
+      <p:transition spd="med">
+        <p:fade/>
+      </p:transition>
+    </mc:Fallback>
+  </mc:AlternateContent>
 </p:sld>
 </file>
 
@@ -4527,7 +4832,7 @@
         </p:blipFill>
         <p:spPr bwMode="auto">
           <a:xfrm>
-            <a:off x="323528" y="260648"/>
+            <a:off x="35496" y="476672"/>
             <a:ext cx="4284476" cy="3672408"/>
           </a:xfrm>
           <a:prstGeom prst="rect">
@@ -4553,7 +4858,7 @@
         </p:blipFill>
         <p:spPr bwMode="auto">
           <a:xfrm>
-            <a:off x="5197882" y="188640"/>
+            <a:off x="4795185" y="286291"/>
             <a:ext cx="3946118" cy="4725144"/>
           </a:xfrm>
           <a:prstGeom prst="rect">
@@ -4576,7 +4881,7 @@
         </p:nvSpPr>
         <p:spPr>
           <a:xfrm>
-            <a:off x="4067944" y="620688"/>
+            <a:off x="3779912" y="836712"/>
             <a:ext cx="1871731" cy="646331"/>
           </a:xfrm>
           <a:prstGeom prst="rect">
@@ -4598,15 +4903,7 @@
           <a:p>
             <a:r>
               <a:rPr lang="fr-FR" dirty="0"/>
-              <a:t>(mis avec </a:t>
-            </a:r>
-            <a:r>
-              <a:rPr lang="fr-FR" dirty="0" err="1"/>
-              <a:t>setTitle</a:t>
-            </a:r>
-            <a:r>
-              <a:rPr lang="fr-FR" dirty="0"/>
-              <a:t>)</a:t>
+              <a:t>(mis avec setTitle)</a:t>
             </a:r>
           </a:p>
         </p:txBody>
@@ -4621,7 +4918,7 @@
         </p:nvCxnSpPr>
         <p:spPr>
           <a:xfrm flipH="1" flipV="1">
-            <a:off x="2771800" y="332656"/>
+            <a:off x="2483768" y="548680"/>
             <a:ext cx="1296144" cy="611198"/>
           </a:xfrm>
           <a:prstGeom prst="straightConnector1">
@@ -4656,7 +4953,7 @@
         </p:nvCxnSpPr>
         <p:spPr>
           <a:xfrm flipH="1" flipV="1">
-            <a:off x="1979712" y="1268760"/>
+            <a:off x="1691680" y="1484784"/>
             <a:ext cx="2349270" cy="2880320"/>
           </a:xfrm>
           <a:prstGeom prst="straightConnector1">
@@ -4691,7 +4988,7 @@
         </p:nvCxnSpPr>
         <p:spPr>
           <a:xfrm flipH="1" flipV="1">
-            <a:off x="2555776" y="2204864"/>
+            <a:off x="2267744" y="2420888"/>
             <a:ext cx="1773206" cy="1944216"/>
           </a:xfrm>
           <a:prstGeom prst="straightConnector1">
@@ -4724,7 +5021,7 @@
         </p:nvSpPr>
         <p:spPr>
           <a:xfrm>
-            <a:off x="2267744" y="4149080"/>
+            <a:off x="1979712" y="4365104"/>
             <a:ext cx="4122475" cy="369332"/>
           </a:xfrm>
           <a:prstGeom prst="rect">
@@ -4739,12 +5036,8 @@
           <a:lstStyle/>
           <a:p>
             <a:r>
-              <a:rPr lang="fr-FR" dirty="0" err="1"/>
-              <a:t>JTextField</a:t>
-            </a:r>
-            <a:r>
               <a:rPr lang="fr-FR" dirty="0"/>
-              <a:t> pour récupérer les informations</a:t>
+              <a:t>JTextField pour récupérer les informations</a:t>
             </a:r>
           </a:p>
         </p:txBody>
@@ -4759,7 +5052,7 @@
         </p:nvCxnSpPr>
         <p:spPr>
           <a:xfrm flipV="1">
-            <a:off x="4328982" y="1628800"/>
+            <a:off x="4040950" y="1844824"/>
             <a:ext cx="2475266" cy="2520280"/>
           </a:xfrm>
           <a:prstGeom prst="straightConnector1">
@@ -4794,7 +5087,7 @@
         </p:nvCxnSpPr>
         <p:spPr>
           <a:xfrm flipV="1">
-            <a:off x="4328982" y="2276872"/>
+            <a:off x="4040950" y="2492896"/>
             <a:ext cx="2547274" cy="1872208"/>
           </a:xfrm>
           <a:prstGeom prst="straightConnector1">
@@ -4827,7 +5120,7 @@
         </p:nvSpPr>
         <p:spPr>
           <a:xfrm>
-            <a:off x="3419872" y="1412776"/>
+            <a:off x="3131840" y="1628800"/>
             <a:ext cx="2964273" cy="646331"/>
           </a:xfrm>
           <a:prstGeom prst="rect">
@@ -4836,18 +5129,14 @@
           <a:noFill/>
         </p:spPr>
         <p:txBody>
-          <a:bodyPr wrap="none" rtlCol="0">
+          <a:bodyPr wrap="square" rtlCol="0">
             <a:spAutoFit/>
           </a:bodyPr>
           <a:lstStyle/>
           <a:p>
             <a:r>
-              <a:rPr lang="fr-FR" dirty="0" err="1"/>
-              <a:t>JLabel</a:t>
-            </a:r>
-            <a:r>
               <a:rPr lang="fr-FR" dirty="0"/>
-              <a:t> permettant d’afficher</a:t>
+              <a:t>JLabel permettant d’afficher</a:t>
             </a:r>
           </a:p>
           <a:p>
@@ -4862,13 +5151,14 @@
         <p:nvCxnSpPr>
           <p:cNvPr id="24" name="Connecteur droit avec flèche 23"/>
           <p:cNvCxnSpPr>
+            <a:cxnSpLocks/>
             <a:stCxn id="22" idx="1"/>
           </p:cNvCxnSpPr>
           <p:nvPr/>
         </p:nvCxnSpPr>
         <p:spPr>
           <a:xfrm flipH="1" flipV="1">
-            <a:off x="2843808" y="980728"/>
+            <a:off x="2555776" y="1196752"/>
             <a:ext cx="576064" cy="755214"/>
           </a:xfrm>
           <a:prstGeom prst="straightConnector1">
@@ -4897,13 +5187,14 @@
         <p:nvCxnSpPr>
           <p:cNvPr id="26" name="Connecteur droit avec flèche 25"/>
           <p:cNvCxnSpPr>
+            <a:cxnSpLocks/>
             <a:stCxn id="22" idx="1"/>
           </p:cNvCxnSpPr>
           <p:nvPr/>
         </p:nvCxnSpPr>
         <p:spPr>
           <a:xfrm flipH="1">
-            <a:off x="2699792" y="1735942"/>
+            <a:off x="2411760" y="1951966"/>
             <a:ext cx="720080" cy="108882"/>
           </a:xfrm>
           <a:prstGeom prst="straightConnector1">
@@ -4932,13 +5223,14 @@
         <p:nvCxnSpPr>
           <p:cNvPr id="29" name="Connecteur droit avec flèche 28"/>
           <p:cNvCxnSpPr>
+            <a:cxnSpLocks/>
             <a:stCxn id="22" idx="3"/>
           </p:cNvCxnSpPr>
           <p:nvPr/>
         </p:nvCxnSpPr>
         <p:spPr>
           <a:xfrm flipV="1">
-            <a:off x="6384145" y="1340768"/>
+            <a:off x="6096113" y="1556792"/>
             <a:ext cx="492111" cy="395174"/>
           </a:xfrm>
           <a:prstGeom prst="straightConnector1">
@@ -4967,14 +5259,15 @@
         <p:nvCxnSpPr>
           <p:cNvPr id="31" name="Connecteur droit avec flèche 30"/>
           <p:cNvCxnSpPr>
+            <a:cxnSpLocks/>
             <a:stCxn id="22" idx="3"/>
           </p:cNvCxnSpPr>
           <p:nvPr/>
         </p:nvCxnSpPr>
         <p:spPr>
           <a:xfrm>
-            <a:off x="6384145" y="1735942"/>
-            <a:ext cx="996167" cy="252898"/>
+            <a:off x="6096113" y="1951966"/>
+            <a:ext cx="852151" cy="72007"/>
           </a:xfrm>
           <a:prstGeom prst="straightConnector1">
             <a:avLst/>
@@ -5006,7 +5299,7 @@
         </p:nvSpPr>
         <p:spPr>
           <a:xfrm>
-            <a:off x="6302325" y="4149080"/>
+            <a:off x="6207922" y="4257962"/>
             <a:ext cx="2841675" cy="646331"/>
           </a:xfrm>
           <a:prstGeom prst="rect">
@@ -5037,13 +5330,13 @@
         <p:nvCxnSpPr>
           <p:cNvPr id="34" name="Connecteur droit avec flèche 33"/>
           <p:cNvCxnSpPr>
-            <a:stCxn id="32" idx="0"/>
+            <a:cxnSpLocks/>
           </p:cNvCxnSpPr>
           <p:nvPr/>
         </p:nvCxnSpPr>
         <p:spPr>
           <a:xfrm flipH="1" flipV="1">
-            <a:off x="6516216" y="2924944"/>
+            <a:off x="6228184" y="3140968"/>
             <a:ext cx="1206947" cy="1224136"/>
           </a:xfrm>
           <a:prstGeom prst="straightConnector1">
@@ -5072,13 +5365,13 @@
         <p:nvCxnSpPr>
           <p:cNvPr id="36" name="Connecteur droit avec flèche 35"/>
           <p:cNvCxnSpPr>
-            <a:stCxn id="32" idx="0"/>
+            <a:cxnSpLocks/>
           </p:cNvCxnSpPr>
           <p:nvPr/>
         </p:nvCxnSpPr>
         <p:spPr>
           <a:xfrm flipV="1">
-            <a:off x="7723163" y="2852936"/>
+            <a:off x="7435131" y="3068960"/>
             <a:ext cx="305221" cy="1296144"/>
           </a:xfrm>
           <a:prstGeom prst="straightConnector1">
@@ -5107,13 +5400,13 @@
         <p:nvCxnSpPr>
           <p:cNvPr id="38" name="Connecteur droit avec flèche 37"/>
           <p:cNvCxnSpPr>
-            <a:stCxn id="32" idx="0"/>
+            <a:cxnSpLocks/>
           </p:cNvCxnSpPr>
           <p:nvPr/>
         </p:nvCxnSpPr>
         <p:spPr>
           <a:xfrm flipH="1" flipV="1">
-            <a:off x="7452320" y="3429000"/>
+            <a:off x="7164288" y="3645024"/>
             <a:ext cx="270843" cy="720080"/>
           </a:xfrm>
           <a:prstGeom prst="straightConnector1">
@@ -5143,6 +5436,18 @@
   <p:clrMapOvr>
     <a:masterClrMapping/>
   </p:clrMapOvr>
+  <mc:AlternateContent xmlns:mc="http://schemas.openxmlformats.org/markup-compatibility/2006">
+    <mc:Choice xmlns:p14="http://schemas.microsoft.com/office/powerpoint/2010/main" Requires="p14">
+      <p:transition spd="med" p14:dur="700">
+        <p:fade/>
+      </p:transition>
+    </mc:Choice>
+    <mc:Fallback>
+      <p:transition spd="med">
+        <p:fade/>
+      </p:transition>
+    </mc:Fallback>
+  </mc:AlternateContent>
 </p:sld>
 </file>
 
@@ -5263,7 +5568,7 @@
           <a:lstStyle/>
           <a:p>
             <a:pPr algn="ctr"/>
-            <a:endParaRPr lang="fr-FR"/>
+            <a:endParaRPr lang="fr-FR" dirty="0"/>
           </a:p>
         </p:txBody>
       </p:sp>
@@ -5290,20 +5595,15 @@
           <a:lstStyle/>
           <a:p>
             <a:r>
-              <a:rPr lang="fr-FR" dirty="0" err="1" smtClean="0"/>
-              <a:t>JComboBox</a:t>
-            </a:r>
-            <a:r>
-              <a:rPr lang="fr-FR" dirty="0" smtClean="0"/>
-              <a:t> permettant de </a:t>
-            </a:r>
-          </a:p>
-          <a:p>
-            <a:r>
-              <a:rPr lang="fr-FR" dirty="0" smtClean="0"/>
+              <a:rPr lang="fr-FR" dirty="0"/>
+              <a:t>JComboBox permettant de </a:t>
+            </a:r>
+          </a:p>
+          <a:p>
+            <a:r>
+              <a:rPr lang="fr-FR" dirty="0"/>
               <a:t>faire des choix</a:t>
             </a:r>
-            <a:endParaRPr lang="fr-FR" dirty="0"/>
           </a:p>
         </p:txBody>
       </p:sp>
@@ -5330,16 +5630,15 @@
           <a:lstStyle/>
           <a:p>
             <a:r>
-              <a:rPr lang="fr-FR" dirty="0" smtClean="0"/>
+              <a:rPr lang="fr-FR" dirty="0"/>
               <a:t>Zone de Texte pour ajouter des </a:t>
             </a:r>
           </a:p>
           <a:p>
             <a:r>
-              <a:rPr lang="fr-FR" dirty="0" smtClean="0"/>
+              <a:rPr lang="fr-FR" dirty="0"/>
               <a:t>informations dans une table</a:t>
             </a:r>
-            <a:endParaRPr lang="fr-FR" dirty="0"/>
           </a:p>
         </p:txBody>
       </p:sp>
@@ -5523,6 +5822,18 @@
   <p:clrMapOvr>
     <a:masterClrMapping/>
   </p:clrMapOvr>
+  <mc:AlternateContent xmlns:mc="http://schemas.openxmlformats.org/markup-compatibility/2006">
+    <mc:Choice xmlns:p14="http://schemas.microsoft.com/office/powerpoint/2010/main" Requires="p14">
+      <p:transition spd="med" p14:dur="700">
+        <p:fade/>
+      </p:transition>
+    </mc:Choice>
+    <mc:Fallback>
+      <p:transition spd="med">
+        <p:fade/>
+      </p:transition>
+    </mc:Fallback>
+  </mc:AlternateContent>
 </p:sld>
 </file>
 
@@ -5643,7 +5954,7 @@
           <a:lstStyle/>
           <a:p>
             <a:pPr algn="ctr"/>
-            <a:endParaRPr lang="fr-FR"/>
+            <a:endParaRPr lang="fr-FR" dirty="0"/>
           </a:p>
         </p:txBody>
       </p:sp>
@@ -5670,20 +5981,15 @@
           <a:lstStyle/>
           <a:p>
             <a:r>
-              <a:rPr lang="fr-FR" dirty="0" err="1" smtClean="0"/>
-              <a:t>JComboBox</a:t>
-            </a:r>
-            <a:r>
-              <a:rPr lang="fr-FR" dirty="0" smtClean="0"/>
-              <a:t> permettant de </a:t>
-            </a:r>
-          </a:p>
-          <a:p>
-            <a:r>
-              <a:rPr lang="fr-FR" dirty="0" smtClean="0"/>
+              <a:rPr lang="fr-FR" dirty="0"/>
+              <a:t>JComboBox permettant de </a:t>
+            </a:r>
+          </a:p>
+          <a:p>
+            <a:r>
+              <a:rPr lang="fr-FR" dirty="0"/>
               <a:t>faire des choix</a:t>
             </a:r>
-            <a:endParaRPr lang="fr-FR" dirty="0"/>
           </a:p>
         </p:txBody>
       </p:sp>
@@ -5778,36 +6084,15 @@
           <a:lstStyle/>
           <a:p>
             <a:r>
-              <a:rPr lang="fr-FR" dirty="0" err="1" smtClean="0"/>
-              <a:t>JFreeChart</a:t>
-            </a:r>
-            <a:r>
-              <a:rPr lang="fr-FR" dirty="0" smtClean="0"/>
-              <a:t> pour afficher le diagramme</a:t>
-            </a:r>
-          </a:p>
-          <a:p>
-            <a:r>
-              <a:rPr lang="fr-FR" dirty="0" smtClean="0"/>
-              <a:t> (aide avec le </a:t>
-            </a:r>
-            <a:r>
-              <a:rPr lang="fr-FR" dirty="0" err="1" smtClean="0"/>
-              <a:t>pdf</a:t>
-            </a:r>
-            <a:r>
-              <a:rPr lang="fr-FR" dirty="0" smtClean="0"/>
-              <a:t> sur </a:t>
-            </a:r>
-            <a:r>
-              <a:rPr lang="fr-FR" dirty="0" err="1" smtClean="0"/>
-              <a:t>JFreeChart</a:t>
-            </a:r>
-            <a:r>
-              <a:rPr lang="fr-FR" dirty="0" smtClean="0"/>
-              <a:t>)</a:t>
-            </a:r>
-            <a:endParaRPr lang="fr-FR" dirty="0"/>
+              <a:rPr lang="fr-FR" dirty="0"/>
+              <a:t>JFreeChart pour afficher le diagramme</a:t>
+            </a:r>
+          </a:p>
+          <a:p>
+            <a:r>
+              <a:rPr lang="fr-FR" dirty="0"/>
+              <a:t> (aide avec le pdf sur JFreeChart)</a:t>
+            </a:r>
           </a:p>
         </p:txBody>
       </p:sp>
@@ -5816,6 +6101,18 @@
   <p:clrMapOvr>
     <a:masterClrMapping/>
   </p:clrMapOvr>
+  <mc:AlternateContent xmlns:mc="http://schemas.openxmlformats.org/markup-compatibility/2006">
+    <mc:Choice xmlns:p14="http://schemas.microsoft.com/office/powerpoint/2010/main" Requires="p14">
+      <p:transition spd="med" p14:dur="700">
+        <p:fade/>
+      </p:transition>
+    </mc:Choice>
+    <mc:Fallback>
+      <p:transition spd="med">
+        <p:fade/>
+      </p:transition>
+    </mc:Fallback>
+  </mc:AlternateContent>
 </p:sld>
 </file>
 
@@ -5852,20 +6149,12 @@
           <a:lstStyle/>
           <a:p>
             <a:r>
-              <a:rPr lang="fr-FR" b="1" u="sng" dirty="0" err="1">
-                <a:solidFill>
-                  <a:srgbClr val="FF0000"/>
-                </a:solidFill>
-              </a:rPr>
-              <a:t>Versionning</a:t>
-            </a:r>
-            <a:r>
               <a:rPr lang="fr-FR" b="1" u="sng" dirty="0">
                 <a:solidFill>
                   <a:srgbClr val="FF0000"/>
                 </a:solidFill>
               </a:rPr>
-              <a:t> GIT</a:t>
+              <a:t>Versionning GIT</a:t>
             </a:r>
           </a:p>
         </p:txBody>
@@ -5875,7 +6164,7 @@
           <p:cNvPr id="4" name="Image 3">
             <a:extLst>
               <a:ext uri="{FF2B5EF4-FFF2-40B4-BE49-F238E27FC236}">
-                <a16:creationId xmlns:a16="http://schemas.microsoft.com/office/drawing/2014/main" xmlns="" id="{42FD4A78-32F5-4424-85FF-3616C6DB456D}"/>
+                <a16:creationId xmlns:a16="http://schemas.microsoft.com/office/drawing/2014/main" id="{42FD4A78-32F5-4424-85FF-3616C6DB456D}"/>
               </a:ext>
             </a:extLst>
           </p:cNvPr>
@@ -5905,7 +6194,7 @@
           <p:cNvPr id="5" name="Rectangle 4">
             <a:extLst>
               <a:ext uri="{FF2B5EF4-FFF2-40B4-BE49-F238E27FC236}">
-                <a16:creationId xmlns:a16="http://schemas.microsoft.com/office/drawing/2014/main" xmlns="" id="{E9CDEC9F-7164-4F20-96F4-3BAC1FB7894E}"/>
+                <a16:creationId xmlns:a16="http://schemas.microsoft.com/office/drawing/2014/main" id="{E9CDEC9F-7164-4F20-96F4-3BAC1FB7894E}"/>
               </a:ext>
             </a:extLst>
           </p:cNvPr>
@@ -5943,6 +6232,18 @@
   <p:clrMapOvr>
     <a:masterClrMapping/>
   </p:clrMapOvr>
+  <mc:AlternateContent xmlns:mc="http://schemas.openxmlformats.org/markup-compatibility/2006">
+    <mc:Choice xmlns:p14="http://schemas.microsoft.com/office/powerpoint/2010/main" Requires="p14">
+      <p:transition spd="med" p14:dur="700">
+        <p:fade/>
+      </p:transition>
+    </mc:Choice>
+    <mc:Fallback>
+      <p:transition spd="med">
+        <p:fade/>
+      </p:transition>
+    </mc:Fallback>
+  </mc:AlternateContent>
 </p:sld>
 </file>
 
@@ -5968,7 +6269,7 @@
           <p:cNvPr id="2" name="Titre 1">
             <a:extLst>
               <a:ext uri="{FF2B5EF4-FFF2-40B4-BE49-F238E27FC236}">
-                <a16:creationId xmlns:a16="http://schemas.microsoft.com/office/drawing/2014/main" xmlns="" id="{64D63C0B-4141-45DB-BDB2-5E0B46C21B91}"/>
+                <a16:creationId xmlns:a16="http://schemas.microsoft.com/office/drawing/2014/main" id="{64D63C0B-4141-45DB-BDB2-5E0B46C21B91}"/>
               </a:ext>
             </a:extLst>
           </p:cNvPr>
@@ -6001,7 +6302,7 @@
           <p:cNvPr id="4" name="Image 3">
             <a:extLst>
               <a:ext uri="{FF2B5EF4-FFF2-40B4-BE49-F238E27FC236}">
-                <a16:creationId xmlns:a16="http://schemas.microsoft.com/office/drawing/2014/main" xmlns="" id="{F08B8B61-D49C-4A8D-8F09-4A54EDE4B54E}"/>
+                <a16:creationId xmlns:a16="http://schemas.microsoft.com/office/drawing/2014/main" id="{F08B8B61-D49C-4A8D-8F09-4A54EDE4B54E}"/>
               </a:ext>
             </a:extLst>
           </p:cNvPr>
@@ -6031,7 +6332,7 @@
           <p:cNvPr id="5" name="Rectangle 4">
             <a:extLst>
               <a:ext uri="{FF2B5EF4-FFF2-40B4-BE49-F238E27FC236}">
-                <a16:creationId xmlns:a16="http://schemas.microsoft.com/office/drawing/2014/main" xmlns="" id="{85BD0C61-8654-4AC1-B4DA-6A1B545D0963}"/>
+                <a16:creationId xmlns:a16="http://schemas.microsoft.com/office/drawing/2014/main" id="{85BD0C61-8654-4AC1-B4DA-6A1B545D0963}"/>
               </a:ext>
             </a:extLst>
           </p:cNvPr>
@@ -6074,15 +6375,7 @@
           <a:p>
             <a:r>
               <a:rPr lang="fr-FR" dirty="0"/>
-              <a:t> - </a:t>
-            </a:r>
-            <a:r>
-              <a:rPr lang="fr-FR" dirty="0" err="1"/>
-              <a:t>Rinjard</a:t>
-            </a:r>
-            <a:r>
-              <a:rPr lang="fr-FR" dirty="0"/>
-              <a:t> Yann : </a:t>
+              <a:t> - Rinjard Yann : </a:t>
             </a:r>
             <a:r>
               <a:rPr lang="fr-FR" i="1" dirty="0"/>
@@ -6094,13 +6387,25 @@
     </p:spTree>
     <p:extLst>
       <p:ext uri="{BB962C8B-B14F-4D97-AF65-F5344CB8AC3E}">
-        <p14:creationId xmlns:p14="http://schemas.microsoft.com/office/powerpoint/2010/main" xmlns="" val="3063730933"/>
+        <p14:creationId xmlns:p14="http://schemas.microsoft.com/office/powerpoint/2010/main" val="3063730933"/>
       </p:ext>
     </p:extLst>
   </p:cSld>
   <p:clrMapOvr>
     <a:masterClrMapping/>
   </p:clrMapOvr>
+  <mc:AlternateContent xmlns:mc="http://schemas.openxmlformats.org/markup-compatibility/2006">
+    <mc:Choice xmlns:p14="http://schemas.microsoft.com/office/powerpoint/2010/main" Requires="p14">
+      <p:transition spd="med" p14:dur="700">
+        <p:fade/>
+      </p:transition>
+    </mc:Choice>
+    <mc:Fallback>
+      <p:transition spd="med">
+        <p:fade/>
+      </p:transition>
+    </mc:Fallback>
+  </mc:AlternateContent>
 </p:sld>
 </file>
 

--- a/PROJET POO Java/Projet_Java_TAN_RINJARD.pptx
+++ b/PROJET POO Java/Projet_Java_TAN_RINJARD.pptx
@@ -119,7 +119,7 @@
   </p:defaultTextStyle>
   <p:extLst>
     <p:ext uri="{EFAFB233-063F-42B5-8137-9DF3F51BA10A}">
-      <p15:sldGuideLst xmlns:p15="http://schemas.microsoft.com/office/powerpoint/2012/main">
+      <p15:sldGuideLst xmlns:p15="http://schemas.microsoft.com/office/powerpoint/2012/main" xmlns="">
         <p15:guide id="1" orient="horz" pos="2160">
           <p15:clr>
             <a:srgbClr val="A4A3A4"/>
@@ -371,7 +371,7 @@
     <a:masterClrMapping/>
   </p:clrMapOvr>
   <mc:AlternateContent xmlns:mc="http://schemas.openxmlformats.org/markup-compatibility/2006">
-    <mc:Choice xmlns:p14="http://schemas.microsoft.com/office/powerpoint/2010/main" Requires="p14">
+    <mc:Choice xmlns:p14="http://schemas.microsoft.com/office/powerpoint/2010/main" xmlns="" Requires="p14">
       <p:transition spd="med" p14:dur="700">
         <p:fade/>
       </p:transition>
@@ -548,7 +548,7 @@
     <a:masterClrMapping/>
   </p:clrMapOvr>
   <mc:AlternateContent xmlns:mc="http://schemas.openxmlformats.org/markup-compatibility/2006">
-    <mc:Choice xmlns:p14="http://schemas.microsoft.com/office/powerpoint/2010/main" Requires="p14">
+    <mc:Choice xmlns:p14="http://schemas.microsoft.com/office/powerpoint/2010/main" xmlns="" Requires="p14">
       <p:transition spd="med" p14:dur="700">
         <p:fade/>
       </p:transition>
@@ -735,7 +735,7 @@
     <a:masterClrMapping/>
   </p:clrMapOvr>
   <mc:AlternateContent xmlns:mc="http://schemas.openxmlformats.org/markup-compatibility/2006">
-    <mc:Choice xmlns:p14="http://schemas.microsoft.com/office/powerpoint/2010/main" Requires="p14">
+    <mc:Choice xmlns:p14="http://schemas.microsoft.com/office/powerpoint/2010/main" xmlns="" Requires="p14">
       <p:transition spd="med" p14:dur="700">
         <p:fade/>
       </p:transition>
@@ -912,7 +912,7 @@
     <a:masterClrMapping/>
   </p:clrMapOvr>
   <mc:AlternateContent xmlns:mc="http://schemas.openxmlformats.org/markup-compatibility/2006">
-    <mc:Choice xmlns:p14="http://schemas.microsoft.com/office/powerpoint/2010/main" Requires="p14">
+    <mc:Choice xmlns:p14="http://schemas.microsoft.com/office/powerpoint/2010/main" xmlns="" Requires="p14">
       <p:transition spd="med" p14:dur="700">
         <p:fade/>
       </p:transition>
@@ -1166,7 +1166,7 @@
     <a:masterClrMapping/>
   </p:clrMapOvr>
   <mc:AlternateContent xmlns:mc="http://schemas.openxmlformats.org/markup-compatibility/2006">
-    <mc:Choice xmlns:p14="http://schemas.microsoft.com/office/powerpoint/2010/main" Requires="p14">
+    <mc:Choice xmlns:p14="http://schemas.microsoft.com/office/powerpoint/2010/main" xmlns="" Requires="p14">
       <p:transition spd="med" p14:dur="700">
         <p:fade/>
       </p:transition>
@@ -1460,7 +1460,7 @@
     <a:masterClrMapping/>
   </p:clrMapOvr>
   <mc:AlternateContent xmlns:mc="http://schemas.openxmlformats.org/markup-compatibility/2006">
-    <mc:Choice xmlns:p14="http://schemas.microsoft.com/office/powerpoint/2010/main" Requires="p14">
+    <mc:Choice xmlns:p14="http://schemas.microsoft.com/office/powerpoint/2010/main" xmlns="" Requires="p14">
       <p:transition spd="med" p14:dur="700">
         <p:fade/>
       </p:transition>
@@ -1888,7 +1888,7 @@
     <a:masterClrMapping/>
   </p:clrMapOvr>
   <mc:AlternateContent xmlns:mc="http://schemas.openxmlformats.org/markup-compatibility/2006">
-    <mc:Choice xmlns:p14="http://schemas.microsoft.com/office/powerpoint/2010/main" Requires="p14">
+    <mc:Choice xmlns:p14="http://schemas.microsoft.com/office/powerpoint/2010/main" xmlns="" Requires="p14">
       <p:transition spd="med" p14:dur="700">
         <p:fade/>
       </p:transition>
@@ -2014,7 +2014,7 @@
     <a:masterClrMapping/>
   </p:clrMapOvr>
   <mc:AlternateContent xmlns:mc="http://schemas.openxmlformats.org/markup-compatibility/2006">
-    <mc:Choice xmlns:p14="http://schemas.microsoft.com/office/powerpoint/2010/main" Requires="p14">
+    <mc:Choice xmlns:p14="http://schemas.microsoft.com/office/powerpoint/2010/main" xmlns="" Requires="p14">
       <p:transition spd="med" p14:dur="700">
         <p:fade/>
       </p:transition>
@@ -2118,7 +2118,7 @@
     <a:masterClrMapping/>
   </p:clrMapOvr>
   <mc:AlternateContent xmlns:mc="http://schemas.openxmlformats.org/markup-compatibility/2006">
-    <mc:Choice xmlns:p14="http://schemas.microsoft.com/office/powerpoint/2010/main" Requires="p14">
+    <mc:Choice xmlns:p14="http://schemas.microsoft.com/office/powerpoint/2010/main" xmlns="" Requires="p14">
       <p:transition spd="med" p14:dur="700">
         <p:fade/>
       </p:transition>
@@ -2402,7 +2402,7 @@
     <a:masterClrMapping/>
   </p:clrMapOvr>
   <mc:AlternateContent xmlns:mc="http://schemas.openxmlformats.org/markup-compatibility/2006">
-    <mc:Choice xmlns:p14="http://schemas.microsoft.com/office/powerpoint/2010/main" Requires="p14">
+    <mc:Choice xmlns:p14="http://schemas.microsoft.com/office/powerpoint/2010/main" xmlns="" Requires="p14">
       <p:transition spd="med" p14:dur="700">
         <p:fade/>
       </p:transition>
@@ -2663,7 +2663,7 @@
     <a:masterClrMapping/>
   </p:clrMapOvr>
   <mc:AlternateContent xmlns:mc="http://schemas.openxmlformats.org/markup-compatibility/2006">
-    <mc:Choice xmlns:p14="http://schemas.microsoft.com/office/powerpoint/2010/main" Requires="p14">
+    <mc:Choice xmlns:p14="http://schemas.microsoft.com/office/powerpoint/2010/main" xmlns="" Requires="p14">
       <p:transition spd="med" p14:dur="700">
         <p:fade/>
       </p:transition>
@@ -2930,7 +2930,7 @@
     <p:sldLayoutId id="2147483659" r:id="rId11"/>
   </p:sldLayoutIdLst>
   <mc:AlternateContent xmlns:mc="http://schemas.openxmlformats.org/markup-compatibility/2006">
-    <mc:Choice xmlns:p14="http://schemas.microsoft.com/office/powerpoint/2010/main" Requires="p14">
+    <mc:Choice xmlns:p14="http://schemas.microsoft.com/office/powerpoint/2010/main" xmlns="" Requires="p14">
       <p:transition spd="med" p14:dur="700">
         <p:fade/>
       </p:transition>
@@ -3317,7 +3317,7 @@
     <a:masterClrMapping/>
   </p:clrMapOvr>
   <mc:AlternateContent xmlns:mc="http://schemas.openxmlformats.org/markup-compatibility/2006">
-    <mc:Choice xmlns:p14="http://schemas.microsoft.com/office/powerpoint/2010/main" Requires="p14">
+    <mc:Choice xmlns:p14="http://schemas.microsoft.com/office/powerpoint/2010/main" xmlns="" Requires="p14">
       <p:transition spd="med" p14:dur="700">
         <p:fade/>
       </p:transition>
@@ -3379,7 +3379,7 @@
           <p:cNvPr id="3" name="ZoneTexte 2">
             <a:extLst>
               <a:ext uri="{FF2B5EF4-FFF2-40B4-BE49-F238E27FC236}">
-                <a16:creationId xmlns:a16="http://schemas.microsoft.com/office/drawing/2014/main" id="{E0DA7BE5-3495-43E0-BC58-01B3106BCE1C}"/>
+                <a16:creationId xmlns:a16="http://schemas.microsoft.com/office/drawing/2014/main" xmlns="" id="{E0DA7BE5-3495-43E0-BC58-01B3106BCE1C}"/>
               </a:ext>
             </a:extLst>
           </p:cNvPr>
@@ -3458,7 +3458,7 @@
     <a:masterClrMapping/>
   </p:clrMapOvr>
   <mc:AlternateContent xmlns:mc="http://schemas.openxmlformats.org/markup-compatibility/2006">
-    <mc:Choice xmlns:p14="http://schemas.microsoft.com/office/powerpoint/2010/main" Requires="p14">
+    <mc:Choice xmlns:p14="http://schemas.microsoft.com/office/powerpoint/2010/main" xmlns="" Requires="p14">
       <p:transition spd="med" p14:dur="700">
         <p:fade/>
       </p:transition>
@@ -3520,7 +3520,7 @@
           <p:cNvPr id="3" name="ZoneTexte 2">
             <a:extLst>
               <a:ext uri="{FF2B5EF4-FFF2-40B4-BE49-F238E27FC236}">
-                <a16:creationId xmlns:a16="http://schemas.microsoft.com/office/drawing/2014/main" id="{E0DA7BE5-3495-43E0-BC58-01B3106BCE1C}"/>
+                <a16:creationId xmlns:a16="http://schemas.microsoft.com/office/drawing/2014/main" xmlns="" id="{E0DA7BE5-3495-43E0-BC58-01B3106BCE1C}"/>
               </a:ext>
             </a:extLst>
           </p:cNvPr>
@@ -3599,7 +3599,7 @@
     <a:masterClrMapping/>
   </p:clrMapOvr>
   <mc:AlternateContent xmlns:mc="http://schemas.openxmlformats.org/markup-compatibility/2006">
-    <mc:Choice xmlns:p14="http://schemas.microsoft.com/office/powerpoint/2010/main" Requires="p14">
+    <mc:Choice xmlns:p14="http://schemas.microsoft.com/office/powerpoint/2010/main" xmlns="" Requires="p14">
       <p:transition spd="med" p14:dur="700">
         <p:fade/>
       </p:transition>
@@ -3661,7 +3661,7 @@
           <p:cNvPr id="3" name="ZoneTexte 2">
             <a:extLst>
               <a:ext uri="{FF2B5EF4-FFF2-40B4-BE49-F238E27FC236}">
-                <a16:creationId xmlns:a16="http://schemas.microsoft.com/office/drawing/2014/main" id="{35B3E0DE-2E5C-452D-A88F-21F4837A7D9A}"/>
+                <a16:creationId xmlns:a16="http://schemas.microsoft.com/office/drawing/2014/main" xmlns="" id="{35B3E0DE-2E5C-452D-A88F-21F4837A7D9A}"/>
               </a:ext>
             </a:extLst>
           </p:cNvPr>
@@ -3724,7 +3724,7 @@
     <a:masterClrMapping/>
   </p:clrMapOvr>
   <mc:AlternateContent xmlns:mc="http://schemas.openxmlformats.org/markup-compatibility/2006">
-    <mc:Choice xmlns:p14="http://schemas.microsoft.com/office/powerpoint/2010/main" Requires="p14">
+    <mc:Choice xmlns:p14="http://schemas.microsoft.com/office/powerpoint/2010/main" xmlns="" Requires="p14">
       <p:transition spd="med" p14:dur="700">
         <p:fade/>
       </p:transition>
@@ -3927,7 +3927,7 @@
     <a:masterClrMapping/>
   </p:clrMapOvr>
   <mc:AlternateContent xmlns:mc="http://schemas.openxmlformats.org/markup-compatibility/2006">
-    <mc:Choice xmlns:p14="http://schemas.microsoft.com/office/powerpoint/2010/main" Requires="p14">
+    <mc:Choice xmlns:p14="http://schemas.microsoft.com/office/powerpoint/2010/main" xmlns="" Requires="p14">
       <p:transition spd="med" p14:dur="700">
         <p:fade/>
       </p:transition>
@@ -3963,7 +3963,7 @@
           <p:cNvPr id="2" name="Titre 1">
             <a:extLst>
               <a:ext uri="{FF2B5EF4-FFF2-40B4-BE49-F238E27FC236}">
-                <a16:creationId xmlns:a16="http://schemas.microsoft.com/office/drawing/2014/main" id="{F23E5597-9C0E-4EAF-AEA5-20C7E392C561}"/>
+                <a16:creationId xmlns:a16="http://schemas.microsoft.com/office/drawing/2014/main" xmlns="" id="{F23E5597-9C0E-4EAF-AEA5-20C7E392C561}"/>
               </a:ext>
             </a:extLst>
           </p:cNvPr>
@@ -3996,7 +3996,7 @@
           <p:cNvPr id="3" name="Espace réservé du contenu 2">
             <a:extLst>
               <a:ext uri="{FF2B5EF4-FFF2-40B4-BE49-F238E27FC236}">
-                <a16:creationId xmlns:a16="http://schemas.microsoft.com/office/drawing/2014/main" id="{3E0A1B01-74BB-4519-A0CE-95B086F55449}"/>
+                <a16:creationId xmlns:a16="http://schemas.microsoft.com/office/drawing/2014/main" xmlns="" id="{3E0A1B01-74BB-4519-A0CE-95B086F55449}"/>
               </a:ext>
             </a:extLst>
           </p:cNvPr>
@@ -4037,7 +4037,7 @@
     </p:spTree>
     <p:extLst>
       <p:ext uri="{BB962C8B-B14F-4D97-AF65-F5344CB8AC3E}">
-        <p14:creationId xmlns:p14="http://schemas.microsoft.com/office/powerpoint/2010/main" val="2140033512"/>
+        <p14:creationId xmlns:p14="http://schemas.microsoft.com/office/powerpoint/2010/main" xmlns="" val="2140033512"/>
       </p:ext>
     </p:extLst>
   </p:cSld>
@@ -4045,7 +4045,7 @@
     <a:masterClrMapping/>
   </p:clrMapOvr>
   <mc:AlternateContent xmlns:mc="http://schemas.openxmlformats.org/markup-compatibility/2006">
-    <mc:Choice xmlns:p14="http://schemas.microsoft.com/office/powerpoint/2010/main" Requires="p14">
+    <mc:Choice xmlns:p14="http://schemas.microsoft.com/office/powerpoint/2010/main" xmlns="" Requires="p14">
       <p:transition spd="med" p14:dur="700">
         <p:fade/>
       </p:transition>
@@ -4243,7 +4243,7 @@
     <a:masterClrMapping/>
   </p:clrMapOvr>
   <mc:AlternateContent xmlns:mc="http://schemas.openxmlformats.org/markup-compatibility/2006">
-    <mc:Choice xmlns:p14="http://schemas.microsoft.com/office/powerpoint/2010/main" Requires="p14">
+    <mc:Choice xmlns:p14="http://schemas.microsoft.com/office/powerpoint/2010/main" xmlns="" Requires="p14">
       <p:transition spd="med" p14:dur="700">
         <p:fade/>
       </p:transition>
@@ -4305,7 +4305,7 @@
           <p:cNvPr id="4" name="Image 3">
             <a:extLst>
               <a:ext uri="{FF2B5EF4-FFF2-40B4-BE49-F238E27FC236}">
-                <a16:creationId xmlns:a16="http://schemas.microsoft.com/office/drawing/2014/main" id="{285C3EA7-7735-4221-A34E-741A98DFA83C}"/>
+                <a16:creationId xmlns:a16="http://schemas.microsoft.com/office/drawing/2014/main" xmlns="" id="{285C3EA7-7735-4221-A34E-741A98DFA83C}"/>
               </a:ext>
             </a:extLst>
           </p:cNvPr>
@@ -4318,7 +4318,7 @@
           <a:blip r:embed="rId2" cstate="print">
             <a:extLst>
               <a:ext uri="{28A0092B-C50C-407E-A947-70E740481C1C}">
-                <a14:useLocalDpi xmlns:a14="http://schemas.microsoft.com/office/drawing/2010/main" val="0"/>
+                <a14:useLocalDpi xmlns:a14="http://schemas.microsoft.com/office/drawing/2010/main" xmlns="" val="0"/>
               </a:ext>
             </a:extLst>
           </a:blip>
@@ -4342,7 +4342,7 @@
     <a:masterClrMapping/>
   </p:clrMapOvr>
   <mc:AlternateContent xmlns:mc="http://schemas.openxmlformats.org/markup-compatibility/2006">
-    <mc:Choice xmlns:p14="http://schemas.microsoft.com/office/powerpoint/2010/main" Requires="p14">
+    <mc:Choice xmlns:p14="http://schemas.microsoft.com/office/powerpoint/2010/main" xmlns="" Requires="p14">
       <p:transition spd="med" p14:dur="700">
         <p:fade/>
       </p:transition>
@@ -4575,15 +4575,15 @@
         </p:nvPicPr>
         <p:blipFill>
           <a:blip r:embed="rId3" cstate="print"/>
-          <a:srcRect/>
+          <a:srcRect l="2098" t="-1409"/>
           <a:stretch>
             <a:fillRect/>
           </a:stretch>
         </p:blipFill>
         <p:spPr bwMode="auto">
           <a:xfrm>
-            <a:off x="5148064" y="2695562"/>
-            <a:ext cx="3432795" cy="4162438"/>
+            <a:off x="5220072" y="2636912"/>
+            <a:ext cx="3360787" cy="4221088"/>
           </a:xfrm>
           <a:prstGeom prst="rect">
             <a:avLst/>
@@ -4784,7 +4784,7 @@
     <a:masterClrMapping/>
   </p:clrMapOvr>
   <mc:AlternateContent xmlns:mc="http://schemas.openxmlformats.org/markup-compatibility/2006">
-    <mc:Choice xmlns:p14="http://schemas.microsoft.com/office/powerpoint/2010/main" Requires="p14">
+    <mc:Choice xmlns:p14="http://schemas.microsoft.com/office/powerpoint/2010/main" xmlns="" Requires="p14">
       <p:transition spd="med" p14:dur="700">
         <p:fade/>
       </p:transition>
@@ -4851,15 +4851,15 @@
         </p:nvPicPr>
         <p:blipFill>
           <a:blip r:embed="rId3" cstate="print"/>
-          <a:srcRect r="63201" b="21625"/>
+          <a:srcRect l="605" t="-425" r="63201" b="21625"/>
           <a:stretch>
             <a:fillRect/>
           </a:stretch>
         </p:blipFill>
         <p:spPr bwMode="auto">
           <a:xfrm>
-            <a:off x="4795185" y="286291"/>
-            <a:ext cx="3946118" cy="4725144"/>
+            <a:off x="4860032" y="260648"/>
+            <a:ext cx="3881271" cy="4750787"/>
           </a:xfrm>
           <a:prstGeom prst="rect">
             <a:avLst/>
@@ -4881,7 +4881,7 @@
         </p:nvSpPr>
         <p:spPr>
           <a:xfrm>
-            <a:off x="3779912" y="836712"/>
+            <a:off x="3707904" y="764704"/>
             <a:ext cx="1871731" cy="646331"/>
           </a:xfrm>
           <a:prstGeom prst="rect">
@@ -4918,7 +4918,7 @@
         </p:nvCxnSpPr>
         <p:spPr>
           <a:xfrm flipH="1" flipV="1">
-            <a:off x="2483768" y="548680"/>
+            <a:off x="2411760" y="476672"/>
             <a:ext cx="1296144" cy="611198"/>
           </a:xfrm>
           <a:prstGeom prst="straightConnector1">
@@ -5437,7 +5437,7 @@
     <a:masterClrMapping/>
   </p:clrMapOvr>
   <mc:AlternateContent xmlns:mc="http://schemas.openxmlformats.org/markup-compatibility/2006">
-    <mc:Choice xmlns:p14="http://schemas.microsoft.com/office/powerpoint/2010/main" Requires="p14">
+    <mc:Choice xmlns:p14="http://schemas.microsoft.com/office/powerpoint/2010/main" xmlns="" Requires="p14">
       <p:transition spd="med" p14:dur="700">
         <p:fade/>
       </p:transition>
@@ -5823,7 +5823,7 @@
     <a:masterClrMapping/>
   </p:clrMapOvr>
   <mc:AlternateContent xmlns:mc="http://schemas.openxmlformats.org/markup-compatibility/2006">
-    <mc:Choice xmlns:p14="http://schemas.microsoft.com/office/powerpoint/2010/main" Requires="p14">
+    <mc:Choice xmlns:p14="http://schemas.microsoft.com/office/powerpoint/2010/main" xmlns="" Requires="p14">
       <p:transition spd="med" p14:dur="700">
         <p:fade/>
       </p:transition>
@@ -6102,7 +6102,7 @@
     <a:masterClrMapping/>
   </p:clrMapOvr>
   <mc:AlternateContent xmlns:mc="http://schemas.openxmlformats.org/markup-compatibility/2006">
-    <mc:Choice xmlns:p14="http://schemas.microsoft.com/office/powerpoint/2010/main" Requires="p14">
+    <mc:Choice xmlns:p14="http://schemas.microsoft.com/office/powerpoint/2010/main" xmlns="" Requires="p14">
       <p:transition spd="med" p14:dur="700">
         <p:fade/>
       </p:transition>
@@ -6164,7 +6164,7 @@
           <p:cNvPr id="4" name="Image 3">
             <a:extLst>
               <a:ext uri="{FF2B5EF4-FFF2-40B4-BE49-F238E27FC236}">
-                <a16:creationId xmlns:a16="http://schemas.microsoft.com/office/drawing/2014/main" id="{42FD4A78-32F5-4424-85FF-3616C6DB456D}"/>
+                <a16:creationId xmlns:a16="http://schemas.microsoft.com/office/drawing/2014/main" xmlns="" id="{42FD4A78-32F5-4424-85FF-3616C6DB456D}"/>
               </a:ext>
             </a:extLst>
           </p:cNvPr>
@@ -6194,7 +6194,7 @@
           <p:cNvPr id="5" name="Rectangle 4">
             <a:extLst>
               <a:ext uri="{FF2B5EF4-FFF2-40B4-BE49-F238E27FC236}">
-                <a16:creationId xmlns:a16="http://schemas.microsoft.com/office/drawing/2014/main" id="{E9CDEC9F-7164-4F20-96F4-3BAC1FB7894E}"/>
+                <a16:creationId xmlns:a16="http://schemas.microsoft.com/office/drawing/2014/main" xmlns="" id="{E9CDEC9F-7164-4F20-96F4-3BAC1FB7894E}"/>
               </a:ext>
             </a:extLst>
           </p:cNvPr>
@@ -6233,7 +6233,7 @@
     <a:masterClrMapping/>
   </p:clrMapOvr>
   <mc:AlternateContent xmlns:mc="http://schemas.openxmlformats.org/markup-compatibility/2006">
-    <mc:Choice xmlns:p14="http://schemas.microsoft.com/office/powerpoint/2010/main" Requires="p14">
+    <mc:Choice xmlns:p14="http://schemas.microsoft.com/office/powerpoint/2010/main" xmlns="" Requires="p14">
       <p:transition spd="med" p14:dur="700">
         <p:fade/>
       </p:transition>
@@ -6269,7 +6269,7 @@
           <p:cNvPr id="2" name="Titre 1">
             <a:extLst>
               <a:ext uri="{FF2B5EF4-FFF2-40B4-BE49-F238E27FC236}">
-                <a16:creationId xmlns:a16="http://schemas.microsoft.com/office/drawing/2014/main" id="{64D63C0B-4141-45DB-BDB2-5E0B46C21B91}"/>
+                <a16:creationId xmlns:a16="http://schemas.microsoft.com/office/drawing/2014/main" xmlns="" id="{64D63C0B-4141-45DB-BDB2-5E0B46C21B91}"/>
               </a:ext>
             </a:extLst>
           </p:cNvPr>
@@ -6302,7 +6302,7 @@
           <p:cNvPr id="4" name="Image 3">
             <a:extLst>
               <a:ext uri="{FF2B5EF4-FFF2-40B4-BE49-F238E27FC236}">
-                <a16:creationId xmlns:a16="http://schemas.microsoft.com/office/drawing/2014/main" id="{F08B8B61-D49C-4A8D-8F09-4A54EDE4B54E}"/>
+                <a16:creationId xmlns:a16="http://schemas.microsoft.com/office/drawing/2014/main" xmlns="" id="{F08B8B61-D49C-4A8D-8F09-4A54EDE4B54E}"/>
               </a:ext>
             </a:extLst>
           </p:cNvPr>
@@ -6332,7 +6332,7 @@
           <p:cNvPr id="5" name="Rectangle 4">
             <a:extLst>
               <a:ext uri="{FF2B5EF4-FFF2-40B4-BE49-F238E27FC236}">
-                <a16:creationId xmlns:a16="http://schemas.microsoft.com/office/drawing/2014/main" id="{85BD0C61-8654-4AC1-B4DA-6A1B545D0963}"/>
+                <a16:creationId xmlns:a16="http://schemas.microsoft.com/office/drawing/2014/main" xmlns="" id="{85BD0C61-8654-4AC1-B4DA-6A1B545D0963}"/>
               </a:ext>
             </a:extLst>
           </p:cNvPr>
@@ -6387,7 +6387,7 @@
     </p:spTree>
     <p:extLst>
       <p:ext uri="{BB962C8B-B14F-4D97-AF65-F5344CB8AC3E}">
-        <p14:creationId xmlns:p14="http://schemas.microsoft.com/office/powerpoint/2010/main" val="3063730933"/>
+        <p14:creationId xmlns:p14="http://schemas.microsoft.com/office/powerpoint/2010/main" xmlns="" val="3063730933"/>
       </p:ext>
     </p:extLst>
   </p:cSld>
@@ -6395,7 +6395,7 @@
     <a:masterClrMapping/>
   </p:clrMapOvr>
   <mc:AlternateContent xmlns:mc="http://schemas.openxmlformats.org/markup-compatibility/2006">
-    <mc:Choice xmlns:p14="http://schemas.microsoft.com/office/powerpoint/2010/main" Requires="p14">
+    <mc:Choice xmlns:p14="http://schemas.microsoft.com/office/powerpoint/2010/main" xmlns="" Requires="p14">
       <p:transition spd="med" p14:dur="700">
         <p:fade/>
       </p:transition>
